--- a/Data_Ethics_AI.pptx
+++ b/Data_Ethics_AI.pptx
@@ -4,9 +4,20 @@
   <p:sldMasterIdLst>
     <p:sldMasterId id="2147483648" r:id="rId1"/>
   </p:sldMasterIdLst>
+  <p:notesMasterIdLst>
+    <p:notesMasterId r:id="rId12"/>
+  </p:notesMasterIdLst>
   <p:sldIdLst>
     <p:sldId id="256" r:id="rId2"/>
     <p:sldId id="257" r:id="rId3"/>
+    <p:sldId id="263" r:id="rId4"/>
+    <p:sldId id="264" r:id="rId5"/>
+    <p:sldId id="258" r:id="rId6"/>
+    <p:sldId id="265" r:id="rId7"/>
+    <p:sldId id="259" r:id="rId8"/>
+    <p:sldId id="260" r:id="rId9"/>
+    <p:sldId id="261" r:id="rId10"/>
+    <p:sldId id="262" r:id="rId11"/>
   </p:sldIdLst>
   <p:sldSz cx="12192000" cy="6858000"/>
   <p:notesSz cx="6858000" cy="9144000"/>
@@ -105,7 +116,446 @@
       </a:defRPr>
     </a:lvl9pPr>
   </p:defaultTextStyle>
+  <p:extLst>
+    <p:ext uri="{EFAFB233-063F-42B5-8137-9DF3F51BA10A}">
+      <p15:sldGuideLst xmlns:p15="http://schemas.microsoft.com/office/powerpoint/2012/main"/>
+    </p:ext>
+  </p:extLst>
 </p:presentation>
+</file>
+
+<file path=ppt/notesMasters/notesMaster1.xml><?xml version="1.0" encoding="utf-8"?>
+<p:notesMaster xmlns:a="http://schemas.openxmlformats.org/drawingml/2006/main" xmlns:r="http://schemas.openxmlformats.org/officeDocument/2006/relationships" xmlns:p="http://schemas.openxmlformats.org/presentationml/2006/main">
+  <p:cSld>
+    <p:bg>
+      <p:bgRef idx="1001">
+        <a:schemeClr val="bg1"/>
+      </p:bgRef>
+    </p:bg>
+    <p:spTree>
+      <p:nvGrpSpPr>
+        <p:cNvPr id="1" name=""/>
+        <p:cNvGrpSpPr/>
+        <p:nvPr/>
+      </p:nvGrpSpPr>
+      <p:grpSpPr>
+        <a:xfrm>
+          <a:off x="0" y="0"/>
+          <a:ext cx="0" cy="0"/>
+          <a:chOff x="0" y="0"/>
+          <a:chExt cx="0" cy="0"/>
+        </a:xfrm>
+      </p:grpSpPr>
+      <p:sp>
+        <p:nvSpPr>
+          <p:cNvPr id="2" name="Header Placeholder 1"/>
+          <p:cNvSpPr>
+            <a:spLocks noGrp="1"/>
+          </p:cNvSpPr>
+          <p:nvPr>
+            <p:ph type="hdr" sz="quarter"/>
+          </p:nvPr>
+        </p:nvSpPr>
+        <p:spPr>
+          <a:xfrm>
+            <a:off x="0" y="0"/>
+            <a:ext cx="2971800" cy="458788"/>
+          </a:xfrm>
+          <a:prstGeom prst="rect">
+            <a:avLst/>
+          </a:prstGeom>
+        </p:spPr>
+        <p:txBody>
+          <a:bodyPr vert="horz" lIns="91440" tIns="45720" rIns="91440" bIns="45720" rtlCol="0"/>
+          <a:lstStyle>
+            <a:lvl1pPr algn="l">
+              <a:defRPr sz="1200"/>
+            </a:lvl1pPr>
+          </a:lstStyle>
+          <a:p>
+            <a:endParaRPr lang="da-DK"/>
+          </a:p>
+        </p:txBody>
+      </p:sp>
+      <p:sp>
+        <p:nvSpPr>
+          <p:cNvPr id="3" name="Date Placeholder 2"/>
+          <p:cNvSpPr>
+            <a:spLocks noGrp="1"/>
+          </p:cNvSpPr>
+          <p:nvPr>
+            <p:ph type="dt" idx="1"/>
+          </p:nvPr>
+        </p:nvSpPr>
+        <p:spPr>
+          <a:xfrm>
+            <a:off x="3884613" y="0"/>
+            <a:ext cx="2971800" cy="458788"/>
+          </a:xfrm>
+          <a:prstGeom prst="rect">
+            <a:avLst/>
+          </a:prstGeom>
+        </p:spPr>
+        <p:txBody>
+          <a:bodyPr vert="horz" lIns="91440" tIns="45720" rIns="91440" bIns="45720" rtlCol="0"/>
+          <a:lstStyle>
+            <a:lvl1pPr algn="r">
+              <a:defRPr sz="1200"/>
+            </a:lvl1pPr>
+          </a:lstStyle>
+          <a:p>
+            <a:fld id="{EA2180B7-1923-4A82-9F4A-A7871F17BBE2}" type="datetimeFigureOut">
+              <a:rPr lang="da-DK" smtClean="0"/>
+              <a:t>11-07-2023</a:t>
+            </a:fld>
+            <a:endParaRPr lang="da-DK"/>
+          </a:p>
+        </p:txBody>
+      </p:sp>
+      <p:sp>
+        <p:nvSpPr>
+          <p:cNvPr id="4" name="Slide Image Placeholder 3"/>
+          <p:cNvSpPr>
+            <a:spLocks noGrp="1" noRot="1" noChangeAspect="1"/>
+          </p:cNvSpPr>
+          <p:nvPr>
+            <p:ph type="sldImg" idx="2"/>
+          </p:nvPr>
+        </p:nvSpPr>
+        <p:spPr>
+          <a:xfrm>
+            <a:off x="685800" y="1143000"/>
+            <a:ext cx="5486400" cy="3086100"/>
+          </a:xfrm>
+          <a:prstGeom prst="rect">
+            <a:avLst/>
+          </a:prstGeom>
+          <a:noFill/>
+          <a:ln w="12700">
+            <a:solidFill>
+              <a:prstClr val="black"/>
+            </a:solidFill>
+          </a:ln>
+        </p:spPr>
+        <p:txBody>
+          <a:bodyPr vert="horz" lIns="91440" tIns="45720" rIns="91440" bIns="45720" rtlCol="0" anchor="ctr"/>
+          <a:lstStyle/>
+          <a:p>
+            <a:endParaRPr lang="da-DK"/>
+          </a:p>
+        </p:txBody>
+      </p:sp>
+      <p:sp>
+        <p:nvSpPr>
+          <p:cNvPr id="5" name="Notes Placeholder 4"/>
+          <p:cNvSpPr>
+            <a:spLocks noGrp="1"/>
+          </p:cNvSpPr>
+          <p:nvPr>
+            <p:ph type="body" sz="quarter" idx="3"/>
+          </p:nvPr>
+        </p:nvSpPr>
+        <p:spPr>
+          <a:xfrm>
+            <a:off x="685800" y="4400550"/>
+            <a:ext cx="5486400" cy="3600450"/>
+          </a:xfrm>
+          <a:prstGeom prst="rect">
+            <a:avLst/>
+          </a:prstGeom>
+        </p:spPr>
+        <p:txBody>
+          <a:bodyPr vert="horz" lIns="91440" tIns="45720" rIns="91440" bIns="45720" rtlCol="0"/>
+          <a:lstStyle/>
+          <a:p>
+            <a:pPr lvl="0"/>
+            <a:r>
+              <a:rPr lang="en-US" smtClean="0"/>
+              <a:t>Click to edit Master text styles</a:t>
+            </a:r>
+          </a:p>
+          <a:p>
+            <a:pPr lvl="1"/>
+            <a:r>
+              <a:rPr lang="en-US" smtClean="0"/>
+              <a:t>Second level</a:t>
+            </a:r>
+          </a:p>
+          <a:p>
+            <a:pPr lvl="2"/>
+            <a:r>
+              <a:rPr lang="en-US" smtClean="0"/>
+              <a:t>Third level</a:t>
+            </a:r>
+          </a:p>
+          <a:p>
+            <a:pPr lvl="3"/>
+            <a:r>
+              <a:rPr lang="en-US" smtClean="0"/>
+              <a:t>Fourth level</a:t>
+            </a:r>
+          </a:p>
+          <a:p>
+            <a:pPr lvl="4"/>
+            <a:r>
+              <a:rPr lang="en-US" smtClean="0"/>
+              <a:t>Fifth level</a:t>
+            </a:r>
+            <a:endParaRPr lang="da-DK"/>
+          </a:p>
+        </p:txBody>
+      </p:sp>
+      <p:sp>
+        <p:nvSpPr>
+          <p:cNvPr id="6" name="Footer Placeholder 5"/>
+          <p:cNvSpPr>
+            <a:spLocks noGrp="1"/>
+          </p:cNvSpPr>
+          <p:nvPr>
+            <p:ph type="ftr" sz="quarter" idx="4"/>
+          </p:nvPr>
+        </p:nvSpPr>
+        <p:spPr>
+          <a:xfrm>
+            <a:off x="0" y="8685213"/>
+            <a:ext cx="2971800" cy="458787"/>
+          </a:xfrm>
+          <a:prstGeom prst="rect">
+            <a:avLst/>
+          </a:prstGeom>
+        </p:spPr>
+        <p:txBody>
+          <a:bodyPr vert="horz" lIns="91440" tIns="45720" rIns="91440" bIns="45720" rtlCol="0" anchor="b"/>
+          <a:lstStyle>
+            <a:lvl1pPr algn="l">
+              <a:defRPr sz="1200"/>
+            </a:lvl1pPr>
+          </a:lstStyle>
+          <a:p>
+            <a:endParaRPr lang="da-DK"/>
+          </a:p>
+        </p:txBody>
+      </p:sp>
+      <p:sp>
+        <p:nvSpPr>
+          <p:cNvPr id="7" name="Slide Number Placeholder 6"/>
+          <p:cNvSpPr>
+            <a:spLocks noGrp="1"/>
+          </p:cNvSpPr>
+          <p:nvPr>
+            <p:ph type="sldNum" sz="quarter" idx="5"/>
+          </p:nvPr>
+        </p:nvSpPr>
+        <p:spPr>
+          <a:xfrm>
+            <a:off x="3884613" y="8685213"/>
+            <a:ext cx="2971800" cy="458787"/>
+          </a:xfrm>
+          <a:prstGeom prst="rect">
+            <a:avLst/>
+          </a:prstGeom>
+        </p:spPr>
+        <p:txBody>
+          <a:bodyPr vert="horz" lIns="91440" tIns="45720" rIns="91440" bIns="45720" rtlCol="0" anchor="b"/>
+          <a:lstStyle>
+            <a:lvl1pPr algn="r">
+              <a:defRPr sz="1200"/>
+            </a:lvl1pPr>
+          </a:lstStyle>
+          <a:p>
+            <a:fld id="{596C84DE-BE50-4222-822C-C54612DE2E15}" type="slidenum">
+              <a:rPr lang="da-DK" smtClean="0"/>
+              <a:t>‹#›</a:t>
+            </a:fld>
+            <a:endParaRPr lang="da-DK"/>
+          </a:p>
+        </p:txBody>
+      </p:sp>
+    </p:spTree>
+    <p:extLst>
+      <p:ext uri="{BB962C8B-B14F-4D97-AF65-F5344CB8AC3E}">
+        <p14:creationId xmlns:p14="http://schemas.microsoft.com/office/powerpoint/2010/main" val="4080949432"/>
+      </p:ext>
+    </p:extLst>
+  </p:cSld>
+  <p:clrMap bg1="lt1" tx1="dk1" bg2="lt2" tx2="dk2" accent1="accent1" accent2="accent2" accent3="accent3" accent4="accent4" accent5="accent5" accent6="accent6" hlink="hlink" folHlink="folHlink"/>
+  <p:notesStyle>
+    <a:lvl1pPr marL="0" algn="l" defTabSz="914400" rtl="0" eaLnBrk="1" latinLnBrk="0" hangingPunct="1">
+      <a:defRPr sz="1200" kern="1200">
+        <a:solidFill>
+          <a:schemeClr val="tx1"/>
+        </a:solidFill>
+        <a:latin typeface="+mn-lt"/>
+        <a:ea typeface="+mn-ea"/>
+        <a:cs typeface="+mn-cs"/>
+      </a:defRPr>
+    </a:lvl1pPr>
+    <a:lvl2pPr marL="457200" algn="l" defTabSz="914400" rtl="0" eaLnBrk="1" latinLnBrk="0" hangingPunct="1">
+      <a:defRPr sz="1200" kern="1200">
+        <a:solidFill>
+          <a:schemeClr val="tx1"/>
+        </a:solidFill>
+        <a:latin typeface="+mn-lt"/>
+        <a:ea typeface="+mn-ea"/>
+        <a:cs typeface="+mn-cs"/>
+      </a:defRPr>
+    </a:lvl2pPr>
+    <a:lvl3pPr marL="914400" algn="l" defTabSz="914400" rtl="0" eaLnBrk="1" latinLnBrk="0" hangingPunct="1">
+      <a:defRPr sz="1200" kern="1200">
+        <a:solidFill>
+          <a:schemeClr val="tx1"/>
+        </a:solidFill>
+        <a:latin typeface="+mn-lt"/>
+        <a:ea typeface="+mn-ea"/>
+        <a:cs typeface="+mn-cs"/>
+      </a:defRPr>
+    </a:lvl3pPr>
+    <a:lvl4pPr marL="1371600" algn="l" defTabSz="914400" rtl="0" eaLnBrk="1" latinLnBrk="0" hangingPunct="1">
+      <a:defRPr sz="1200" kern="1200">
+        <a:solidFill>
+          <a:schemeClr val="tx1"/>
+        </a:solidFill>
+        <a:latin typeface="+mn-lt"/>
+        <a:ea typeface="+mn-ea"/>
+        <a:cs typeface="+mn-cs"/>
+      </a:defRPr>
+    </a:lvl4pPr>
+    <a:lvl5pPr marL="1828800" algn="l" defTabSz="914400" rtl="0" eaLnBrk="1" latinLnBrk="0" hangingPunct="1">
+      <a:defRPr sz="1200" kern="1200">
+        <a:solidFill>
+          <a:schemeClr val="tx1"/>
+        </a:solidFill>
+        <a:latin typeface="+mn-lt"/>
+        <a:ea typeface="+mn-ea"/>
+        <a:cs typeface="+mn-cs"/>
+      </a:defRPr>
+    </a:lvl5pPr>
+    <a:lvl6pPr marL="2286000" algn="l" defTabSz="914400" rtl="0" eaLnBrk="1" latinLnBrk="0" hangingPunct="1">
+      <a:defRPr sz="1200" kern="1200">
+        <a:solidFill>
+          <a:schemeClr val="tx1"/>
+        </a:solidFill>
+        <a:latin typeface="+mn-lt"/>
+        <a:ea typeface="+mn-ea"/>
+        <a:cs typeface="+mn-cs"/>
+      </a:defRPr>
+    </a:lvl6pPr>
+    <a:lvl7pPr marL="2743200" algn="l" defTabSz="914400" rtl="0" eaLnBrk="1" latinLnBrk="0" hangingPunct="1">
+      <a:defRPr sz="1200" kern="1200">
+        <a:solidFill>
+          <a:schemeClr val="tx1"/>
+        </a:solidFill>
+        <a:latin typeface="+mn-lt"/>
+        <a:ea typeface="+mn-ea"/>
+        <a:cs typeface="+mn-cs"/>
+      </a:defRPr>
+    </a:lvl7pPr>
+    <a:lvl8pPr marL="3200400" algn="l" defTabSz="914400" rtl="0" eaLnBrk="1" latinLnBrk="0" hangingPunct="1">
+      <a:defRPr sz="1200" kern="1200">
+        <a:solidFill>
+          <a:schemeClr val="tx1"/>
+        </a:solidFill>
+        <a:latin typeface="+mn-lt"/>
+        <a:ea typeface="+mn-ea"/>
+        <a:cs typeface="+mn-cs"/>
+      </a:defRPr>
+    </a:lvl8pPr>
+    <a:lvl9pPr marL="3657600" algn="l" defTabSz="914400" rtl="0" eaLnBrk="1" latinLnBrk="0" hangingPunct="1">
+      <a:defRPr sz="1200" kern="1200">
+        <a:solidFill>
+          <a:schemeClr val="tx1"/>
+        </a:solidFill>
+        <a:latin typeface="+mn-lt"/>
+        <a:ea typeface="+mn-ea"/>
+        <a:cs typeface="+mn-cs"/>
+      </a:defRPr>
+    </a:lvl9pPr>
+  </p:notesStyle>
+</p:notesMaster>
+</file>
+
+<file path=ppt/notesSlides/notesSlide1.xml><?xml version="1.0" encoding="utf-8"?>
+<p:notes xmlns:a="http://schemas.openxmlformats.org/drawingml/2006/main" xmlns:r="http://schemas.openxmlformats.org/officeDocument/2006/relationships" xmlns:p="http://schemas.openxmlformats.org/presentationml/2006/main">
+  <p:cSld>
+    <p:spTree>
+      <p:nvGrpSpPr>
+        <p:cNvPr id="1" name=""/>
+        <p:cNvGrpSpPr/>
+        <p:nvPr/>
+      </p:nvGrpSpPr>
+      <p:grpSpPr>
+        <a:xfrm>
+          <a:off x="0" y="0"/>
+          <a:ext cx="0" cy="0"/>
+          <a:chOff x="0" y="0"/>
+          <a:chExt cx="0" cy="0"/>
+        </a:xfrm>
+      </p:grpSpPr>
+      <p:sp>
+        <p:nvSpPr>
+          <p:cNvPr id="2" name="Slide Image Placeholder 1"/>
+          <p:cNvSpPr>
+            <a:spLocks noGrp="1" noRot="1" noChangeAspect="1"/>
+          </p:cNvSpPr>
+          <p:nvPr>
+            <p:ph type="sldImg"/>
+          </p:nvPr>
+        </p:nvSpPr>
+        <p:spPr/>
+      </p:sp>
+      <p:sp>
+        <p:nvSpPr>
+          <p:cNvPr id="3" name="Notes Placeholder 2"/>
+          <p:cNvSpPr>
+            <a:spLocks noGrp="1"/>
+          </p:cNvSpPr>
+          <p:nvPr>
+            <p:ph type="body" idx="1"/>
+          </p:nvPr>
+        </p:nvSpPr>
+        <p:spPr/>
+        <p:txBody>
+          <a:bodyPr/>
+          <a:lstStyle/>
+          <a:p>
+            <a:endParaRPr lang="da-DK"/>
+          </a:p>
+        </p:txBody>
+      </p:sp>
+      <p:sp>
+        <p:nvSpPr>
+          <p:cNvPr id="4" name="Slide Number Placeholder 3"/>
+          <p:cNvSpPr>
+            <a:spLocks noGrp="1"/>
+          </p:cNvSpPr>
+          <p:nvPr>
+            <p:ph type="sldNum" sz="quarter" idx="10"/>
+          </p:nvPr>
+        </p:nvSpPr>
+        <p:spPr/>
+        <p:txBody>
+          <a:bodyPr/>
+          <a:lstStyle/>
+          <a:p>
+            <a:fld id="{3849978F-44FC-48F1-9B51-A308F773AF69}" type="slidenum">
+              <a:rPr lang="da-DK" smtClean="0"/>
+              <a:t>10</a:t>
+            </a:fld>
+            <a:endParaRPr lang="da-DK"/>
+          </a:p>
+        </p:txBody>
+      </p:sp>
+    </p:spTree>
+    <p:extLst>
+      <p:ext uri="{BB962C8B-B14F-4D97-AF65-F5344CB8AC3E}">
+        <p14:creationId xmlns:p14="http://schemas.microsoft.com/office/powerpoint/2010/main" val="3281327423"/>
+      </p:ext>
+    </p:extLst>
+  </p:cSld>
+  <p:clrMapOvr>
+    <a:masterClrMapping/>
+  </p:clrMapOvr>
+</p:notes>
 </file>
 
 <file path=ppt/slideLayouts/slideLayout1.xml><?xml version="1.0" encoding="utf-8"?>
@@ -239,7 +689,7 @@
           <a:p>
             <a:fld id="{B21CBCDC-687A-4FF4-B4A2-EF00539C766D}" type="datetimeFigureOut">
               <a:rPr lang="da-DK" smtClean="0"/>
-              <a:t>28-06-2023</a:t>
+              <a:t>11-07-2023</a:t>
             </a:fld>
             <a:endParaRPr lang="da-DK"/>
           </a:p>
@@ -409,7 +859,7 @@
           <a:p>
             <a:fld id="{B21CBCDC-687A-4FF4-B4A2-EF00539C766D}" type="datetimeFigureOut">
               <a:rPr lang="da-DK" smtClean="0"/>
-              <a:t>28-06-2023</a:t>
+              <a:t>11-07-2023</a:t>
             </a:fld>
             <a:endParaRPr lang="da-DK"/>
           </a:p>
@@ -589,7 +1039,7 @@
           <a:p>
             <a:fld id="{B21CBCDC-687A-4FF4-B4A2-EF00539C766D}" type="datetimeFigureOut">
               <a:rPr lang="da-DK" smtClean="0"/>
-              <a:t>28-06-2023</a:t>
+              <a:t>11-07-2023</a:t>
             </a:fld>
             <a:endParaRPr lang="da-DK"/>
           </a:p>
@@ -759,7 +1209,7 @@
           <a:p>
             <a:fld id="{B21CBCDC-687A-4FF4-B4A2-EF00539C766D}" type="datetimeFigureOut">
               <a:rPr lang="da-DK" smtClean="0"/>
-              <a:t>28-06-2023</a:t>
+              <a:t>11-07-2023</a:t>
             </a:fld>
             <a:endParaRPr lang="da-DK"/>
           </a:p>
@@ -1005,7 +1455,7 @@
           <a:p>
             <a:fld id="{B21CBCDC-687A-4FF4-B4A2-EF00539C766D}" type="datetimeFigureOut">
               <a:rPr lang="da-DK" smtClean="0"/>
-              <a:t>28-06-2023</a:t>
+              <a:t>11-07-2023</a:t>
             </a:fld>
             <a:endParaRPr lang="da-DK"/>
           </a:p>
@@ -1237,7 +1687,7 @@
           <a:p>
             <a:fld id="{B21CBCDC-687A-4FF4-B4A2-EF00539C766D}" type="datetimeFigureOut">
               <a:rPr lang="da-DK" smtClean="0"/>
-              <a:t>28-06-2023</a:t>
+              <a:t>11-07-2023</a:t>
             </a:fld>
             <a:endParaRPr lang="da-DK"/>
           </a:p>
@@ -1604,7 +2054,7 @@
           <a:p>
             <a:fld id="{B21CBCDC-687A-4FF4-B4A2-EF00539C766D}" type="datetimeFigureOut">
               <a:rPr lang="da-DK" smtClean="0"/>
-              <a:t>28-06-2023</a:t>
+              <a:t>11-07-2023</a:t>
             </a:fld>
             <a:endParaRPr lang="da-DK"/>
           </a:p>
@@ -1722,7 +2172,7 @@
           <a:p>
             <a:fld id="{B21CBCDC-687A-4FF4-B4A2-EF00539C766D}" type="datetimeFigureOut">
               <a:rPr lang="da-DK" smtClean="0"/>
-              <a:t>28-06-2023</a:t>
+              <a:t>11-07-2023</a:t>
             </a:fld>
             <a:endParaRPr lang="da-DK"/>
           </a:p>
@@ -1817,7 +2267,7 @@
           <a:p>
             <a:fld id="{B21CBCDC-687A-4FF4-B4A2-EF00539C766D}" type="datetimeFigureOut">
               <a:rPr lang="da-DK" smtClean="0"/>
-              <a:t>28-06-2023</a:t>
+              <a:t>11-07-2023</a:t>
             </a:fld>
             <a:endParaRPr lang="da-DK"/>
           </a:p>
@@ -2094,7 +2544,7 @@
           <a:p>
             <a:fld id="{B21CBCDC-687A-4FF4-B4A2-EF00539C766D}" type="datetimeFigureOut">
               <a:rPr lang="da-DK" smtClean="0"/>
-              <a:t>28-06-2023</a:t>
+              <a:t>11-07-2023</a:t>
             </a:fld>
             <a:endParaRPr lang="da-DK"/>
           </a:p>
@@ -2347,7 +2797,7 @@
           <a:p>
             <a:fld id="{B21CBCDC-687A-4FF4-B4A2-EF00539C766D}" type="datetimeFigureOut">
               <a:rPr lang="da-DK" smtClean="0"/>
-              <a:t>28-06-2023</a:t>
+              <a:t>11-07-2023</a:t>
             </a:fld>
             <a:endParaRPr lang="da-DK"/>
           </a:p>
@@ -2560,7 +3010,7 @@
           <a:p>
             <a:fld id="{B21CBCDC-687A-4FF4-B4A2-EF00539C766D}" type="datetimeFigureOut">
               <a:rPr lang="da-DK" smtClean="0"/>
-              <a:t>28-06-2023</a:t>
+              <a:t>11-07-2023</a:t>
             </a:fld>
             <a:endParaRPr lang="da-DK"/>
           </a:p>
@@ -5414,6 +5864,2556 @@
 </p:sld>
 </file>
 
+<file path=ppt/slides/slide10.xml><?xml version="1.0" encoding="utf-8"?>
+<p:sld xmlns:a="http://schemas.openxmlformats.org/drawingml/2006/main" xmlns:r="http://schemas.openxmlformats.org/officeDocument/2006/relationships" xmlns:p="http://schemas.openxmlformats.org/presentationml/2006/main">
+  <p:cSld>
+    <p:spTree>
+      <p:nvGrpSpPr>
+        <p:cNvPr id="1" name=""/>
+        <p:cNvGrpSpPr/>
+        <p:nvPr/>
+      </p:nvGrpSpPr>
+      <p:grpSpPr>
+        <a:xfrm>
+          <a:off x="0" y="0"/>
+          <a:ext cx="0" cy="0"/>
+          <a:chOff x="0" y="0"/>
+          <a:chExt cx="0" cy="0"/>
+        </a:xfrm>
+      </p:grpSpPr>
+      <p:grpSp>
+        <p:nvGrpSpPr>
+          <p:cNvPr id="55" name="Group 54"/>
+          <p:cNvGrpSpPr/>
+          <p:nvPr/>
+        </p:nvGrpSpPr>
+        <p:grpSpPr>
+          <a:xfrm>
+            <a:off x="6662813" y="2602862"/>
+            <a:ext cx="3561128" cy="1770078"/>
+            <a:chOff x="6662813" y="2602862"/>
+            <a:chExt cx="3561128" cy="1770078"/>
+          </a:xfrm>
+        </p:grpSpPr>
+        <p:sp>
+          <p:nvSpPr>
+            <p:cNvPr id="7" name="Right Arrow Callout 6"/>
+            <p:cNvSpPr/>
+            <p:nvPr/>
+          </p:nvSpPr>
+          <p:spPr>
+            <a:xfrm>
+              <a:off x="8269306" y="2602862"/>
+              <a:ext cx="1954635" cy="1770078"/>
+            </a:xfrm>
+            <a:prstGeom prst="rightArrowCallout">
+              <a:avLst/>
+            </a:prstGeom>
+            <a:solidFill>
+              <a:schemeClr val="bg1"/>
+            </a:solidFill>
+            <a:ln>
+              <a:solidFill>
+                <a:schemeClr val="tx1"/>
+              </a:solidFill>
+            </a:ln>
+          </p:spPr>
+          <p:style>
+            <a:lnRef idx="2">
+              <a:schemeClr val="accent1">
+                <a:shade val="50000"/>
+              </a:schemeClr>
+            </a:lnRef>
+            <a:fillRef idx="1">
+              <a:schemeClr val="accent1"/>
+            </a:fillRef>
+            <a:effectRef idx="0">
+              <a:schemeClr val="accent1"/>
+            </a:effectRef>
+            <a:fontRef idx="minor">
+              <a:schemeClr val="lt1"/>
+            </a:fontRef>
+          </p:style>
+          <p:txBody>
+            <a:bodyPr rtlCol="0" anchor="t"/>
+            <a:lstStyle/>
+            <a:p>
+              <a:pPr algn="r"/>
+              <a:r>
+                <a:rPr lang="en-GB" sz="1600" b="1" smtClean="0">
+                  <a:solidFill>
+                    <a:schemeClr val="tx1"/>
+                  </a:solidFill>
+                </a:rPr>
+                <a:t>Rules Engine</a:t>
+              </a:r>
+              <a:endParaRPr lang="da-DK" sz="1600" b="1">
+                <a:solidFill>
+                  <a:schemeClr val="tx1"/>
+                </a:solidFill>
+              </a:endParaRPr>
+            </a:p>
+          </p:txBody>
+        </p:sp>
+        <p:cxnSp>
+          <p:nvCxnSpPr>
+            <p:cNvPr id="21" name="Straight Arrow Connector 20"/>
+            <p:cNvCxnSpPr>
+              <a:stCxn id="6" idx="6"/>
+              <a:endCxn id="7" idx="1"/>
+            </p:cNvCxnSpPr>
+            <p:nvPr/>
+          </p:nvCxnSpPr>
+          <p:spPr>
+            <a:xfrm>
+              <a:off x="6662813" y="3487901"/>
+              <a:ext cx="1606493" cy="0"/>
+            </a:xfrm>
+            <a:prstGeom prst="straightConnector1">
+              <a:avLst/>
+            </a:prstGeom>
+            <a:ln w="28575">
+              <a:solidFill>
+                <a:schemeClr val="tx1"/>
+              </a:solidFill>
+              <a:tailEnd type="triangle"/>
+            </a:ln>
+          </p:spPr>
+          <p:style>
+            <a:lnRef idx="1">
+              <a:schemeClr val="accent1"/>
+            </a:lnRef>
+            <a:fillRef idx="0">
+              <a:schemeClr val="accent1"/>
+            </a:fillRef>
+            <a:effectRef idx="0">
+              <a:schemeClr val="accent1"/>
+            </a:effectRef>
+            <a:fontRef idx="minor">
+              <a:schemeClr val="tx1"/>
+            </a:fontRef>
+          </p:style>
+        </p:cxnSp>
+      </p:grpSp>
+      <p:grpSp>
+        <p:nvGrpSpPr>
+          <p:cNvPr id="53" name="Group 52"/>
+          <p:cNvGrpSpPr/>
+          <p:nvPr/>
+        </p:nvGrpSpPr>
+        <p:grpSpPr>
+          <a:xfrm>
+            <a:off x="4882393" y="2902591"/>
+            <a:ext cx="1786856" cy="1241570"/>
+            <a:chOff x="4882393" y="2902591"/>
+            <a:chExt cx="1786856" cy="1241570"/>
+          </a:xfrm>
+        </p:grpSpPr>
+        <p:sp>
+          <p:nvSpPr>
+            <p:cNvPr id="2" name="Oval 1"/>
+            <p:cNvSpPr/>
+            <p:nvPr/>
+          </p:nvSpPr>
+          <p:spPr>
+            <a:xfrm>
+              <a:off x="5134063" y="2902591"/>
+              <a:ext cx="1283516" cy="1241570"/>
+            </a:xfrm>
+            <a:prstGeom prst="ellipse">
+              <a:avLst/>
+            </a:prstGeom>
+            <a:solidFill>
+              <a:schemeClr val="tx1"/>
+            </a:solidFill>
+          </p:spPr>
+          <p:style>
+            <a:lnRef idx="2">
+              <a:schemeClr val="accent1">
+                <a:shade val="50000"/>
+              </a:schemeClr>
+            </a:lnRef>
+            <a:fillRef idx="1">
+              <a:schemeClr val="accent1"/>
+            </a:fillRef>
+            <a:effectRef idx="0">
+              <a:schemeClr val="accent1"/>
+            </a:effectRef>
+            <a:fontRef idx="minor">
+              <a:schemeClr val="lt1"/>
+            </a:fontRef>
+          </p:style>
+          <p:txBody>
+            <a:bodyPr rtlCol="0" anchor="ctr"/>
+            <a:lstStyle/>
+            <a:p>
+              <a:pPr algn="ctr"/>
+              <a:r>
+                <a:rPr lang="en-GB" smtClean="0"/>
+                <a:t>ML</a:t>
+              </a:r>
+              <a:endParaRPr lang="da-DK"/>
+            </a:p>
+          </p:txBody>
+        </p:sp>
+        <p:sp>
+          <p:nvSpPr>
+            <p:cNvPr id="4" name="Oval 3"/>
+            <p:cNvSpPr/>
+            <p:nvPr/>
+          </p:nvSpPr>
+          <p:spPr>
+            <a:xfrm>
+              <a:off x="4882393" y="3347207"/>
+              <a:ext cx="358629" cy="352338"/>
+            </a:xfrm>
+            <a:prstGeom prst="ellipse">
+              <a:avLst/>
+            </a:prstGeom>
+            <a:solidFill>
+              <a:srgbClr val="92D050"/>
+            </a:solidFill>
+            <a:ln>
+              <a:solidFill>
+                <a:srgbClr val="92D050"/>
+              </a:solidFill>
+            </a:ln>
+          </p:spPr>
+          <p:style>
+            <a:lnRef idx="2">
+              <a:schemeClr val="accent1">
+                <a:shade val="50000"/>
+              </a:schemeClr>
+            </a:lnRef>
+            <a:fillRef idx="1">
+              <a:schemeClr val="accent1"/>
+            </a:fillRef>
+            <a:effectRef idx="0">
+              <a:schemeClr val="accent1"/>
+            </a:effectRef>
+            <a:fontRef idx="minor">
+              <a:schemeClr val="lt1"/>
+            </a:fontRef>
+          </p:style>
+          <p:txBody>
+            <a:bodyPr rtlCol="0" anchor="ctr"/>
+            <a:lstStyle/>
+            <a:p>
+              <a:pPr algn="ctr"/>
+              <a:endParaRPr lang="da-DK"/>
+            </a:p>
+          </p:txBody>
+        </p:sp>
+        <p:sp>
+          <p:nvSpPr>
+            <p:cNvPr id="6" name="Oval 5"/>
+            <p:cNvSpPr/>
+            <p:nvPr/>
+          </p:nvSpPr>
+          <p:spPr>
+            <a:xfrm>
+              <a:off x="6310620" y="3347207"/>
+              <a:ext cx="358629" cy="352338"/>
+            </a:xfrm>
+            <a:prstGeom prst="ellipse">
+              <a:avLst/>
+            </a:prstGeom>
+            <a:solidFill>
+              <a:srgbClr val="00B0F0"/>
+            </a:solidFill>
+            <a:ln>
+              <a:solidFill>
+                <a:srgbClr val="00B0F0"/>
+              </a:solidFill>
+            </a:ln>
+          </p:spPr>
+          <p:style>
+            <a:lnRef idx="2">
+              <a:schemeClr val="accent1">
+                <a:shade val="50000"/>
+              </a:schemeClr>
+            </a:lnRef>
+            <a:fillRef idx="1">
+              <a:schemeClr val="accent1"/>
+            </a:fillRef>
+            <a:effectRef idx="0">
+              <a:schemeClr val="accent1"/>
+            </a:effectRef>
+            <a:fontRef idx="minor">
+              <a:schemeClr val="lt1"/>
+            </a:fontRef>
+          </p:style>
+          <p:txBody>
+            <a:bodyPr rtlCol="0" anchor="ctr"/>
+            <a:lstStyle/>
+            <a:p>
+              <a:pPr algn="ctr"/>
+              <a:endParaRPr lang="da-DK"/>
+            </a:p>
+          </p:txBody>
+        </p:sp>
+      </p:grpSp>
+      <p:sp>
+        <p:nvSpPr>
+          <p:cNvPr id="8" name="TextBox 7"/>
+          <p:cNvSpPr txBox="1"/>
+          <p:nvPr/>
+        </p:nvSpPr>
+        <p:spPr>
+          <a:xfrm>
+            <a:off x="8397379" y="3061711"/>
+            <a:ext cx="1082180" cy="923330"/>
+          </a:xfrm>
+          <a:prstGeom prst="rect">
+            <a:avLst/>
+          </a:prstGeom>
+          <a:noFill/>
+        </p:spPr>
+        <p:txBody>
+          <a:bodyPr wrap="square" rtlCol="0">
+            <a:spAutoFit/>
+          </a:bodyPr>
+          <a:lstStyle/>
+          <a:p>
+            <a:r>
+              <a:rPr lang="en-GB"/>
+              <a:t>If &gt; 0.95</a:t>
+            </a:r>
+          </a:p>
+          <a:p>
+            <a:r>
+              <a:rPr lang="en-GB"/>
+              <a:t>then YES</a:t>
+            </a:r>
+          </a:p>
+          <a:p>
+            <a:r>
+              <a:rPr lang="en-GB"/>
+              <a:t>else </a:t>
+            </a:r>
+            <a:r>
+              <a:rPr lang="en-GB" smtClean="0"/>
+              <a:t>NO</a:t>
+            </a:r>
+            <a:endParaRPr lang="da-DK"/>
+          </a:p>
+        </p:txBody>
+      </p:sp>
+      <p:pic>
+        <p:nvPicPr>
+          <p:cNvPr id="12" name="Picture 11"/>
+          <p:cNvPicPr>
+            <a:picLocks noChangeAspect="1"/>
+          </p:cNvPicPr>
+          <p:nvPr/>
+        </p:nvPicPr>
+        <p:blipFill>
+          <a:blip r:embed="rId3" cstate="print">
+            <a:extLst>
+              <a:ext uri="{28A0092B-C50C-407E-A947-70E740481C1C}">
+                <a14:useLocalDpi xmlns:a14="http://schemas.microsoft.com/office/drawing/2010/main" val="0"/>
+              </a:ext>
+            </a:extLst>
+          </a:blip>
+          <a:stretch>
+            <a:fillRect/>
+          </a:stretch>
+        </p:blipFill>
+        <p:spPr>
+          <a:xfrm>
+            <a:off x="179384" y="2802655"/>
+            <a:ext cx="1464032" cy="1561634"/>
+          </a:xfrm>
+          <a:prstGeom prst="rect">
+            <a:avLst/>
+          </a:prstGeom>
+        </p:spPr>
+      </p:pic>
+      <p:pic>
+        <p:nvPicPr>
+          <p:cNvPr id="13" name="Picture 12"/>
+          <p:cNvPicPr>
+            <a:picLocks noChangeAspect="1"/>
+          </p:cNvPicPr>
+          <p:nvPr/>
+        </p:nvPicPr>
+        <p:blipFill>
+          <a:blip r:embed="rId4" cstate="print">
+            <a:extLst>
+              <a:ext uri="{28A0092B-C50C-407E-A947-70E740481C1C}">
+                <a14:useLocalDpi xmlns:a14="http://schemas.microsoft.com/office/drawing/2010/main" val="0"/>
+              </a:ext>
+            </a:extLst>
+          </a:blip>
+          <a:stretch>
+            <a:fillRect/>
+          </a:stretch>
+        </p:blipFill>
+        <p:spPr>
+          <a:xfrm>
+            <a:off x="10823729" y="2510235"/>
+            <a:ext cx="1013141" cy="2026282"/>
+          </a:xfrm>
+          <a:prstGeom prst="rect">
+            <a:avLst/>
+          </a:prstGeom>
+        </p:spPr>
+      </p:pic>
+      <p:grpSp>
+        <p:nvGrpSpPr>
+          <p:cNvPr id="52" name="Group 51"/>
+          <p:cNvGrpSpPr/>
+          <p:nvPr/>
+        </p:nvGrpSpPr>
+        <p:grpSpPr>
+          <a:xfrm>
+            <a:off x="1746307" y="1042070"/>
+            <a:ext cx="3188606" cy="2356736"/>
+            <a:chOff x="1746307" y="1042070"/>
+            <a:chExt cx="3188606" cy="2356736"/>
+          </a:xfrm>
+        </p:grpSpPr>
+        <p:sp>
+          <p:nvSpPr>
+            <p:cNvPr id="9" name="TextBox 8"/>
+            <p:cNvSpPr txBox="1"/>
+            <p:nvPr/>
+          </p:nvSpPr>
+          <p:spPr>
+            <a:xfrm>
+              <a:off x="1746307" y="1042070"/>
+              <a:ext cx="1082180" cy="1200329"/>
+            </a:xfrm>
+            <a:prstGeom prst="rect">
+              <a:avLst/>
+            </a:prstGeom>
+            <a:noFill/>
+          </p:spPr>
+          <p:txBody>
+            <a:bodyPr wrap="square" rtlCol="0">
+              <a:spAutoFit/>
+            </a:bodyPr>
+            <a:lstStyle/>
+            <a:p>
+              <a:r>
+                <a:rPr lang="en-GB" b="1" smtClean="0"/>
+                <a:t>Workday after day off</a:t>
+              </a:r>
+            </a:p>
+            <a:p>
+              <a:r>
+                <a:rPr lang="en-GB" smtClean="0">
+                  <a:solidFill>
+                    <a:schemeClr val="bg1">
+                      <a:lumMod val="65000"/>
+                    </a:schemeClr>
+                  </a:solidFill>
+                </a:rPr>
+                <a:t>Yes / No</a:t>
+              </a:r>
+              <a:endParaRPr lang="da-DK">
+                <a:solidFill>
+                  <a:schemeClr val="bg1">
+                    <a:lumMod val="65000"/>
+                  </a:schemeClr>
+                </a:solidFill>
+              </a:endParaRPr>
+            </a:p>
+          </p:txBody>
+        </p:sp>
+        <p:cxnSp>
+          <p:nvCxnSpPr>
+            <p:cNvPr id="15" name="Straight Arrow Connector 14"/>
+            <p:cNvCxnSpPr>
+              <a:stCxn id="9" idx="3"/>
+              <a:endCxn id="4" idx="1"/>
+            </p:cNvCxnSpPr>
+            <p:nvPr/>
+          </p:nvCxnSpPr>
+          <p:spPr>
+            <a:xfrm>
+              <a:off x="2828487" y="1642235"/>
+              <a:ext cx="2106426" cy="1756571"/>
+            </a:xfrm>
+            <a:prstGeom prst="straightConnector1">
+              <a:avLst/>
+            </a:prstGeom>
+            <a:ln w="28575">
+              <a:solidFill>
+                <a:schemeClr val="tx1"/>
+              </a:solidFill>
+              <a:tailEnd type="triangle"/>
+            </a:ln>
+          </p:spPr>
+          <p:style>
+            <a:lnRef idx="1">
+              <a:schemeClr val="accent1"/>
+            </a:lnRef>
+            <a:fillRef idx="0">
+              <a:schemeClr val="accent1"/>
+            </a:fillRef>
+            <a:effectRef idx="0">
+              <a:schemeClr val="accent1"/>
+            </a:effectRef>
+            <a:fontRef idx="minor">
+              <a:schemeClr val="tx1"/>
+            </a:fontRef>
+          </p:style>
+        </p:cxnSp>
+      </p:grpSp>
+      <p:grpSp>
+        <p:nvGrpSpPr>
+          <p:cNvPr id="51" name="Group 50"/>
+          <p:cNvGrpSpPr/>
+          <p:nvPr/>
+        </p:nvGrpSpPr>
+        <p:grpSpPr>
+          <a:xfrm>
+            <a:off x="1746307" y="2789288"/>
+            <a:ext cx="3136086" cy="1200329"/>
+            <a:chOff x="1746307" y="2789288"/>
+            <a:chExt cx="3136086" cy="1200329"/>
+          </a:xfrm>
+        </p:grpSpPr>
+        <p:sp>
+          <p:nvSpPr>
+            <p:cNvPr id="10" name="TextBox 9"/>
+            <p:cNvSpPr txBox="1"/>
+            <p:nvPr/>
+          </p:nvSpPr>
+          <p:spPr>
+            <a:xfrm>
+              <a:off x="1746307" y="2789288"/>
+              <a:ext cx="1096175" cy="1200329"/>
+            </a:xfrm>
+            <a:prstGeom prst="rect">
+              <a:avLst/>
+            </a:prstGeom>
+            <a:noFill/>
+          </p:spPr>
+          <p:txBody>
+            <a:bodyPr wrap="square" rtlCol="0">
+              <a:spAutoFit/>
+            </a:bodyPr>
+            <a:lstStyle/>
+            <a:p>
+              <a:r>
+                <a:rPr lang="en-GB" b="1" smtClean="0"/>
+                <a:t>Weather</a:t>
+              </a:r>
+            </a:p>
+            <a:p>
+              <a:r>
+                <a:rPr lang="en-GB" smtClean="0">
+                  <a:solidFill>
+                    <a:schemeClr val="bg1">
+                      <a:lumMod val="65000"/>
+                    </a:schemeClr>
+                  </a:solidFill>
+                </a:rPr>
+                <a:t>Sun /</a:t>
+              </a:r>
+            </a:p>
+            <a:p>
+              <a:r>
+                <a:rPr lang="en-GB" smtClean="0">
+                  <a:solidFill>
+                    <a:schemeClr val="bg1">
+                      <a:lumMod val="65000"/>
+                    </a:schemeClr>
+                  </a:solidFill>
+                </a:rPr>
+                <a:t>Rain /</a:t>
+              </a:r>
+            </a:p>
+            <a:p>
+              <a:r>
+                <a:rPr lang="en-GB" smtClean="0">
+                  <a:solidFill>
+                    <a:schemeClr val="bg1">
+                      <a:lumMod val="65000"/>
+                    </a:schemeClr>
+                  </a:solidFill>
+                </a:rPr>
+                <a:t>Snow</a:t>
+              </a:r>
+              <a:endParaRPr lang="da-DK">
+                <a:solidFill>
+                  <a:schemeClr val="bg1">
+                    <a:lumMod val="65000"/>
+                  </a:schemeClr>
+                </a:solidFill>
+              </a:endParaRPr>
+            </a:p>
+          </p:txBody>
+        </p:sp>
+        <p:cxnSp>
+          <p:nvCxnSpPr>
+            <p:cNvPr id="16" name="Straight Arrow Connector 15"/>
+            <p:cNvCxnSpPr>
+              <a:stCxn id="10" idx="3"/>
+              <a:endCxn id="4" idx="2"/>
+            </p:cNvCxnSpPr>
+            <p:nvPr/>
+          </p:nvCxnSpPr>
+          <p:spPr>
+            <a:xfrm>
+              <a:off x="2842482" y="3389453"/>
+              <a:ext cx="2039911" cy="133923"/>
+            </a:xfrm>
+            <a:prstGeom prst="straightConnector1">
+              <a:avLst/>
+            </a:prstGeom>
+            <a:ln w="28575">
+              <a:solidFill>
+                <a:schemeClr val="tx1"/>
+              </a:solidFill>
+              <a:tailEnd type="triangle"/>
+            </a:ln>
+          </p:spPr>
+          <p:style>
+            <a:lnRef idx="1">
+              <a:schemeClr val="accent1"/>
+            </a:lnRef>
+            <a:fillRef idx="0">
+              <a:schemeClr val="accent1"/>
+            </a:fillRef>
+            <a:effectRef idx="0">
+              <a:schemeClr val="accent1"/>
+            </a:effectRef>
+            <a:fontRef idx="minor">
+              <a:schemeClr val="tx1"/>
+            </a:fontRef>
+          </p:style>
+        </p:cxnSp>
+      </p:grpSp>
+      <p:grpSp>
+        <p:nvGrpSpPr>
+          <p:cNvPr id="30" name="Group 29"/>
+          <p:cNvGrpSpPr/>
+          <p:nvPr/>
+        </p:nvGrpSpPr>
+        <p:grpSpPr>
+          <a:xfrm>
+            <a:off x="1746307" y="3615208"/>
+            <a:ext cx="3188606" cy="2104847"/>
+            <a:chOff x="1209411" y="3682320"/>
+            <a:chExt cx="3188606" cy="2104847"/>
+          </a:xfrm>
+        </p:grpSpPr>
+        <p:sp>
+          <p:nvSpPr>
+            <p:cNvPr id="11" name="TextBox 10"/>
+            <p:cNvSpPr txBox="1"/>
+            <p:nvPr/>
+          </p:nvSpPr>
+          <p:spPr>
+            <a:xfrm>
+              <a:off x="1209411" y="4586838"/>
+              <a:ext cx="1223396" cy="1200329"/>
+            </a:xfrm>
+            <a:prstGeom prst="rect">
+              <a:avLst/>
+            </a:prstGeom>
+            <a:noFill/>
+          </p:spPr>
+          <p:txBody>
+            <a:bodyPr wrap="square" rtlCol="0">
+              <a:spAutoFit/>
+            </a:bodyPr>
+            <a:lstStyle/>
+            <a:p>
+              <a:r>
+                <a:rPr lang="en-GB" b="1" smtClean="0"/>
+                <a:t>Hangover</a:t>
+              </a:r>
+            </a:p>
+            <a:p>
+              <a:r>
+                <a:rPr lang="en-GB" smtClean="0">
+                  <a:solidFill>
+                    <a:schemeClr val="bg1">
+                      <a:lumMod val="65000"/>
+                    </a:schemeClr>
+                  </a:solidFill>
+                </a:rPr>
+                <a:t>No / </a:t>
+              </a:r>
+            </a:p>
+            <a:p>
+              <a:r>
+                <a:rPr lang="en-GB" smtClean="0">
+                  <a:solidFill>
+                    <a:schemeClr val="bg1">
+                      <a:lumMod val="65000"/>
+                    </a:schemeClr>
+                  </a:solidFill>
+                </a:rPr>
+                <a:t>Light / Heavy</a:t>
+              </a:r>
+              <a:endParaRPr lang="da-DK">
+                <a:solidFill>
+                  <a:schemeClr val="bg1">
+                    <a:lumMod val="65000"/>
+                  </a:schemeClr>
+                </a:solidFill>
+              </a:endParaRPr>
+            </a:p>
+          </p:txBody>
+        </p:sp>
+        <p:cxnSp>
+          <p:nvCxnSpPr>
+            <p:cNvPr id="19" name="Straight Arrow Connector 18"/>
+            <p:cNvCxnSpPr/>
+            <p:nvPr/>
+          </p:nvCxnSpPr>
+          <p:spPr>
+            <a:xfrm flipV="1">
+              <a:off x="2332927" y="3682320"/>
+              <a:ext cx="2065090" cy="1444115"/>
+            </a:xfrm>
+            <a:prstGeom prst="straightConnector1">
+              <a:avLst/>
+            </a:prstGeom>
+            <a:ln w="28575">
+              <a:solidFill>
+                <a:schemeClr val="tx1"/>
+              </a:solidFill>
+              <a:tailEnd type="triangle"/>
+            </a:ln>
+          </p:spPr>
+          <p:style>
+            <a:lnRef idx="1">
+              <a:schemeClr val="accent1"/>
+            </a:lnRef>
+            <a:fillRef idx="0">
+              <a:schemeClr val="accent1"/>
+            </a:fillRef>
+            <a:effectRef idx="0">
+              <a:schemeClr val="accent1"/>
+            </a:effectRef>
+            <a:fontRef idx="minor">
+              <a:schemeClr val="tx1"/>
+            </a:fontRef>
+          </p:style>
+        </p:cxnSp>
+      </p:grpSp>
+      <p:sp>
+        <p:nvSpPr>
+          <p:cNvPr id="24" name="TextBox 23"/>
+          <p:cNvSpPr txBox="1"/>
+          <p:nvPr/>
+        </p:nvSpPr>
+        <p:spPr>
+          <a:xfrm>
+            <a:off x="3902368" y="2630449"/>
+            <a:ext cx="583814" cy="369332"/>
+          </a:xfrm>
+          <a:prstGeom prst="rect">
+            <a:avLst/>
+          </a:prstGeom>
+          <a:solidFill>
+            <a:schemeClr val="bg1"/>
+          </a:solidFill>
+          <a:ln w="28575">
+            <a:solidFill>
+              <a:srgbClr val="92D050"/>
+            </a:solidFill>
+          </a:ln>
+        </p:spPr>
+        <p:txBody>
+          <a:bodyPr wrap="none" rtlCol="0">
+            <a:spAutoFit/>
+          </a:bodyPr>
+          <a:lstStyle/>
+          <a:p>
+            <a:r>
+              <a:rPr lang="en-GB" smtClean="0"/>
+              <a:t>20%</a:t>
+            </a:r>
+            <a:endParaRPr lang="da-DK"/>
+          </a:p>
+        </p:txBody>
+      </p:sp>
+      <p:sp>
+        <p:nvSpPr>
+          <p:cNvPr id="25" name="TextBox 24"/>
+          <p:cNvSpPr txBox="1"/>
+          <p:nvPr/>
+        </p:nvSpPr>
+        <p:spPr>
+          <a:xfrm>
+            <a:off x="3706778" y="3224310"/>
+            <a:ext cx="583814" cy="369332"/>
+          </a:xfrm>
+          <a:prstGeom prst="rect">
+            <a:avLst/>
+          </a:prstGeom>
+          <a:solidFill>
+            <a:schemeClr val="bg1"/>
+          </a:solidFill>
+          <a:ln w="28575">
+            <a:solidFill>
+              <a:srgbClr val="92D050"/>
+            </a:solidFill>
+          </a:ln>
+        </p:spPr>
+        <p:txBody>
+          <a:bodyPr wrap="none" rtlCol="0">
+            <a:spAutoFit/>
+          </a:bodyPr>
+          <a:lstStyle/>
+          <a:p>
+            <a:r>
+              <a:rPr lang="en-GB"/>
+              <a:t>3</a:t>
+            </a:r>
+            <a:r>
+              <a:rPr lang="en-GB" smtClean="0"/>
+              <a:t>0%</a:t>
+            </a:r>
+            <a:endParaRPr lang="da-DK"/>
+          </a:p>
+        </p:txBody>
+      </p:sp>
+      <p:sp>
+        <p:nvSpPr>
+          <p:cNvPr id="26" name="TextBox 25"/>
+          <p:cNvSpPr txBox="1"/>
+          <p:nvPr/>
+        </p:nvSpPr>
+        <p:spPr>
+          <a:xfrm>
+            <a:off x="4072954" y="3859781"/>
+            <a:ext cx="583814" cy="369332"/>
+          </a:xfrm>
+          <a:prstGeom prst="rect">
+            <a:avLst/>
+          </a:prstGeom>
+          <a:solidFill>
+            <a:schemeClr val="bg1"/>
+          </a:solidFill>
+          <a:ln w="28575">
+            <a:solidFill>
+              <a:srgbClr val="92D050"/>
+            </a:solidFill>
+          </a:ln>
+        </p:spPr>
+        <p:txBody>
+          <a:bodyPr wrap="none" rtlCol="0">
+            <a:spAutoFit/>
+          </a:bodyPr>
+          <a:lstStyle/>
+          <a:p>
+            <a:r>
+              <a:rPr lang="en-GB" smtClean="0"/>
+              <a:t>50%</a:t>
+            </a:r>
+            <a:endParaRPr lang="da-DK"/>
+          </a:p>
+        </p:txBody>
+      </p:sp>
+      <p:sp>
+        <p:nvSpPr>
+          <p:cNvPr id="27" name="TextBox 26"/>
+          <p:cNvSpPr txBox="1"/>
+          <p:nvPr/>
+        </p:nvSpPr>
+        <p:spPr>
+          <a:xfrm>
+            <a:off x="6925471" y="3330213"/>
+            <a:ext cx="944489" cy="369332"/>
+          </a:xfrm>
+          <a:prstGeom prst="rect">
+            <a:avLst/>
+          </a:prstGeom>
+          <a:solidFill>
+            <a:schemeClr val="bg1"/>
+          </a:solidFill>
+          <a:ln w="28575">
+            <a:solidFill>
+              <a:srgbClr val="00B0F0"/>
+            </a:solidFill>
+          </a:ln>
+        </p:spPr>
+        <p:txBody>
+          <a:bodyPr wrap="none" rtlCol="0">
+            <a:spAutoFit/>
+          </a:bodyPr>
+          <a:lstStyle/>
+          <a:p>
+            <a:r>
+              <a:rPr lang="en-GB" smtClean="0"/>
+              <a:t>0,0 - 1,0</a:t>
+            </a:r>
+            <a:endParaRPr lang="da-DK"/>
+          </a:p>
+        </p:txBody>
+      </p:sp>
+      <p:grpSp>
+        <p:nvGrpSpPr>
+          <p:cNvPr id="57" name="Group 56"/>
+          <p:cNvGrpSpPr/>
+          <p:nvPr/>
+        </p:nvGrpSpPr>
+        <p:grpSpPr>
+          <a:xfrm>
+            <a:off x="8607105" y="4620103"/>
+            <a:ext cx="2340527" cy="1792449"/>
+            <a:chOff x="8607105" y="4620103"/>
+            <a:chExt cx="2340527" cy="1792449"/>
+          </a:xfrm>
+        </p:grpSpPr>
+        <p:sp>
+          <p:nvSpPr>
+            <p:cNvPr id="31" name="TextBox 30"/>
+            <p:cNvSpPr txBox="1"/>
+            <p:nvPr/>
+          </p:nvSpPr>
+          <p:spPr>
+            <a:xfrm>
+              <a:off x="8607105" y="5458445"/>
+              <a:ext cx="2340527" cy="954107"/>
+            </a:xfrm>
+            <a:prstGeom prst="rect">
+              <a:avLst/>
+            </a:prstGeom>
+            <a:noFill/>
+          </p:spPr>
+          <p:txBody>
+            <a:bodyPr wrap="square" rtlCol="0">
+              <a:spAutoFit/>
+            </a:bodyPr>
+            <a:lstStyle/>
+            <a:p>
+              <a:pPr algn="ctr"/>
+              <a:r>
+                <a:rPr lang="en-GB" sz="2800" smtClean="0"/>
+                <a:t>Deterministic</a:t>
+              </a:r>
+            </a:p>
+            <a:p>
+              <a:pPr algn="ctr"/>
+              <a:r>
+                <a:rPr lang="en-GB" sz="2800" smtClean="0">
+                  <a:solidFill>
+                    <a:schemeClr val="bg1">
+                      <a:lumMod val="65000"/>
+                    </a:schemeClr>
+                  </a:solidFill>
+                </a:rPr>
+                <a:t>You know how</a:t>
+              </a:r>
+              <a:endParaRPr lang="da-DK" sz="2800">
+                <a:solidFill>
+                  <a:schemeClr val="bg1">
+                    <a:lumMod val="65000"/>
+                  </a:schemeClr>
+                </a:solidFill>
+              </a:endParaRPr>
+            </a:p>
+          </p:txBody>
+        </p:sp>
+        <p:cxnSp>
+          <p:nvCxnSpPr>
+            <p:cNvPr id="32" name="Straight Arrow Connector 31"/>
+            <p:cNvCxnSpPr>
+              <a:stCxn id="31" idx="0"/>
+            </p:cNvCxnSpPr>
+            <p:nvPr/>
+          </p:nvCxnSpPr>
+          <p:spPr>
+            <a:xfrm flipH="1" flipV="1">
+              <a:off x="9320169" y="4620103"/>
+              <a:ext cx="457200" cy="838342"/>
+            </a:xfrm>
+            <a:prstGeom prst="straightConnector1">
+              <a:avLst/>
+            </a:prstGeom>
+            <a:ln w="28575">
+              <a:solidFill>
+                <a:schemeClr val="tx1"/>
+              </a:solidFill>
+              <a:tailEnd type="triangle"/>
+            </a:ln>
+          </p:spPr>
+          <p:style>
+            <a:lnRef idx="1">
+              <a:schemeClr val="accent1"/>
+            </a:lnRef>
+            <a:fillRef idx="0">
+              <a:schemeClr val="accent1"/>
+            </a:fillRef>
+            <a:effectRef idx="0">
+              <a:schemeClr val="accent1"/>
+            </a:effectRef>
+            <a:fontRef idx="minor">
+              <a:schemeClr val="tx1"/>
+            </a:fontRef>
+          </p:style>
+        </p:cxnSp>
+      </p:grpSp>
+      <p:grpSp>
+        <p:nvGrpSpPr>
+          <p:cNvPr id="56" name="Group 55"/>
+          <p:cNvGrpSpPr/>
+          <p:nvPr/>
+        </p:nvGrpSpPr>
+        <p:grpSpPr>
+          <a:xfrm>
+            <a:off x="3493806" y="4331817"/>
+            <a:ext cx="3564220" cy="2043489"/>
+            <a:chOff x="3493806" y="4331817"/>
+            <a:chExt cx="3564220" cy="2043489"/>
+          </a:xfrm>
+        </p:grpSpPr>
+        <p:sp>
+          <p:nvSpPr>
+            <p:cNvPr id="42" name="TextBox 41"/>
+            <p:cNvSpPr txBox="1"/>
+            <p:nvPr/>
+          </p:nvSpPr>
+          <p:spPr>
+            <a:xfrm>
+              <a:off x="3493806" y="5421199"/>
+              <a:ext cx="3564220" cy="954107"/>
+            </a:xfrm>
+            <a:prstGeom prst="rect">
+              <a:avLst/>
+            </a:prstGeom>
+            <a:noFill/>
+          </p:spPr>
+          <p:txBody>
+            <a:bodyPr wrap="square" rtlCol="0">
+              <a:spAutoFit/>
+            </a:bodyPr>
+            <a:lstStyle/>
+            <a:p>
+              <a:pPr algn="ctr"/>
+              <a:r>
+                <a:rPr lang="en-GB" sz="2800" smtClean="0"/>
+                <a:t>Probabilistic</a:t>
+              </a:r>
+            </a:p>
+            <a:p>
+              <a:pPr algn="ctr"/>
+              <a:r>
+                <a:rPr lang="en-GB" sz="2800" smtClean="0">
+                  <a:solidFill>
+                    <a:schemeClr val="bg1">
+                      <a:lumMod val="65000"/>
+                    </a:schemeClr>
+                  </a:solidFill>
+                </a:rPr>
+                <a:t>You have no idea how</a:t>
+              </a:r>
+              <a:endParaRPr lang="da-DK" sz="2800">
+                <a:solidFill>
+                  <a:schemeClr val="bg1">
+                    <a:lumMod val="65000"/>
+                  </a:schemeClr>
+                </a:solidFill>
+              </a:endParaRPr>
+            </a:p>
+          </p:txBody>
+        </p:sp>
+        <p:cxnSp>
+          <p:nvCxnSpPr>
+            <p:cNvPr id="43" name="Straight Arrow Connector 42"/>
+            <p:cNvCxnSpPr>
+              <a:stCxn id="42" idx="0"/>
+            </p:cNvCxnSpPr>
+            <p:nvPr/>
+          </p:nvCxnSpPr>
+          <p:spPr>
+            <a:xfrm flipV="1">
+              <a:off x="5275916" y="4331817"/>
+              <a:ext cx="274703" cy="1089382"/>
+            </a:xfrm>
+            <a:prstGeom prst="straightConnector1">
+              <a:avLst/>
+            </a:prstGeom>
+            <a:ln w="28575">
+              <a:solidFill>
+                <a:schemeClr val="tx1"/>
+              </a:solidFill>
+              <a:tailEnd type="triangle"/>
+            </a:ln>
+          </p:spPr>
+          <p:style>
+            <a:lnRef idx="1">
+              <a:schemeClr val="accent1"/>
+            </a:lnRef>
+            <a:fillRef idx="0">
+              <a:schemeClr val="accent1"/>
+            </a:fillRef>
+            <a:effectRef idx="0">
+              <a:schemeClr val="accent1"/>
+            </a:effectRef>
+            <a:fontRef idx="minor">
+              <a:schemeClr val="tx1"/>
+            </a:fontRef>
+          </p:style>
+        </p:cxnSp>
+      </p:grpSp>
+      <p:sp>
+        <p:nvSpPr>
+          <p:cNvPr id="48" name="TextBox 47"/>
+          <p:cNvSpPr txBox="1"/>
+          <p:nvPr/>
+        </p:nvSpPr>
+        <p:spPr>
+          <a:xfrm>
+            <a:off x="10075553" y="3079862"/>
+            <a:ext cx="485518" cy="923330"/>
+          </a:xfrm>
+          <a:prstGeom prst="rect">
+            <a:avLst/>
+          </a:prstGeom>
+          <a:noFill/>
+        </p:spPr>
+        <p:txBody>
+          <a:bodyPr wrap="none" rtlCol="0">
+            <a:spAutoFit/>
+          </a:bodyPr>
+          <a:lstStyle/>
+          <a:p>
+            <a:r>
+              <a:rPr lang="en-GB" smtClean="0"/>
+              <a:t>Yes</a:t>
+            </a:r>
+          </a:p>
+          <a:p>
+            <a:endParaRPr lang="en-GB"/>
+          </a:p>
+          <a:p>
+            <a:r>
+              <a:rPr lang="en-GB" smtClean="0"/>
+              <a:t>No</a:t>
+            </a:r>
+            <a:endParaRPr lang="da-DK"/>
+          </a:p>
+        </p:txBody>
+      </p:sp>
+      <p:graphicFrame>
+        <p:nvGraphicFramePr>
+          <p:cNvPr id="58" name="Table 57"/>
+          <p:cNvGraphicFramePr>
+            <a:graphicFrameLocks noGrp="1"/>
+          </p:cNvGraphicFramePr>
+          <p:nvPr>
+            <p:extLst/>
+          </p:nvPr>
+        </p:nvGraphicFramePr>
+        <p:xfrm>
+          <a:off x="4245861" y="60356"/>
+          <a:ext cx="5010152" cy="2225040"/>
+        </p:xfrm>
+        <a:graphic>
+          <a:graphicData uri="http://schemas.openxmlformats.org/drawingml/2006/table">
+            <a:tbl>
+              <a:tblPr firstRow="1" bandRow="1">
+                <a:tableStyleId>{5C22544A-7EE6-4342-B048-85BDC9FD1C3A}</a:tableStyleId>
+              </a:tblPr>
+              <a:tblGrid>
+                <a:gridCol w="1169326"/>
+                <a:gridCol w="1228804"/>
+                <a:gridCol w="1235413"/>
+                <a:gridCol w="1376609"/>
+              </a:tblGrid>
+              <a:tr h="370840">
+                <a:tc>
+                  <a:txBody>
+                    <a:bodyPr/>
+                    <a:lstStyle/>
+                    <a:p>
+                      <a:pPr algn="ctr"/>
+                      <a:r>
+                        <a:rPr lang="en-GB" smtClean="0"/>
+                        <a:t>Workday</a:t>
+                      </a:r>
+                      <a:endParaRPr lang="da-DK"/>
+                    </a:p>
+                  </a:txBody>
+                  <a:tcPr/>
+                </a:tc>
+                <a:tc>
+                  <a:txBody>
+                    <a:bodyPr/>
+                    <a:lstStyle/>
+                    <a:p>
+                      <a:pPr algn="ctr"/>
+                      <a:r>
+                        <a:rPr lang="en-GB" smtClean="0"/>
+                        <a:t>Weather</a:t>
+                      </a:r>
+                      <a:endParaRPr lang="da-DK"/>
+                    </a:p>
+                  </a:txBody>
+                  <a:tcPr/>
+                </a:tc>
+                <a:tc>
+                  <a:txBody>
+                    <a:bodyPr/>
+                    <a:lstStyle/>
+                    <a:p>
+                      <a:pPr algn="ctr"/>
+                      <a:r>
+                        <a:rPr lang="en-GB" smtClean="0"/>
+                        <a:t>Hangover</a:t>
+                      </a:r>
+                      <a:endParaRPr lang="da-DK"/>
+                    </a:p>
+                  </a:txBody>
+                  <a:tcPr/>
+                </a:tc>
+                <a:tc>
+                  <a:txBody>
+                    <a:bodyPr/>
+                    <a:lstStyle/>
+                    <a:p>
+                      <a:pPr algn="ctr"/>
+                      <a:r>
+                        <a:rPr lang="en-GB" smtClean="0"/>
+                        <a:t>Met</a:t>
+                      </a:r>
+                      <a:r>
+                        <a:rPr lang="en-GB" baseline="0" smtClean="0"/>
+                        <a:t> at work</a:t>
+                      </a:r>
+                      <a:endParaRPr lang="da-DK"/>
+                    </a:p>
+                  </a:txBody>
+                  <a:tcPr/>
+                </a:tc>
+              </a:tr>
+              <a:tr h="370840">
+                <a:tc>
+                  <a:txBody>
+                    <a:bodyPr/>
+                    <a:lstStyle/>
+                    <a:p>
+                      <a:r>
+                        <a:rPr lang="en-GB" smtClean="0"/>
+                        <a:t>Yes</a:t>
+                      </a:r>
+                      <a:endParaRPr lang="da-DK"/>
+                    </a:p>
+                  </a:txBody>
+                  <a:tcPr/>
+                </a:tc>
+                <a:tc>
+                  <a:txBody>
+                    <a:bodyPr/>
+                    <a:lstStyle/>
+                    <a:p>
+                      <a:r>
+                        <a:rPr lang="en-GB" smtClean="0"/>
+                        <a:t>Rain</a:t>
+                      </a:r>
+                      <a:endParaRPr lang="da-DK"/>
+                    </a:p>
+                  </a:txBody>
+                  <a:tcPr/>
+                </a:tc>
+                <a:tc>
+                  <a:txBody>
+                    <a:bodyPr/>
+                    <a:lstStyle/>
+                    <a:p>
+                      <a:r>
+                        <a:rPr lang="en-GB" smtClean="0"/>
+                        <a:t>No</a:t>
+                      </a:r>
+                      <a:endParaRPr lang="da-DK"/>
+                    </a:p>
+                  </a:txBody>
+                  <a:tcPr/>
+                </a:tc>
+                <a:tc>
+                  <a:txBody>
+                    <a:bodyPr/>
+                    <a:lstStyle/>
+                    <a:p>
+                      <a:r>
+                        <a:rPr lang="en-GB" smtClean="0"/>
+                        <a:t>Yes</a:t>
+                      </a:r>
+                      <a:endParaRPr lang="da-DK"/>
+                    </a:p>
+                  </a:txBody>
+                  <a:tcPr/>
+                </a:tc>
+              </a:tr>
+              <a:tr h="370840">
+                <a:tc>
+                  <a:txBody>
+                    <a:bodyPr/>
+                    <a:lstStyle/>
+                    <a:p>
+                      <a:r>
+                        <a:rPr lang="en-GB" smtClean="0"/>
+                        <a:t>No</a:t>
+                      </a:r>
+                      <a:endParaRPr lang="da-DK"/>
+                    </a:p>
+                  </a:txBody>
+                  <a:tcPr/>
+                </a:tc>
+                <a:tc>
+                  <a:txBody>
+                    <a:bodyPr/>
+                    <a:lstStyle/>
+                    <a:p>
+                      <a:r>
+                        <a:rPr lang="en-GB" smtClean="0"/>
+                        <a:t>Sun</a:t>
+                      </a:r>
+                      <a:endParaRPr lang="da-DK"/>
+                    </a:p>
+                  </a:txBody>
+                  <a:tcPr/>
+                </a:tc>
+                <a:tc>
+                  <a:txBody>
+                    <a:bodyPr/>
+                    <a:lstStyle/>
+                    <a:p>
+                      <a:r>
+                        <a:rPr lang="en-GB" smtClean="0"/>
+                        <a:t>Heavy</a:t>
+                      </a:r>
+                      <a:endParaRPr lang="da-DK"/>
+                    </a:p>
+                  </a:txBody>
+                  <a:tcPr/>
+                </a:tc>
+                <a:tc>
+                  <a:txBody>
+                    <a:bodyPr/>
+                    <a:lstStyle/>
+                    <a:p>
+                      <a:r>
+                        <a:rPr lang="en-GB" smtClean="0"/>
+                        <a:t>No</a:t>
+                      </a:r>
+                      <a:endParaRPr lang="da-DK"/>
+                    </a:p>
+                  </a:txBody>
+                  <a:tcPr/>
+                </a:tc>
+              </a:tr>
+              <a:tr h="370840">
+                <a:tc>
+                  <a:txBody>
+                    <a:bodyPr/>
+                    <a:lstStyle/>
+                    <a:p>
+                      <a:r>
+                        <a:rPr lang="en-GB" smtClean="0"/>
+                        <a:t>Yes</a:t>
+                      </a:r>
+                      <a:endParaRPr lang="da-DK"/>
+                    </a:p>
+                  </a:txBody>
+                  <a:tcPr/>
+                </a:tc>
+                <a:tc>
+                  <a:txBody>
+                    <a:bodyPr/>
+                    <a:lstStyle/>
+                    <a:p>
+                      <a:r>
+                        <a:rPr lang="en-GB" smtClean="0"/>
+                        <a:t>Rain Snow</a:t>
+                      </a:r>
+                      <a:endParaRPr lang="da-DK"/>
+                    </a:p>
+                  </a:txBody>
+                  <a:tcPr/>
+                </a:tc>
+                <a:tc>
+                  <a:txBody>
+                    <a:bodyPr/>
+                    <a:lstStyle/>
+                    <a:p>
+                      <a:r>
+                        <a:rPr lang="en-GB" smtClean="0"/>
+                        <a:t>Light</a:t>
+                      </a:r>
+                      <a:endParaRPr lang="da-DK"/>
+                    </a:p>
+                  </a:txBody>
+                  <a:tcPr/>
+                </a:tc>
+                <a:tc>
+                  <a:txBody>
+                    <a:bodyPr/>
+                    <a:lstStyle/>
+                    <a:p>
+                      <a:r>
+                        <a:rPr lang="en-GB" smtClean="0"/>
+                        <a:t>No</a:t>
+                      </a:r>
+                      <a:endParaRPr lang="da-DK"/>
+                    </a:p>
+                  </a:txBody>
+                  <a:tcPr/>
+                </a:tc>
+              </a:tr>
+              <a:tr h="370840">
+                <a:tc>
+                  <a:txBody>
+                    <a:bodyPr/>
+                    <a:lstStyle/>
+                    <a:p>
+                      <a:r>
+                        <a:rPr lang="en-GB" smtClean="0"/>
+                        <a:t>No</a:t>
+                      </a:r>
+                      <a:endParaRPr lang="da-DK"/>
+                    </a:p>
+                  </a:txBody>
+                  <a:tcPr/>
+                </a:tc>
+                <a:tc>
+                  <a:txBody>
+                    <a:bodyPr/>
+                    <a:lstStyle/>
+                    <a:p>
+                      <a:r>
+                        <a:rPr lang="en-GB" smtClean="0"/>
+                        <a:t>Sun</a:t>
+                      </a:r>
+                      <a:endParaRPr lang="da-DK"/>
+                    </a:p>
+                  </a:txBody>
+                  <a:tcPr/>
+                </a:tc>
+                <a:tc>
+                  <a:txBody>
+                    <a:bodyPr/>
+                    <a:lstStyle/>
+                    <a:p>
+                      <a:r>
+                        <a:rPr lang="en-GB" smtClean="0"/>
+                        <a:t>No</a:t>
+                      </a:r>
+                      <a:endParaRPr lang="da-DK"/>
+                    </a:p>
+                  </a:txBody>
+                  <a:tcPr/>
+                </a:tc>
+                <a:tc>
+                  <a:txBody>
+                    <a:bodyPr/>
+                    <a:lstStyle/>
+                    <a:p>
+                      <a:r>
+                        <a:rPr lang="en-GB" smtClean="0"/>
+                        <a:t>Yes</a:t>
+                      </a:r>
+                      <a:endParaRPr lang="da-DK"/>
+                    </a:p>
+                  </a:txBody>
+                  <a:tcPr/>
+                </a:tc>
+              </a:tr>
+              <a:tr h="370840">
+                <a:tc>
+                  <a:txBody>
+                    <a:bodyPr/>
+                    <a:lstStyle/>
+                    <a:p>
+                      <a:r>
+                        <a:rPr lang="en-GB" smtClean="0"/>
+                        <a:t>...</a:t>
+                      </a:r>
+                      <a:endParaRPr lang="da-DK"/>
+                    </a:p>
+                  </a:txBody>
+                  <a:tcPr/>
+                </a:tc>
+                <a:tc>
+                  <a:txBody>
+                    <a:bodyPr/>
+                    <a:lstStyle/>
+                    <a:p>
+                      <a:r>
+                        <a:rPr lang="en-GB" smtClean="0"/>
+                        <a:t>...</a:t>
+                      </a:r>
+                      <a:endParaRPr lang="da-DK"/>
+                    </a:p>
+                  </a:txBody>
+                  <a:tcPr/>
+                </a:tc>
+                <a:tc>
+                  <a:txBody>
+                    <a:bodyPr/>
+                    <a:lstStyle/>
+                    <a:p>
+                      <a:r>
+                        <a:rPr lang="en-GB" smtClean="0"/>
+                        <a:t>...</a:t>
+                      </a:r>
+                      <a:endParaRPr lang="da-DK"/>
+                    </a:p>
+                  </a:txBody>
+                  <a:tcPr/>
+                </a:tc>
+                <a:tc>
+                  <a:txBody>
+                    <a:bodyPr/>
+                    <a:lstStyle/>
+                    <a:p>
+                      <a:r>
+                        <a:rPr lang="en-GB" smtClean="0"/>
+                        <a:t>...</a:t>
+                      </a:r>
+                      <a:endParaRPr lang="da-DK"/>
+                    </a:p>
+                  </a:txBody>
+                  <a:tcPr/>
+                </a:tc>
+              </a:tr>
+            </a:tbl>
+          </a:graphicData>
+        </a:graphic>
+      </p:graphicFrame>
+      <p:grpSp>
+        <p:nvGrpSpPr>
+          <p:cNvPr id="65" name="Group 64"/>
+          <p:cNvGrpSpPr/>
+          <p:nvPr/>
+        </p:nvGrpSpPr>
+        <p:grpSpPr>
+          <a:xfrm>
+            <a:off x="3514042" y="2290746"/>
+            <a:ext cx="4512843" cy="2471098"/>
+            <a:chOff x="3493805" y="2285396"/>
+            <a:chExt cx="4512843" cy="2471098"/>
+          </a:xfrm>
+        </p:grpSpPr>
+        <p:grpSp>
+          <p:nvGrpSpPr>
+            <p:cNvPr id="63" name="Group 62"/>
+            <p:cNvGrpSpPr/>
+            <p:nvPr/>
+          </p:nvGrpSpPr>
+          <p:grpSpPr>
+            <a:xfrm>
+              <a:off x="4628945" y="2285396"/>
+              <a:ext cx="927049" cy="1061811"/>
+              <a:chOff x="4628945" y="2285396"/>
+              <a:chExt cx="927049" cy="1061811"/>
+            </a:xfrm>
+          </p:grpSpPr>
+          <p:cxnSp>
+            <p:nvCxnSpPr>
+              <p:cNvPr id="59" name="Straight Arrow Connector 58"/>
+              <p:cNvCxnSpPr>
+                <a:endCxn id="4" idx="0"/>
+              </p:cNvCxnSpPr>
+              <p:nvPr/>
+            </p:nvCxnSpPr>
+            <p:spPr>
+              <a:xfrm>
+                <a:off x="5056720" y="2285396"/>
+                <a:ext cx="4988" cy="1061811"/>
+              </a:xfrm>
+              <a:prstGeom prst="straightConnector1">
+                <a:avLst/>
+              </a:prstGeom>
+              <a:ln w="28575">
+                <a:solidFill>
+                  <a:schemeClr val="tx1"/>
+                </a:solidFill>
+                <a:tailEnd type="triangle"/>
+              </a:ln>
+            </p:spPr>
+            <p:style>
+              <a:lnRef idx="1">
+                <a:schemeClr val="accent1"/>
+              </a:lnRef>
+              <a:fillRef idx="0">
+                <a:schemeClr val="accent1"/>
+              </a:fillRef>
+              <a:effectRef idx="0">
+                <a:schemeClr val="accent1"/>
+              </a:effectRef>
+              <a:fontRef idx="minor">
+                <a:schemeClr val="tx1"/>
+              </a:fontRef>
+            </p:style>
+          </p:cxnSp>
+          <p:sp>
+            <p:nvSpPr>
+              <p:cNvPr id="62" name="TextBox 61"/>
+              <p:cNvSpPr txBox="1"/>
+              <p:nvPr/>
+            </p:nvSpPr>
+            <p:spPr>
+              <a:xfrm>
+                <a:off x="4628945" y="2345604"/>
+                <a:ext cx="927049" cy="369332"/>
+              </a:xfrm>
+              <a:prstGeom prst="rect">
+                <a:avLst/>
+              </a:prstGeom>
+              <a:solidFill>
+                <a:schemeClr val="bg1"/>
+              </a:solidFill>
+              <a:ln w="28575">
+                <a:solidFill>
+                  <a:srgbClr val="92D050"/>
+                </a:solidFill>
+              </a:ln>
+            </p:spPr>
+            <p:txBody>
+              <a:bodyPr wrap="none" rtlCol="0">
+                <a:spAutoFit/>
+              </a:bodyPr>
+              <a:lstStyle/>
+              <a:p>
+                <a:r>
+                  <a:rPr lang="en-GB" smtClean="0"/>
+                  <a:t>Training</a:t>
+                </a:r>
+                <a:endParaRPr lang="da-DK"/>
+              </a:p>
+            </p:txBody>
+          </p:sp>
+        </p:grpSp>
+        <p:sp>
+          <p:nvSpPr>
+            <p:cNvPr id="64" name="TextBox 63"/>
+            <p:cNvSpPr txBox="1"/>
+            <p:nvPr/>
+          </p:nvSpPr>
+          <p:spPr>
+            <a:xfrm>
+              <a:off x="3493805" y="2313232"/>
+              <a:ext cx="4512843" cy="2443262"/>
+            </a:xfrm>
+            <a:prstGeom prst="rect">
+              <a:avLst/>
+            </a:prstGeom>
+            <a:noFill/>
+            <a:ln w="28575">
+              <a:solidFill>
+                <a:srgbClr val="92D050"/>
+              </a:solidFill>
+              <a:prstDash val="sysDash"/>
+            </a:ln>
+          </p:spPr>
+          <p:txBody>
+            <a:bodyPr wrap="square" rtlCol="0">
+              <a:spAutoFit/>
+            </a:bodyPr>
+            <a:lstStyle/>
+            <a:p>
+              <a:endParaRPr lang="da-DK"/>
+            </a:p>
+          </p:txBody>
+        </p:sp>
+      </p:grpSp>
+      <p:sp>
+        <p:nvSpPr>
+          <p:cNvPr id="38" name="TextBox 37"/>
+          <p:cNvSpPr txBox="1"/>
+          <p:nvPr/>
+        </p:nvSpPr>
+        <p:spPr>
+          <a:xfrm>
+            <a:off x="9256013" y="4130176"/>
+            <a:ext cx="1448986" cy="369332"/>
+          </a:xfrm>
+          <a:prstGeom prst="rect">
+            <a:avLst/>
+          </a:prstGeom>
+          <a:solidFill>
+            <a:schemeClr val="bg1"/>
+          </a:solidFill>
+          <a:ln w="28575">
+            <a:solidFill>
+              <a:srgbClr val="92D050"/>
+            </a:solidFill>
+          </a:ln>
+        </p:spPr>
+        <p:txBody>
+          <a:bodyPr wrap="none" rtlCol="0">
+            <a:spAutoFit/>
+          </a:bodyPr>
+          <a:lstStyle/>
+          <a:p>
+            <a:r>
+              <a:rPr lang="en-GB" smtClean="0"/>
+              <a:t>Programming</a:t>
+            </a:r>
+            <a:endParaRPr lang="da-DK"/>
+          </a:p>
+        </p:txBody>
+      </p:sp>
+      <p:sp>
+        <p:nvSpPr>
+          <p:cNvPr id="39" name="Cloud Callout 38"/>
+          <p:cNvSpPr/>
+          <p:nvPr/>
+        </p:nvSpPr>
+        <p:spPr>
+          <a:xfrm>
+            <a:off x="9610928" y="1424729"/>
+            <a:ext cx="2451370" cy="791491"/>
+          </a:xfrm>
+          <a:prstGeom prst="cloudCallout">
+            <a:avLst>
+              <a:gd name="adj1" fmla="val 28001"/>
+              <a:gd name="adj2" fmla="val 73561"/>
+            </a:avLst>
+          </a:prstGeom>
+          <a:solidFill>
+            <a:schemeClr val="bg1"/>
+          </a:solidFill>
+        </p:spPr>
+        <p:style>
+          <a:lnRef idx="2">
+            <a:schemeClr val="accent1">
+              <a:shade val="50000"/>
+            </a:schemeClr>
+          </a:lnRef>
+          <a:fillRef idx="1">
+            <a:schemeClr val="accent1"/>
+          </a:fillRef>
+          <a:effectRef idx="0">
+            <a:schemeClr val="accent1"/>
+          </a:effectRef>
+          <a:fontRef idx="minor">
+            <a:schemeClr val="lt1"/>
+          </a:fontRef>
+        </p:style>
+        <p:txBody>
+          <a:bodyPr rtlCol="0" anchor="ctr"/>
+          <a:lstStyle/>
+          <a:p>
+            <a:pPr algn="ctr"/>
+            <a:r>
+              <a:rPr lang="en-GB" smtClean="0">
+                <a:solidFill>
+                  <a:schemeClr val="tx1"/>
+                </a:solidFill>
+              </a:rPr>
+              <a:t>Will Chris meet tomorrow?</a:t>
+            </a:r>
+            <a:endParaRPr lang="da-DK">
+              <a:solidFill>
+                <a:schemeClr val="tx1"/>
+              </a:solidFill>
+            </a:endParaRPr>
+          </a:p>
+        </p:txBody>
+      </p:sp>
+      <p:sp>
+        <p:nvSpPr>
+          <p:cNvPr id="40" name="TextBox 39"/>
+          <p:cNvSpPr txBox="1"/>
+          <p:nvPr/>
+        </p:nvSpPr>
+        <p:spPr>
+          <a:xfrm>
+            <a:off x="5932845" y="3959495"/>
+            <a:ext cx="725263" cy="369332"/>
+          </a:xfrm>
+          <a:prstGeom prst="rect">
+            <a:avLst/>
+          </a:prstGeom>
+          <a:solidFill>
+            <a:schemeClr val="bg1"/>
+          </a:solidFill>
+          <a:ln w="28575">
+            <a:solidFill>
+              <a:srgbClr val="92D050"/>
+            </a:solidFill>
+          </a:ln>
+        </p:spPr>
+        <p:txBody>
+          <a:bodyPr wrap="none" rtlCol="0">
+            <a:spAutoFit/>
+          </a:bodyPr>
+          <a:lstStyle/>
+          <a:p>
+            <a:r>
+              <a:rPr lang="en-GB" smtClean="0"/>
+              <a:t>Setup</a:t>
+            </a:r>
+            <a:endParaRPr lang="da-DK"/>
+          </a:p>
+        </p:txBody>
+      </p:sp>
+    </p:spTree>
+    <p:extLst>
+      <p:ext uri="{BB962C8B-B14F-4D97-AF65-F5344CB8AC3E}">
+        <p14:creationId xmlns:p14="http://schemas.microsoft.com/office/powerpoint/2010/main" val="709715017"/>
+      </p:ext>
+    </p:extLst>
+  </p:cSld>
+  <p:clrMapOvr>
+    <a:masterClrMapping/>
+  </p:clrMapOvr>
+  <p:timing>
+    <p:tnLst>
+      <p:par>
+        <p:cTn id="1" dur="indefinite" restart="never" nodeType="tmRoot">
+          <p:childTnLst>
+            <p:seq concurrent="1" nextAc="seek">
+              <p:cTn id="2" dur="indefinite" nodeType="mainSeq">
+                <p:childTnLst>
+                  <p:par>
+                    <p:cTn id="3" fill="hold">
+                      <p:stCondLst>
+                        <p:cond delay="indefinite"/>
+                      </p:stCondLst>
+                      <p:childTnLst>
+                        <p:par>
+                          <p:cTn id="4" fill="hold">
+                            <p:stCondLst>
+                              <p:cond delay="0"/>
+                            </p:stCondLst>
+                            <p:childTnLst>
+                              <p:par>
+                                <p:cTn id="5" presetID="1" presetClass="entr" presetSubtype="0" fill="hold" nodeType="clickEffect">
+                                  <p:stCondLst>
+                                    <p:cond delay="0"/>
+                                  </p:stCondLst>
+                                  <p:childTnLst>
+                                    <p:set>
+                                      <p:cBhvr>
+                                        <p:cTn id="6" dur="1" fill="hold">
+                                          <p:stCondLst>
+                                            <p:cond delay="0"/>
+                                          </p:stCondLst>
+                                        </p:cTn>
+                                        <p:tgtEl>
+                                          <p:spTgt spid="53"/>
+                                        </p:tgtEl>
+                                        <p:attrNameLst>
+                                          <p:attrName>style.visibility</p:attrName>
+                                        </p:attrNameLst>
+                                      </p:cBhvr>
+                                      <p:to>
+                                        <p:strVal val="visible"/>
+                                      </p:to>
+                                    </p:set>
+                                  </p:childTnLst>
+                                </p:cTn>
+                              </p:par>
+                            </p:childTnLst>
+                          </p:cTn>
+                        </p:par>
+                      </p:childTnLst>
+                    </p:cTn>
+                  </p:par>
+                  <p:par>
+                    <p:cTn id="7" fill="hold">
+                      <p:stCondLst>
+                        <p:cond delay="indefinite"/>
+                      </p:stCondLst>
+                      <p:childTnLst>
+                        <p:par>
+                          <p:cTn id="8" fill="hold">
+                            <p:stCondLst>
+                              <p:cond delay="0"/>
+                            </p:stCondLst>
+                            <p:childTnLst>
+                              <p:par>
+                                <p:cTn id="9" presetID="1" presetClass="entr" presetSubtype="0" fill="hold" nodeType="clickEffect">
+                                  <p:stCondLst>
+                                    <p:cond delay="0"/>
+                                  </p:stCondLst>
+                                  <p:childTnLst>
+                                    <p:set>
+                                      <p:cBhvr>
+                                        <p:cTn id="10" dur="1" fill="hold">
+                                          <p:stCondLst>
+                                            <p:cond delay="0"/>
+                                          </p:stCondLst>
+                                        </p:cTn>
+                                        <p:tgtEl>
+                                          <p:spTgt spid="55"/>
+                                        </p:tgtEl>
+                                        <p:attrNameLst>
+                                          <p:attrName>style.visibility</p:attrName>
+                                        </p:attrNameLst>
+                                      </p:cBhvr>
+                                      <p:to>
+                                        <p:strVal val="visible"/>
+                                      </p:to>
+                                    </p:set>
+                                  </p:childTnLst>
+                                </p:cTn>
+                              </p:par>
+                            </p:childTnLst>
+                          </p:cTn>
+                        </p:par>
+                        <p:par>
+                          <p:cTn id="11" fill="hold">
+                            <p:stCondLst>
+                              <p:cond delay="0"/>
+                            </p:stCondLst>
+                            <p:childTnLst>
+                              <p:par>
+                                <p:cTn id="12" presetID="1" presetClass="entr" presetSubtype="0" fill="hold" grpId="0" nodeType="afterEffect">
+                                  <p:stCondLst>
+                                    <p:cond delay="0"/>
+                                  </p:stCondLst>
+                                  <p:childTnLst>
+                                    <p:set>
+                                      <p:cBhvr>
+                                        <p:cTn id="13" dur="1" fill="hold">
+                                          <p:stCondLst>
+                                            <p:cond delay="0"/>
+                                          </p:stCondLst>
+                                        </p:cTn>
+                                        <p:tgtEl>
+                                          <p:spTgt spid="48"/>
+                                        </p:tgtEl>
+                                        <p:attrNameLst>
+                                          <p:attrName>style.visibility</p:attrName>
+                                        </p:attrNameLst>
+                                      </p:cBhvr>
+                                      <p:to>
+                                        <p:strVal val="visible"/>
+                                      </p:to>
+                                    </p:set>
+                                  </p:childTnLst>
+                                </p:cTn>
+                              </p:par>
+                            </p:childTnLst>
+                          </p:cTn>
+                        </p:par>
+                      </p:childTnLst>
+                    </p:cTn>
+                  </p:par>
+                  <p:par>
+                    <p:cTn id="14" fill="hold">
+                      <p:stCondLst>
+                        <p:cond delay="indefinite"/>
+                      </p:stCondLst>
+                      <p:childTnLst>
+                        <p:par>
+                          <p:cTn id="15" fill="hold">
+                            <p:stCondLst>
+                              <p:cond delay="0"/>
+                            </p:stCondLst>
+                            <p:childTnLst>
+                              <p:par>
+                                <p:cTn id="16" presetID="1" presetClass="entr" presetSubtype="0" fill="hold" nodeType="clickEffect">
+                                  <p:stCondLst>
+                                    <p:cond delay="0"/>
+                                  </p:stCondLst>
+                                  <p:childTnLst>
+                                    <p:set>
+                                      <p:cBhvr>
+                                        <p:cTn id="17" dur="1" fill="hold">
+                                          <p:stCondLst>
+                                            <p:cond delay="0"/>
+                                          </p:stCondLst>
+                                        </p:cTn>
+                                        <p:tgtEl>
+                                          <p:spTgt spid="52"/>
+                                        </p:tgtEl>
+                                        <p:attrNameLst>
+                                          <p:attrName>style.visibility</p:attrName>
+                                        </p:attrNameLst>
+                                      </p:cBhvr>
+                                      <p:to>
+                                        <p:strVal val="visible"/>
+                                      </p:to>
+                                    </p:set>
+                                  </p:childTnLst>
+                                </p:cTn>
+                              </p:par>
+                            </p:childTnLst>
+                          </p:cTn>
+                        </p:par>
+                      </p:childTnLst>
+                    </p:cTn>
+                  </p:par>
+                  <p:par>
+                    <p:cTn id="18" fill="hold">
+                      <p:stCondLst>
+                        <p:cond delay="indefinite"/>
+                      </p:stCondLst>
+                      <p:childTnLst>
+                        <p:par>
+                          <p:cTn id="19" fill="hold">
+                            <p:stCondLst>
+                              <p:cond delay="0"/>
+                            </p:stCondLst>
+                            <p:childTnLst>
+                              <p:par>
+                                <p:cTn id="20" presetID="1" presetClass="entr" presetSubtype="0" fill="hold" nodeType="clickEffect">
+                                  <p:stCondLst>
+                                    <p:cond delay="0"/>
+                                  </p:stCondLst>
+                                  <p:childTnLst>
+                                    <p:set>
+                                      <p:cBhvr>
+                                        <p:cTn id="21" dur="1" fill="hold">
+                                          <p:stCondLst>
+                                            <p:cond delay="0"/>
+                                          </p:stCondLst>
+                                        </p:cTn>
+                                        <p:tgtEl>
+                                          <p:spTgt spid="51"/>
+                                        </p:tgtEl>
+                                        <p:attrNameLst>
+                                          <p:attrName>style.visibility</p:attrName>
+                                        </p:attrNameLst>
+                                      </p:cBhvr>
+                                      <p:to>
+                                        <p:strVal val="visible"/>
+                                      </p:to>
+                                    </p:set>
+                                  </p:childTnLst>
+                                </p:cTn>
+                              </p:par>
+                            </p:childTnLst>
+                          </p:cTn>
+                        </p:par>
+                      </p:childTnLst>
+                    </p:cTn>
+                  </p:par>
+                  <p:par>
+                    <p:cTn id="22" fill="hold">
+                      <p:stCondLst>
+                        <p:cond delay="indefinite"/>
+                      </p:stCondLst>
+                      <p:childTnLst>
+                        <p:par>
+                          <p:cTn id="23" fill="hold">
+                            <p:stCondLst>
+                              <p:cond delay="0"/>
+                            </p:stCondLst>
+                            <p:childTnLst>
+                              <p:par>
+                                <p:cTn id="24" presetID="1" presetClass="entr" presetSubtype="0" fill="hold" nodeType="clickEffect">
+                                  <p:stCondLst>
+                                    <p:cond delay="0"/>
+                                  </p:stCondLst>
+                                  <p:childTnLst>
+                                    <p:set>
+                                      <p:cBhvr>
+                                        <p:cTn id="25" dur="1" fill="hold">
+                                          <p:stCondLst>
+                                            <p:cond delay="0"/>
+                                          </p:stCondLst>
+                                        </p:cTn>
+                                        <p:tgtEl>
+                                          <p:spTgt spid="30"/>
+                                        </p:tgtEl>
+                                        <p:attrNameLst>
+                                          <p:attrName>style.visibility</p:attrName>
+                                        </p:attrNameLst>
+                                      </p:cBhvr>
+                                      <p:to>
+                                        <p:strVal val="visible"/>
+                                      </p:to>
+                                    </p:set>
+                                  </p:childTnLst>
+                                </p:cTn>
+                              </p:par>
+                            </p:childTnLst>
+                          </p:cTn>
+                        </p:par>
+                      </p:childTnLst>
+                    </p:cTn>
+                  </p:par>
+                  <p:par>
+                    <p:cTn id="26" fill="hold">
+                      <p:stCondLst>
+                        <p:cond delay="indefinite"/>
+                      </p:stCondLst>
+                      <p:childTnLst>
+                        <p:par>
+                          <p:cTn id="27" fill="hold">
+                            <p:stCondLst>
+                              <p:cond delay="0"/>
+                            </p:stCondLst>
+                            <p:childTnLst>
+                              <p:par>
+                                <p:cTn id="28" presetID="1" presetClass="entr" presetSubtype="0" fill="hold" grpId="0" nodeType="clickEffect">
+                                  <p:stCondLst>
+                                    <p:cond delay="0"/>
+                                  </p:stCondLst>
+                                  <p:childTnLst>
+                                    <p:set>
+                                      <p:cBhvr>
+                                        <p:cTn id="29" dur="1" fill="hold">
+                                          <p:stCondLst>
+                                            <p:cond delay="0"/>
+                                          </p:stCondLst>
+                                        </p:cTn>
+                                        <p:tgtEl>
+                                          <p:spTgt spid="24"/>
+                                        </p:tgtEl>
+                                        <p:attrNameLst>
+                                          <p:attrName>style.visibility</p:attrName>
+                                        </p:attrNameLst>
+                                      </p:cBhvr>
+                                      <p:to>
+                                        <p:strVal val="visible"/>
+                                      </p:to>
+                                    </p:set>
+                                  </p:childTnLst>
+                                </p:cTn>
+                              </p:par>
+                            </p:childTnLst>
+                          </p:cTn>
+                        </p:par>
+                      </p:childTnLst>
+                    </p:cTn>
+                  </p:par>
+                  <p:par>
+                    <p:cTn id="30" fill="hold">
+                      <p:stCondLst>
+                        <p:cond delay="indefinite"/>
+                      </p:stCondLst>
+                      <p:childTnLst>
+                        <p:par>
+                          <p:cTn id="31" fill="hold">
+                            <p:stCondLst>
+                              <p:cond delay="0"/>
+                            </p:stCondLst>
+                            <p:childTnLst>
+                              <p:par>
+                                <p:cTn id="32" presetID="1" presetClass="entr" presetSubtype="0" fill="hold" grpId="0" nodeType="clickEffect">
+                                  <p:stCondLst>
+                                    <p:cond delay="0"/>
+                                  </p:stCondLst>
+                                  <p:childTnLst>
+                                    <p:set>
+                                      <p:cBhvr>
+                                        <p:cTn id="33" dur="1" fill="hold">
+                                          <p:stCondLst>
+                                            <p:cond delay="0"/>
+                                          </p:stCondLst>
+                                        </p:cTn>
+                                        <p:tgtEl>
+                                          <p:spTgt spid="25"/>
+                                        </p:tgtEl>
+                                        <p:attrNameLst>
+                                          <p:attrName>style.visibility</p:attrName>
+                                        </p:attrNameLst>
+                                      </p:cBhvr>
+                                      <p:to>
+                                        <p:strVal val="visible"/>
+                                      </p:to>
+                                    </p:set>
+                                  </p:childTnLst>
+                                </p:cTn>
+                              </p:par>
+                            </p:childTnLst>
+                          </p:cTn>
+                        </p:par>
+                      </p:childTnLst>
+                    </p:cTn>
+                  </p:par>
+                  <p:par>
+                    <p:cTn id="34" fill="hold">
+                      <p:stCondLst>
+                        <p:cond delay="indefinite"/>
+                      </p:stCondLst>
+                      <p:childTnLst>
+                        <p:par>
+                          <p:cTn id="35" fill="hold">
+                            <p:stCondLst>
+                              <p:cond delay="0"/>
+                            </p:stCondLst>
+                            <p:childTnLst>
+                              <p:par>
+                                <p:cTn id="36" presetID="1" presetClass="entr" presetSubtype="0" fill="hold" grpId="0" nodeType="clickEffect">
+                                  <p:stCondLst>
+                                    <p:cond delay="0"/>
+                                  </p:stCondLst>
+                                  <p:childTnLst>
+                                    <p:set>
+                                      <p:cBhvr>
+                                        <p:cTn id="37" dur="1" fill="hold">
+                                          <p:stCondLst>
+                                            <p:cond delay="0"/>
+                                          </p:stCondLst>
+                                        </p:cTn>
+                                        <p:tgtEl>
+                                          <p:spTgt spid="26"/>
+                                        </p:tgtEl>
+                                        <p:attrNameLst>
+                                          <p:attrName>style.visibility</p:attrName>
+                                        </p:attrNameLst>
+                                      </p:cBhvr>
+                                      <p:to>
+                                        <p:strVal val="visible"/>
+                                      </p:to>
+                                    </p:set>
+                                  </p:childTnLst>
+                                </p:cTn>
+                              </p:par>
+                            </p:childTnLst>
+                          </p:cTn>
+                        </p:par>
+                      </p:childTnLst>
+                    </p:cTn>
+                  </p:par>
+                  <p:par>
+                    <p:cTn id="38" fill="hold">
+                      <p:stCondLst>
+                        <p:cond delay="indefinite"/>
+                      </p:stCondLst>
+                      <p:childTnLst>
+                        <p:par>
+                          <p:cTn id="39" fill="hold">
+                            <p:stCondLst>
+                              <p:cond delay="0"/>
+                            </p:stCondLst>
+                            <p:childTnLst>
+                              <p:par>
+                                <p:cTn id="40" presetID="1" presetClass="entr" presetSubtype="0" fill="hold" grpId="0" nodeType="clickEffect">
+                                  <p:stCondLst>
+                                    <p:cond delay="0"/>
+                                  </p:stCondLst>
+                                  <p:childTnLst>
+                                    <p:set>
+                                      <p:cBhvr>
+                                        <p:cTn id="41" dur="1" fill="hold">
+                                          <p:stCondLst>
+                                            <p:cond delay="0"/>
+                                          </p:stCondLst>
+                                        </p:cTn>
+                                        <p:tgtEl>
+                                          <p:spTgt spid="27"/>
+                                        </p:tgtEl>
+                                        <p:attrNameLst>
+                                          <p:attrName>style.visibility</p:attrName>
+                                        </p:attrNameLst>
+                                      </p:cBhvr>
+                                      <p:to>
+                                        <p:strVal val="visible"/>
+                                      </p:to>
+                                    </p:set>
+                                  </p:childTnLst>
+                                </p:cTn>
+                              </p:par>
+                            </p:childTnLst>
+                          </p:cTn>
+                        </p:par>
+                      </p:childTnLst>
+                    </p:cTn>
+                  </p:par>
+                  <p:par>
+                    <p:cTn id="42" fill="hold">
+                      <p:stCondLst>
+                        <p:cond delay="indefinite"/>
+                      </p:stCondLst>
+                      <p:childTnLst>
+                        <p:par>
+                          <p:cTn id="43" fill="hold">
+                            <p:stCondLst>
+                              <p:cond delay="0"/>
+                            </p:stCondLst>
+                            <p:childTnLst>
+                              <p:par>
+                                <p:cTn id="44" presetID="1" presetClass="entr" presetSubtype="0" fill="hold" grpId="0" nodeType="clickEffect">
+                                  <p:stCondLst>
+                                    <p:cond delay="0"/>
+                                  </p:stCondLst>
+                                  <p:childTnLst>
+                                    <p:set>
+                                      <p:cBhvr>
+                                        <p:cTn id="45" dur="1" fill="hold">
+                                          <p:stCondLst>
+                                            <p:cond delay="0"/>
+                                          </p:stCondLst>
+                                        </p:cTn>
+                                        <p:tgtEl>
+                                          <p:spTgt spid="8"/>
+                                        </p:tgtEl>
+                                        <p:attrNameLst>
+                                          <p:attrName>style.visibility</p:attrName>
+                                        </p:attrNameLst>
+                                      </p:cBhvr>
+                                      <p:to>
+                                        <p:strVal val="visible"/>
+                                      </p:to>
+                                    </p:set>
+                                  </p:childTnLst>
+                                </p:cTn>
+                              </p:par>
+                            </p:childTnLst>
+                          </p:cTn>
+                        </p:par>
+                        <p:par>
+                          <p:cTn id="46" fill="hold">
+                            <p:stCondLst>
+                              <p:cond delay="0"/>
+                            </p:stCondLst>
+                            <p:childTnLst>
+                              <p:par>
+                                <p:cTn id="47" presetID="1" presetClass="entr" presetSubtype="0" fill="hold" grpId="0" nodeType="afterEffect">
+                                  <p:stCondLst>
+                                    <p:cond delay="0"/>
+                                  </p:stCondLst>
+                                  <p:childTnLst>
+                                    <p:set>
+                                      <p:cBhvr>
+                                        <p:cTn id="48" dur="1" fill="hold">
+                                          <p:stCondLst>
+                                            <p:cond delay="0"/>
+                                          </p:stCondLst>
+                                        </p:cTn>
+                                        <p:tgtEl>
+                                          <p:spTgt spid="38"/>
+                                        </p:tgtEl>
+                                        <p:attrNameLst>
+                                          <p:attrName>style.visibility</p:attrName>
+                                        </p:attrNameLst>
+                                      </p:cBhvr>
+                                      <p:to>
+                                        <p:strVal val="visible"/>
+                                      </p:to>
+                                    </p:set>
+                                  </p:childTnLst>
+                                </p:cTn>
+                              </p:par>
+                            </p:childTnLst>
+                          </p:cTn>
+                        </p:par>
+                        <p:par>
+                          <p:cTn id="49" fill="hold">
+                            <p:stCondLst>
+                              <p:cond delay="0"/>
+                            </p:stCondLst>
+                            <p:childTnLst>
+                              <p:par>
+                                <p:cTn id="50" presetID="1" presetClass="entr" presetSubtype="0" fill="hold" nodeType="afterEffect">
+                                  <p:stCondLst>
+                                    <p:cond delay="0"/>
+                                  </p:stCondLst>
+                                  <p:childTnLst>
+                                    <p:set>
+                                      <p:cBhvr>
+                                        <p:cTn id="51" dur="1" fill="hold">
+                                          <p:stCondLst>
+                                            <p:cond delay="0"/>
+                                          </p:stCondLst>
+                                        </p:cTn>
+                                        <p:tgtEl>
+                                          <p:spTgt spid="57"/>
+                                        </p:tgtEl>
+                                        <p:attrNameLst>
+                                          <p:attrName>style.visibility</p:attrName>
+                                        </p:attrNameLst>
+                                      </p:cBhvr>
+                                      <p:to>
+                                        <p:strVal val="visible"/>
+                                      </p:to>
+                                    </p:set>
+                                  </p:childTnLst>
+                                </p:cTn>
+                              </p:par>
+                            </p:childTnLst>
+                          </p:cTn>
+                        </p:par>
+                      </p:childTnLst>
+                    </p:cTn>
+                  </p:par>
+                  <p:par>
+                    <p:cTn id="52" fill="hold">
+                      <p:stCondLst>
+                        <p:cond delay="indefinite"/>
+                      </p:stCondLst>
+                      <p:childTnLst>
+                        <p:par>
+                          <p:cTn id="53" fill="hold">
+                            <p:stCondLst>
+                              <p:cond delay="0"/>
+                            </p:stCondLst>
+                            <p:childTnLst>
+                              <p:par>
+                                <p:cTn id="54" presetID="1" presetClass="entr" presetSubtype="0" fill="hold" nodeType="clickEffect">
+                                  <p:stCondLst>
+                                    <p:cond delay="0"/>
+                                  </p:stCondLst>
+                                  <p:childTnLst>
+                                    <p:set>
+                                      <p:cBhvr>
+                                        <p:cTn id="55" dur="1" fill="hold">
+                                          <p:stCondLst>
+                                            <p:cond delay="0"/>
+                                          </p:stCondLst>
+                                        </p:cTn>
+                                        <p:tgtEl>
+                                          <p:spTgt spid="65"/>
+                                        </p:tgtEl>
+                                        <p:attrNameLst>
+                                          <p:attrName>style.visibility</p:attrName>
+                                        </p:attrNameLst>
+                                      </p:cBhvr>
+                                      <p:to>
+                                        <p:strVal val="visible"/>
+                                      </p:to>
+                                    </p:set>
+                                  </p:childTnLst>
+                                </p:cTn>
+                              </p:par>
+                            </p:childTnLst>
+                          </p:cTn>
+                        </p:par>
+                        <p:par>
+                          <p:cTn id="56" fill="hold">
+                            <p:stCondLst>
+                              <p:cond delay="0"/>
+                            </p:stCondLst>
+                            <p:childTnLst>
+                              <p:par>
+                                <p:cTn id="57" presetID="1" presetClass="entr" presetSubtype="0" fill="hold" nodeType="afterEffect">
+                                  <p:stCondLst>
+                                    <p:cond delay="0"/>
+                                  </p:stCondLst>
+                                  <p:childTnLst>
+                                    <p:set>
+                                      <p:cBhvr>
+                                        <p:cTn id="58" dur="1" fill="hold">
+                                          <p:stCondLst>
+                                            <p:cond delay="0"/>
+                                          </p:stCondLst>
+                                        </p:cTn>
+                                        <p:tgtEl>
+                                          <p:spTgt spid="58"/>
+                                        </p:tgtEl>
+                                        <p:attrNameLst>
+                                          <p:attrName>style.visibility</p:attrName>
+                                        </p:attrNameLst>
+                                      </p:cBhvr>
+                                      <p:to>
+                                        <p:strVal val="visible"/>
+                                      </p:to>
+                                    </p:set>
+                                  </p:childTnLst>
+                                </p:cTn>
+                              </p:par>
+                            </p:childTnLst>
+                          </p:cTn>
+                        </p:par>
+                        <p:par>
+                          <p:cTn id="59" fill="hold">
+                            <p:stCondLst>
+                              <p:cond delay="0"/>
+                            </p:stCondLst>
+                            <p:childTnLst>
+                              <p:par>
+                                <p:cTn id="60" presetID="1" presetClass="entr" presetSubtype="0" fill="hold" grpId="0" nodeType="afterEffect">
+                                  <p:stCondLst>
+                                    <p:cond delay="0"/>
+                                  </p:stCondLst>
+                                  <p:childTnLst>
+                                    <p:set>
+                                      <p:cBhvr>
+                                        <p:cTn id="61" dur="1" fill="hold">
+                                          <p:stCondLst>
+                                            <p:cond delay="0"/>
+                                          </p:stCondLst>
+                                        </p:cTn>
+                                        <p:tgtEl>
+                                          <p:spTgt spid="40"/>
+                                        </p:tgtEl>
+                                        <p:attrNameLst>
+                                          <p:attrName>style.visibility</p:attrName>
+                                        </p:attrNameLst>
+                                      </p:cBhvr>
+                                      <p:to>
+                                        <p:strVal val="visible"/>
+                                      </p:to>
+                                    </p:set>
+                                  </p:childTnLst>
+                                </p:cTn>
+                              </p:par>
+                            </p:childTnLst>
+                          </p:cTn>
+                        </p:par>
+                        <p:par>
+                          <p:cTn id="62" fill="hold">
+                            <p:stCondLst>
+                              <p:cond delay="0"/>
+                            </p:stCondLst>
+                            <p:childTnLst>
+                              <p:par>
+                                <p:cTn id="63" presetID="1" presetClass="entr" presetSubtype="0" fill="hold" nodeType="afterEffect">
+                                  <p:stCondLst>
+                                    <p:cond delay="0"/>
+                                  </p:stCondLst>
+                                  <p:childTnLst>
+                                    <p:set>
+                                      <p:cBhvr>
+                                        <p:cTn id="64" dur="1" fill="hold">
+                                          <p:stCondLst>
+                                            <p:cond delay="0"/>
+                                          </p:stCondLst>
+                                        </p:cTn>
+                                        <p:tgtEl>
+                                          <p:spTgt spid="56"/>
+                                        </p:tgtEl>
+                                        <p:attrNameLst>
+                                          <p:attrName>style.visibility</p:attrName>
+                                        </p:attrNameLst>
+                                      </p:cBhvr>
+                                      <p:to>
+                                        <p:strVal val="visible"/>
+                                      </p:to>
+                                    </p:set>
+                                  </p:childTnLst>
+                                </p:cTn>
+                              </p:par>
+                            </p:childTnLst>
+                          </p:cTn>
+                        </p:par>
+                      </p:childTnLst>
+                    </p:cTn>
+                  </p:par>
+                </p:childTnLst>
+              </p:cTn>
+              <p:prevCondLst>
+                <p:cond evt="onPrev" delay="0">
+                  <p:tgtEl>
+                    <p:sldTgt/>
+                  </p:tgtEl>
+                </p:cond>
+              </p:prevCondLst>
+              <p:nextCondLst>
+                <p:cond evt="onNext" delay="0">
+                  <p:tgtEl>
+                    <p:sldTgt/>
+                  </p:tgtEl>
+                </p:cond>
+              </p:nextCondLst>
+            </p:seq>
+          </p:childTnLst>
+        </p:cTn>
+      </p:par>
+    </p:tnLst>
+    <p:bldLst>
+      <p:bldP spid="8" grpId="0"/>
+      <p:bldP spid="24" grpId="0" animBg="1"/>
+      <p:bldP spid="25" grpId="0" animBg="1"/>
+      <p:bldP spid="26" grpId="0" animBg="1"/>
+      <p:bldP spid="27" grpId="0" animBg="1"/>
+      <p:bldP spid="48" grpId="0"/>
+      <p:bldP spid="38" grpId="0" animBg="1"/>
+      <p:bldP spid="40" grpId="0" animBg="1"/>
+    </p:bldLst>
+  </p:timing>
+</p:sld>
+</file>
+
 <file path=ppt/slides/slide2.xml><?xml version="1.0" encoding="utf-8"?>
 <p:sld xmlns:a="http://schemas.openxmlformats.org/drawingml/2006/main" xmlns:r="http://schemas.openxmlformats.org/officeDocument/2006/relationships" xmlns:p="http://schemas.openxmlformats.org/presentationml/2006/main">
   <p:cSld>
@@ -5475,11 +8475,7 @@
             <a:p>
               <a:r>
                 <a:rPr lang="en-GB" smtClean="0"/>
-                <a:t>the </a:t>
-              </a:r>
-              <a:r>
-                <a:rPr lang="en-GB" smtClean="0"/>
-                <a:t>details of </a:t>
+                <a:t>the details of </a:t>
               </a:r>
             </a:p>
             <a:p>
@@ -5822,11 +8818,7 @@
             <a:p>
               <a:r>
                 <a:rPr lang="en-GB" smtClean="0"/>
-                <a:t>decisions</a:t>
-              </a:r>
-              <a:r>
-                <a:rPr lang="en-GB" smtClean="0"/>
-                <a:t> are impossible to</a:t>
+                <a:t>decisions are impossible to</a:t>
               </a:r>
             </a:p>
             <a:p>
@@ -7229,6 +10221,4082 @@
 </p:sld>
 </file>
 
+<file path=ppt/slides/slide3.xml><?xml version="1.0" encoding="utf-8"?>
+<p:sld xmlns:a="http://schemas.openxmlformats.org/drawingml/2006/main" xmlns:r="http://schemas.openxmlformats.org/officeDocument/2006/relationships" xmlns:p="http://schemas.openxmlformats.org/presentationml/2006/main">
+  <p:cSld>
+    <p:spTree>
+      <p:nvGrpSpPr>
+        <p:cNvPr id="1" name=""/>
+        <p:cNvGrpSpPr/>
+        <p:nvPr/>
+      </p:nvGrpSpPr>
+      <p:grpSpPr>
+        <a:xfrm>
+          <a:off x="0" y="0"/>
+          <a:ext cx="0" cy="0"/>
+          <a:chOff x="0" y="0"/>
+          <a:chExt cx="0" cy="0"/>
+        </a:xfrm>
+      </p:grpSpPr>
+      <p:grpSp>
+        <p:nvGrpSpPr>
+          <p:cNvPr id="7" name="Group 6"/>
+          <p:cNvGrpSpPr/>
+          <p:nvPr/>
+        </p:nvGrpSpPr>
+        <p:grpSpPr>
+          <a:xfrm>
+            <a:off x="3610253" y="753640"/>
+            <a:ext cx="2138983" cy="1651232"/>
+            <a:chOff x="3107864" y="735352"/>
+            <a:chExt cx="2138983" cy="1651232"/>
+          </a:xfrm>
+        </p:grpSpPr>
+        <p:sp>
+          <p:nvSpPr>
+            <p:cNvPr id="8" name="TextBox 7"/>
+            <p:cNvSpPr txBox="1"/>
+            <p:nvPr/>
+          </p:nvSpPr>
+          <p:spPr>
+            <a:xfrm>
+              <a:off x="3107864" y="735352"/>
+              <a:ext cx="2138983" cy="923330"/>
+            </a:xfrm>
+            <a:prstGeom prst="rect">
+              <a:avLst/>
+            </a:prstGeom>
+            <a:noFill/>
+          </p:spPr>
+          <p:txBody>
+            <a:bodyPr wrap="none" rtlCol="0">
+              <a:spAutoFit/>
+            </a:bodyPr>
+            <a:lstStyle/>
+            <a:p>
+              <a:r>
+                <a:rPr lang="en-GB" smtClean="0"/>
+                <a:t>Data used to train or</a:t>
+              </a:r>
+            </a:p>
+            <a:p>
+              <a:r>
+                <a:rPr lang="en-GB" smtClean="0"/>
+                <a:t>re-train the Artificial </a:t>
+              </a:r>
+            </a:p>
+            <a:p>
+              <a:r>
+                <a:rPr lang="en-GB" smtClean="0"/>
+                <a:t>Intelligence Systems</a:t>
+              </a:r>
+              <a:endParaRPr lang="da-DK"/>
+            </a:p>
+          </p:txBody>
+        </p:sp>
+        <p:cxnSp>
+          <p:nvCxnSpPr>
+            <p:cNvPr id="9" name="Straight Arrow Connector 8"/>
+            <p:cNvCxnSpPr/>
+            <p:nvPr/>
+          </p:nvCxnSpPr>
+          <p:spPr>
+            <a:xfrm>
+              <a:off x="4161051" y="1737360"/>
+              <a:ext cx="539496" cy="649224"/>
+            </a:xfrm>
+            <a:prstGeom prst="straightConnector1">
+              <a:avLst/>
+            </a:prstGeom>
+            <a:ln w="28575">
+              <a:solidFill>
+                <a:schemeClr val="tx1"/>
+              </a:solidFill>
+              <a:tailEnd type="triangle"/>
+            </a:ln>
+          </p:spPr>
+          <p:style>
+            <a:lnRef idx="1">
+              <a:schemeClr val="accent1"/>
+            </a:lnRef>
+            <a:fillRef idx="0">
+              <a:schemeClr val="accent1"/>
+            </a:fillRef>
+            <a:effectRef idx="0">
+              <a:schemeClr val="accent1"/>
+            </a:effectRef>
+            <a:fontRef idx="minor">
+              <a:schemeClr val="tx1"/>
+            </a:fontRef>
+          </p:style>
+        </p:cxnSp>
+      </p:grpSp>
+      <p:grpSp>
+        <p:nvGrpSpPr>
+          <p:cNvPr id="10" name="Group 9"/>
+          <p:cNvGrpSpPr/>
+          <p:nvPr/>
+        </p:nvGrpSpPr>
+        <p:grpSpPr>
+          <a:xfrm>
+            <a:off x="4861577" y="2388345"/>
+            <a:ext cx="3036649" cy="1241570"/>
+            <a:chOff x="5313107" y="1342229"/>
+            <a:chExt cx="3036649" cy="1241570"/>
+          </a:xfrm>
+        </p:grpSpPr>
+        <p:sp>
+          <p:nvSpPr>
+            <p:cNvPr id="11" name="Right Arrow Callout 10"/>
+            <p:cNvSpPr/>
+            <p:nvPr/>
+          </p:nvSpPr>
+          <p:spPr>
+            <a:xfrm>
+              <a:off x="6961733" y="1421744"/>
+              <a:ext cx="1388023" cy="1153490"/>
+            </a:xfrm>
+            <a:prstGeom prst="rightArrowCallout">
+              <a:avLst/>
+            </a:prstGeom>
+            <a:solidFill>
+              <a:schemeClr val="bg1"/>
+            </a:solidFill>
+            <a:ln>
+              <a:solidFill>
+                <a:schemeClr val="tx1"/>
+              </a:solidFill>
+            </a:ln>
+          </p:spPr>
+          <p:style>
+            <a:lnRef idx="2">
+              <a:schemeClr val="accent1">
+                <a:shade val="50000"/>
+              </a:schemeClr>
+            </a:lnRef>
+            <a:fillRef idx="1">
+              <a:schemeClr val="accent1"/>
+            </a:fillRef>
+            <a:effectRef idx="0">
+              <a:schemeClr val="accent1"/>
+            </a:effectRef>
+            <a:fontRef idx="minor">
+              <a:schemeClr val="lt1"/>
+            </a:fontRef>
+          </p:style>
+          <p:txBody>
+            <a:bodyPr rtlCol="0" anchor="ctr"/>
+            <a:lstStyle/>
+            <a:p>
+              <a:pPr algn="ctr"/>
+              <a:r>
+                <a:rPr lang="en-GB" sz="1600" b="1" smtClean="0">
+                  <a:solidFill>
+                    <a:schemeClr val="tx1"/>
+                  </a:solidFill>
+                </a:rPr>
+                <a:t>Rules </a:t>
+              </a:r>
+            </a:p>
+            <a:p>
+              <a:pPr algn="ctr"/>
+              <a:r>
+                <a:rPr lang="en-GB" sz="1600" b="1" smtClean="0">
+                  <a:solidFill>
+                    <a:schemeClr val="tx1"/>
+                  </a:solidFill>
+                </a:rPr>
+                <a:t>Engine</a:t>
+              </a:r>
+              <a:endParaRPr lang="da-DK" sz="1600" b="1">
+                <a:solidFill>
+                  <a:schemeClr val="tx1"/>
+                </a:solidFill>
+              </a:endParaRPr>
+            </a:p>
+          </p:txBody>
+        </p:sp>
+        <p:grpSp>
+          <p:nvGrpSpPr>
+            <p:cNvPr id="12" name="Group 11"/>
+            <p:cNvGrpSpPr/>
+            <p:nvPr/>
+          </p:nvGrpSpPr>
+          <p:grpSpPr>
+            <a:xfrm>
+              <a:off x="5313107" y="1342229"/>
+              <a:ext cx="1786856" cy="1241570"/>
+              <a:chOff x="4882393" y="2902591"/>
+              <a:chExt cx="1786856" cy="1241570"/>
+            </a:xfrm>
+          </p:grpSpPr>
+          <p:sp>
+            <p:nvSpPr>
+              <p:cNvPr id="13" name="Oval 12"/>
+              <p:cNvSpPr/>
+              <p:nvPr/>
+            </p:nvSpPr>
+            <p:spPr>
+              <a:xfrm>
+                <a:off x="5134063" y="2902591"/>
+                <a:ext cx="1283516" cy="1241570"/>
+              </a:xfrm>
+              <a:prstGeom prst="ellipse">
+                <a:avLst/>
+              </a:prstGeom>
+              <a:solidFill>
+                <a:schemeClr val="tx1"/>
+              </a:solidFill>
+            </p:spPr>
+            <p:style>
+              <a:lnRef idx="2">
+                <a:schemeClr val="accent1">
+                  <a:shade val="50000"/>
+                </a:schemeClr>
+              </a:lnRef>
+              <a:fillRef idx="1">
+                <a:schemeClr val="accent1"/>
+              </a:fillRef>
+              <a:effectRef idx="0">
+                <a:schemeClr val="accent1"/>
+              </a:effectRef>
+              <a:fontRef idx="minor">
+                <a:schemeClr val="lt1"/>
+              </a:fontRef>
+            </p:style>
+            <p:txBody>
+              <a:bodyPr rtlCol="0" anchor="ctr"/>
+              <a:lstStyle/>
+              <a:p>
+                <a:pPr algn="ctr"/>
+                <a:r>
+                  <a:rPr lang="en-GB" smtClean="0"/>
+                  <a:t>Algo-rithm</a:t>
+                </a:r>
+                <a:endParaRPr lang="da-DK"/>
+              </a:p>
+            </p:txBody>
+          </p:sp>
+          <p:sp>
+            <p:nvSpPr>
+              <p:cNvPr id="14" name="Oval 13"/>
+              <p:cNvSpPr/>
+              <p:nvPr/>
+            </p:nvSpPr>
+            <p:spPr>
+              <a:xfrm>
+                <a:off x="4882393" y="3347207"/>
+                <a:ext cx="358629" cy="352338"/>
+              </a:xfrm>
+              <a:prstGeom prst="ellipse">
+                <a:avLst/>
+              </a:prstGeom>
+              <a:solidFill>
+                <a:srgbClr val="92D050"/>
+              </a:solidFill>
+              <a:ln>
+                <a:solidFill>
+                  <a:srgbClr val="92D050"/>
+                </a:solidFill>
+              </a:ln>
+            </p:spPr>
+            <p:style>
+              <a:lnRef idx="2">
+                <a:schemeClr val="accent1">
+                  <a:shade val="50000"/>
+                </a:schemeClr>
+              </a:lnRef>
+              <a:fillRef idx="1">
+                <a:schemeClr val="accent1"/>
+              </a:fillRef>
+              <a:effectRef idx="0">
+                <a:schemeClr val="accent1"/>
+              </a:effectRef>
+              <a:fontRef idx="minor">
+                <a:schemeClr val="lt1"/>
+              </a:fontRef>
+            </p:style>
+            <p:txBody>
+              <a:bodyPr rtlCol="0" anchor="ctr"/>
+              <a:lstStyle/>
+              <a:p>
+                <a:pPr algn="ctr"/>
+                <a:endParaRPr lang="da-DK"/>
+              </a:p>
+            </p:txBody>
+          </p:sp>
+          <p:sp>
+            <p:nvSpPr>
+              <p:cNvPr id="15" name="Oval 14"/>
+              <p:cNvSpPr/>
+              <p:nvPr/>
+            </p:nvSpPr>
+            <p:spPr>
+              <a:xfrm>
+                <a:off x="6310620" y="3347207"/>
+                <a:ext cx="358629" cy="352338"/>
+              </a:xfrm>
+              <a:prstGeom prst="ellipse">
+                <a:avLst/>
+              </a:prstGeom>
+              <a:solidFill>
+                <a:srgbClr val="00B0F0"/>
+              </a:solidFill>
+              <a:ln>
+                <a:solidFill>
+                  <a:srgbClr val="00B0F0"/>
+                </a:solidFill>
+              </a:ln>
+            </p:spPr>
+            <p:style>
+              <a:lnRef idx="2">
+                <a:schemeClr val="accent1">
+                  <a:shade val="50000"/>
+                </a:schemeClr>
+              </a:lnRef>
+              <a:fillRef idx="1">
+                <a:schemeClr val="accent1"/>
+              </a:fillRef>
+              <a:effectRef idx="0">
+                <a:schemeClr val="accent1"/>
+              </a:effectRef>
+              <a:fontRef idx="minor">
+                <a:schemeClr val="lt1"/>
+              </a:fontRef>
+            </p:style>
+            <p:txBody>
+              <a:bodyPr rtlCol="0" anchor="ctr"/>
+              <a:lstStyle/>
+              <a:p>
+                <a:pPr algn="ctr"/>
+                <a:endParaRPr lang="da-DK"/>
+              </a:p>
+            </p:txBody>
+          </p:sp>
+        </p:grpSp>
+      </p:grpSp>
+      <p:graphicFrame>
+        <p:nvGraphicFramePr>
+          <p:cNvPr id="36" name="Table 35"/>
+          <p:cNvGraphicFramePr>
+            <a:graphicFrameLocks noGrp="1"/>
+          </p:cNvGraphicFramePr>
+          <p:nvPr>
+            <p:extLst/>
+          </p:nvPr>
+        </p:nvGraphicFramePr>
+        <p:xfrm>
+          <a:off x="720207" y="609238"/>
+          <a:ext cx="2394311" cy="1752600"/>
+        </p:xfrm>
+        <a:graphic>
+          <a:graphicData uri="http://schemas.openxmlformats.org/drawingml/2006/table">
+            <a:tbl>
+              <a:tblPr firstRow="1" bandRow="1">
+                <a:tableStyleId>{5C22544A-7EE6-4342-B048-85BDC9FD1C3A}</a:tableStyleId>
+              </a:tblPr>
+              <a:tblGrid>
+                <a:gridCol w="208280"/>
+                <a:gridCol w="208280"/>
+                <a:gridCol w="208280"/>
+                <a:gridCol w="208280"/>
+                <a:gridCol w="208280"/>
+                <a:gridCol w="1352911"/>
+              </a:tblGrid>
+              <a:tr h="370840">
+                <a:tc>
+                  <a:txBody>
+                    <a:bodyPr/>
+                    <a:lstStyle/>
+                    <a:p>
+                      <a:endParaRPr lang="da-DK"/>
+                    </a:p>
+                  </a:txBody>
+                  <a:tcPr/>
+                </a:tc>
+                <a:tc>
+                  <a:txBody>
+                    <a:bodyPr/>
+                    <a:lstStyle/>
+                    <a:p>
+                      <a:endParaRPr lang="da-DK"/>
+                    </a:p>
+                  </a:txBody>
+                  <a:tcPr/>
+                </a:tc>
+                <a:tc>
+                  <a:txBody>
+                    <a:bodyPr/>
+                    <a:lstStyle/>
+                    <a:p>
+                      <a:endParaRPr lang="da-DK"/>
+                    </a:p>
+                  </a:txBody>
+                  <a:tcPr/>
+                </a:tc>
+                <a:tc>
+                  <a:txBody>
+                    <a:bodyPr/>
+                    <a:lstStyle/>
+                    <a:p>
+                      <a:endParaRPr lang="da-DK"/>
+                    </a:p>
+                  </a:txBody>
+                  <a:tcPr/>
+                </a:tc>
+                <a:tc>
+                  <a:txBody>
+                    <a:bodyPr/>
+                    <a:lstStyle/>
+                    <a:p>
+                      <a:endParaRPr lang="da-DK"/>
+                    </a:p>
+                  </a:txBody>
+                  <a:tcPr/>
+                </a:tc>
+                <a:tc>
+                  <a:txBody>
+                    <a:bodyPr/>
+                    <a:lstStyle/>
+                    <a:p>
+                      <a:r>
+                        <a:rPr lang="en-GB" smtClean="0"/>
+                        <a:t>Training data</a:t>
+                      </a:r>
+                      <a:endParaRPr lang="da-DK"/>
+                    </a:p>
+                  </a:txBody>
+                  <a:tcPr/>
+                </a:tc>
+              </a:tr>
+              <a:tr h="370840">
+                <a:tc>
+                  <a:txBody>
+                    <a:bodyPr/>
+                    <a:lstStyle/>
+                    <a:p>
+                      <a:endParaRPr lang="da-DK"/>
+                    </a:p>
+                  </a:txBody>
+                  <a:tcPr/>
+                </a:tc>
+                <a:tc>
+                  <a:txBody>
+                    <a:bodyPr/>
+                    <a:lstStyle/>
+                    <a:p>
+                      <a:endParaRPr lang="da-DK"/>
+                    </a:p>
+                  </a:txBody>
+                  <a:tcPr/>
+                </a:tc>
+                <a:tc>
+                  <a:txBody>
+                    <a:bodyPr/>
+                    <a:lstStyle/>
+                    <a:p>
+                      <a:endParaRPr lang="da-DK"/>
+                    </a:p>
+                  </a:txBody>
+                  <a:tcPr/>
+                </a:tc>
+                <a:tc>
+                  <a:txBody>
+                    <a:bodyPr/>
+                    <a:lstStyle/>
+                    <a:p>
+                      <a:endParaRPr lang="da-DK"/>
+                    </a:p>
+                  </a:txBody>
+                  <a:tcPr/>
+                </a:tc>
+                <a:tc>
+                  <a:txBody>
+                    <a:bodyPr/>
+                    <a:lstStyle/>
+                    <a:p>
+                      <a:endParaRPr lang="da-DK"/>
+                    </a:p>
+                  </a:txBody>
+                  <a:tcPr/>
+                </a:tc>
+                <a:tc>
+                  <a:txBody>
+                    <a:bodyPr/>
+                    <a:lstStyle/>
+                    <a:p>
+                      <a:endParaRPr lang="da-DK"/>
+                    </a:p>
+                  </a:txBody>
+                  <a:tcPr/>
+                </a:tc>
+              </a:tr>
+              <a:tr h="370840">
+                <a:tc>
+                  <a:txBody>
+                    <a:bodyPr/>
+                    <a:lstStyle/>
+                    <a:p>
+                      <a:endParaRPr lang="da-DK"/>
+                    </a:p>
+                  </a:txBody>
+                  <a:tcPr/>
+                </a:tc>
+                <a:tc>
+                  <a:txBody>
+                    <a:bodyPr/>
+                    <a:lstStyle/>
+                    <a:p>
+                      <a:endParaRPr lang="da-DK"/>
+                    </a:p>
+                  </a:txBody>
+                  <a:tcPr/>
+                </a:tc>
+                <a:tc>
+                  <a:txBody>
+                    <a:bodyPr/>
+                    <a:lstStyle/>
+                    <a:p>
+                      <a:endParaRPr lang="da-DK"/>
+                    </a:p>
+                  </a:txBody>
+                  <a:tcPr/>
+                </a:tc>
+                <a:tc>
+                  <a:txBody>
+                    <a:bodyPr/>
+                    <a:lstStyle/>
+                    <a:p>
+                      <a:endParaRPr lang="da-DK"/>
+                    </a:p>
+                  </a:txBody>
+                  <a:tcPr/>
+                </a:tc>
+                <a:tc>
+                  <a:txBody>
+                    <a:bodyPr/>
+                    <a:lstStyle/>
+                    <a:p>
+                      <a:endParaRPr lang="da-DK"/>
+                    </a:p>
+                  </a:txBody>
+                  <a:tcPr/>
+                </a:tc>
+                <a:tc>
+                  <a:txBody>
+                    <a:bodyPr/>
+                    <a:lstStyle/>
+                    <a:p>
+                      <a:endParaRPr lang="da-DK"/>
+                    </a:p>
+                  </a:txBody>
+                  <a:tcPr/>
+                </a:tc>
+              </a:tr>
+              <a:tr h="370840">
+                <a:tc>
+                  <a:txBody>
+                    <a:bodyPr/>
+                    <a:lstStyle/>
+                    <a:p>
+                      <a:endParaRPr lang="da-DK"/>
+                    </a:p>
+                  </a:txBody>
+                  <a:tcPr/>
+                </a:tc>
+                <a:tc>
+                  <a:txBody>
+                    <a:bodyPr/>
+                    <a:lstStyle/>
+                    <a:p>
+                      <a:endParaRPr lang="da-DK"/>
+                    </a:p>
+                  </a:txBody>
+                  <a:tcPr/>
+                </a:tc>
+                <a:tc>
+                  <a:txBody>
+                    <a:bodyPr/>
+                    <a:lstStyle/>
+                    <a:p>
+                      <a:endParaRPr lang="da-DK"/>
+                    </a:p>
+                  </a:txBody>
+                  <a:tcPr/>
+                </a:tc>
+                <a:tc>
+                  <a:txBody>
+                    <a:bodyPr/>
+                    <a:lstStyle/>
+                    <a:p>
+                      <a:endParaRPr lang="da-DK"/>
+                    </a:p>
+                  </a:txBody>
+                  <a:tcPr/>
+                </a:tc>
+                <a:tc>
+                  <a:txBody>
+                    <a:bodyPr/>
+                    <a:lstStyle/>
+                    <a:p>
+                      <a:endParaRPr lang="da-DK"/>
+                    </a:p>
+                  </a:txBody>
+                  <a:tcPr/>
+                </a:tc>
+                <a:tc>
+                  <a:txBody>
+                    <a:bodyPr/>
+                    <a:lstStyle/>
+                    <a:p>
+                      <a:endParaRPr lang="da-DK"/>
+                    </a:p>
+                  </a:txBody>
+                  <a:tcPr/>
+                </a:tc>
+              </a:tr>
+            </a:tbl>
+          </a:graphicData>
+        </a:graphic>
+      </p:graphicFrame>
+      <p:graphicFrame>
+        <p:nvGraphicFramePr>
+          <p:cNvPr id="37" name="Table 36"/>
+          <p:cNvGraphicFramePr>
+            <a:graphicFrameLocks noGrp="1"/>
+          </p:cNvGraphicFramePr>
+          <p:nvPr>
+            <p:extLst/>
+          </p:nvPr>
+        </p:nvGraphicFramePr>
+        <p:xfrm>
+          <a:off x="1137402" y="1348569"/>
+          <a:ext cx="2394311" cy="1752600"/>
+        </p:xfrm>
+        <a:graphic>
+          <a:graphicData uri="http://schemas.openxmlformats.org/drawingml/2006/table">
+            <a:tbl>
+              <a:tblPr firstRow="1" bandRow="1">
+                <a:tableStyleId>{21E4AEA4-8DFA-4A89-87EB-49C32662AFE0}</a:tableStyleId>
+              </a:tblPr>
+              <a:tblGrid>
+                <a:gridCol w="208280"/>
+                <a:gridCol w="208280"/>
+                <a:gridCol w="208280"/>
+                <a:gridCol w="208280"/>
+                <a:gridCol w="208280"/>
+                <a:gridCol w="1352911"/>
+              </a:tblGrid>
+              <a:tr h="370840">
+                <a:tc>
+                  <a:txBody>
+                    <a:bodyPr/>
+                    <a:lstStyle/>
+                    <a:p>
+                      <a:endParaRPr lang="da-DK"/>
+                    </a:p>
+                  </a:txBody>
+                  <a:tcPr/>
+                </a:tc>
+                <a:tc>
+                  <a:txBody>
+                    <a:bodyPr/>
+                    <a:lstStyle/>
+                    <a:p>
+                      <a:endParaRPr lang="da-DK"/>
+                    </a:p>
+                  </a:txBody>
+                  <a:tcPr/>
+                </a:tc>
+                <a:tc>
+                  <a:txBody>
+                    <a:bodyPr/>
+                    <a:lstStyle/>
+                    <a:p>
+                      <a:endParaRPr lang="da-DK"/>
+                    </a:p>
+                  </a:txBody>
+                  <a:tcPr/>
+                </a:tc>
+                <a:tc>
+                  <a:txBody>
+                    <a:bodyPr/>
+                    <a:lstStyle/>
+                    <a:p>
+                      <a:endParaRPr lang="da-DK"/>
+                    </a:p>
+                  </a:txBody>
+                  <a:tcPr/>
+                </a:tc>
+                <a:tc>
+                  <a:txBody>
+                    <a:bodyPr/>
+                    <a:lstStyle/>
+                    <a:p>
+                      <a:endParaRPr lang="da-DK"/>
+                    </a:p>
+                  </a:txBody>
+                  <a:tcPr/>
+                </a:tc>
+                <a:tc>
+                  <a:txBody>
+                    <a:bodyPr/>
+                    <a:lstStyle/>
+                    <a:p>
+                      <a:r>
+                        <a:rPr lang="en-GB" smtClean="0"/>
+                        <a:t>Re-training data</a:t>
+                      </a:r>
+                      <a:endParaRPr lang="da-DK"/>
+                    </a:p>
+                  </a:txBody>
+                  <a:tcPr/>
+                </a:tc>
+              </a:tr>
+              <a:tr h="370840">
+                <a:tc>
+                  <a:txBody>
+                    <a:bodyPr/>
+                    <a:lstStyle/>
+                    <a:p>
+                      <a:endParaRPr lang="da-DK"/>
+                    </a:p>
+                  </a:txBody>
+                  <a:tcPr/>
+                </a:tc>
+                <a:tc>
+                  <a:txBody>
+                    <a:bodyPr/>
+                    <a:lstStyle/>
+                    <a:p>
+                      <a:endParaRPr lang="da-DK"/>
+                    </a:p>
+                  </a:txBody>
+                  <a:tcPr/>
+                </a:tc>
+                <a:tc>
+                  <a:txBody>
+                    <a:bodyPr/>
+                    <a:lstStyle/>
+                    <a:p>
+                      <a:endParaRPr lang="da-DK"/>
+                    </a:p>
+                  </a:txBody>
+                  <a:tcPr/>
+                </a:tc>
+                <a:tc>
+                  <a:txBody>
+                    <a:bodyPr/>
+                    <a:lstStyle/>
+                    <a:p>
+                      <a:endParaRPr lang="da-DK"/>
+                    </a:p>
+                  </a:txBody>
+                  <a:tcPr/>
+                </a:tc>
+                <a:tc>
+                  <a:txBody>
+                    <a:bodyPr/>
+                    <a:lstStyle/>
+                    <a:p>
+                      <a:endParaRPr lang="da-DK"/>
+                    </a:p>
+                  </a:txBody>
+                  <a:tcPr/>
+                </a:tc>
+                <a:tc>
+                  <a:txBody>
+                    <a:bodyPr/>
+                    <a:lstStyle/>
+                    <a:p>
+                      <a:endParaRPr lang="da-DK"/>
+                    </a:p>
+                  </a:txBody>
+                  <a:tcPr/>
+                </a:tc>
+              </a:tr>
+              <a:tr h="370840">
+                <a:tc>
+                  <a:txBody>
+                    <a:bodyPr/>
+                    <a:lstStyle/>
+                    <a:p>
+                      <a:endParaRPr lang="da-DK"/>
+                    </a:p>
+                  </a:txBody>
+                  <a:tcPr/>
+                </a:tc>
+                <a:tc>
+                  <a:txBody>
+                    <a:bodyPr/>
+                    <a:lstStyle/>
+                    <a:p>
+                      <a:endParaRPr lang="da-DK"/>
+                    </a:p>
+                  </a:txBody>
+                  <a:tcPr/>
+                </a:tc>
+                <a:tc>
+                  <a:txBody>
+                    <a:bodyPr/>
+                    <a:lstStyle/>
+                    <a:p>
+                      <a:endParaRPr lang="da-DK"/>
+                    </a:p>
+                  </a:txBody>
+                  <a:tcPr/>
+                </a:tc>
+                <a:tc>
+                  <a:txBody>
+                    <a:bodyPr/>
+                    <a:lstStyle/>
+                    <a:p>
+                      <a:endParaRPr lang="da-DK"/>
+                    </a:p>
+                  </a:txBody>
+                  <a:tcPr/>
+                </a:tc>
+                <a:tc>
+                  <a:txBody>
+                    <a:bodyPr/>
+                    <a:lstStyle/>
+                    <a:p>
+                      <a:endParaRPr lang="da-DK"/>
+                    </a:p>
+                  </a:txBody>
+                  <a:tcPr/>
+                </a:tc>
+                <a:tc>
+                  <a:txBody>
+                    <a:bodyPr/>
+                    <a:lstStyle/>
+                    <a:p>
+                      <a:endParaRPr lang="da-DK"/>
+                    </a:p>
+                  </a:txBody>
+                  <a:tcPr/>
+                </a:tc>
+              </a:tr>
+              <a:tr h="370840">
+                <a:tc>
+                  <a:txBody>
+                    <a:bodyPr/>
+                    <a:lstStyle/>
+                    <a:p>
+                      <a:endParaRPr lang="da-DK"/>
+                    </a:p>
+                  </a:txBody>
+                  <a:tcPr/>
+                </a:tc>
+                <a:tc>
+                  <a:txBody>
+                    <a:bodyPr/>
+                    <a:lstStyle/>
+                    <a:p>
+                      <a:endParaRPr lang="da-DK"/>
+                    </a:p>
+                  </a:txBody>
+                  <a:tcPr/>
+                </a:tc>
+                <a:tc>
+                  <a:txBody>
+                    <a:bodyPr/>
+                    <a:lstStyle/>
+                    <a:p>
+                      <a:endParaRPr lang="da-DK"/>
+                    </a:p>
+                  </a:txBody>
+                  <a:tcPr/>
+                </a:tc>
+                <a:tc>
+                  <a:txBody>
+                    <a:bodyPr/>
+                    <a:lstStyle/>
+                    <a:p>
+                      <a:endParaRPr lang="da-DK"/>
+                    </a:p>
+                  </a:txBody>
+                  <a:tcPr/>
+                </a:tc>
+                <a:tc>
+                  <a:txBody>
+                    <a:bodyPr/>
+                    <a:lstStyle/>
+                    <a:p>
+                      <a:endParaRPr lang="da-DK"/>
+                    </a:p>
+                  </a:txBody>
+                  <a:tcPr/>
+                </a:tc>
+                <a:tc>
+                  <a:txBody>
+                    <a:bodyPr/>
+                    <a:lstStyle/>
+                    <a:p>
+                      <a:endParaRPr lang="da-DK"/>
+                    </a:p>
+                  </a:txBody>
+                  <a:tcPr/>
+                </a:tc>
+              </a:tr>
+            </a:tbl>
+          </a:graphicData>
+        </a:graphic>
+      </p:graphicFrame>
+    </p:spTree>
+    <p:extLst>
+      <p:ext uri="{BB962C8B-B14F-4D97-AF65-F5344CB8AC3E}">
+        <p14:creationId xmlns:p14="http://schemas.microsoft.com/office/powerpoint/2010/main" val="1662336952"/>
+      </p:ext>
+    </p:extLst>
+  </p:cSld>
+  <p:clrMapOvr>
+    <a:masterClrMapping/>
+  </p:clrMapOvr>
+  <p:timing>
+    <p:tnLst>
+      <p:par>
+        <p:cTn id="1" dur="indefinite" restart="never" nodeType="tmRoot">
+          <p:childTnLst>
+            <p:seq concurrent="1" nextAc="seek">
+              <p:cTn id="2" dur="indefinite" nodeType="mainSeq">
+                <p:childTnLst>
+                  <p:par>
+                    <p:cTn id="3" fill="hold">
+                      <p:stCondLst>
+                        <p:cond delay="indefinite"/>
+                      </p:stCondLst>
+                      <p:childTnLst>
+                        <p:par>
+                          <p:cTn id="4" fill="hold">
+                            <p:stCondLst>
+                              <p:cond delay="0"/>
+                            </p:stCondLst>
+                            <p:childTnLst>
+                              <p:par>
+                                <p:cTn id="5" presetID="1" presetClass="entr" presetSubtype="0" fill="hold" nodeType="clickEffect">
+                                  <p:stCondLst>
+                                    <p:cond delay="0"/>
+                                  </p:stCondLst>
+                                  <p:childTnLst>
+                                    <p:set>
+                                      <p:cBhvr>
+                                        <p:cTn id="6" dur="1" fill="hold">
+                                          <p:stCondLst>
+                                            <p:cond delay="0"/>
+                                          </p:stCondLst>
+                                        </p:cTn>
+                                        <p:tgtEl>
+                                          <p:spTgt spid="10"/>
+                                        </p:tgtEl>
+                                        <p:attrNameLst>
+                                          <p:attrName>style.visibility</p:attrName>
+                                        </p:attrNameLst>
+                                      </p:cBhvr>
+                                      <p:to>
+                                        <p:strVal val="visible"/>
+                                      </p:to>
+                                    </p:set>
+                                  </p:childTnLst>
+                                </p:cTn>
+                              </p:par>
+                            </p:childTnLst>
+                          </p:cTn>
+                        </p:par>
+                        <p:par>
+                          <p:cTn id="7" fill="hold">
+                            <p:stCondLst>
+                              <p:cond delay="0"/>
+                            </p:stCondLst>
+                            <p:childTnLst>
+                              <p:par>
+                                <p:cTn id="8" presetID="1" presetClass="entr" presetSubtype="0" fill="hold" nodeType="afterEffect">
+                                  <p:stCondLst>
+                                    <p:cond delay="0"/>
+                                  </p:stCondLst>
+                                  <p:childTnLst>
+                                    <p:set>
+                                      <p:cBhvr>
+                                        <p:cTn id="9" dur="1" fill="hold">
+                                          <p:stCondLst>
+                                            <p:cond delay="0"/>
+                                          </p:stCondLst>
+                                        </p:cTn>
+                                        <p:tgtEl>
+                                          <p:spTgt spid="7"/>
+                                        </p:tgtEl>
+                                        <p:attrNameLst>
+                                          <p:attrName>style.visibility</p:attrName>
+                                        </p:attrNameLst>
+                                      </p:cBhvr>
+                                      <p:to>
+                                        <p:strVal val="visible"/>
+                                      </p:to>
+                                    </p:set>
+                                  </p:childTnLst>
+                                </p:cTn>
+                              </p:par>
+                            </p:childTnLst>
+                          </p:cTn>
+                        </p:par>
+                      </p:childTnLst>
+                    </p:cTn>
+                  </p:par>
+                  <p:par>
+                    <p:cTn id="10" fill="hold">
+                      <p:stCondLst>
+                        <p:cond delay="indefinite"/>
+                      </p:stCondLst>
+                      <p:childTnLst>
+                        <p:par>
+                          <p:cTn id="11" fill="hold">
+                            <p:stCondLst>
+                              <p:cond delay="0"/>
+                            </p:stCondLst>
+                            <p:childTnLst>
+                              <p:par>
+                                <p:cTn id="12" presetID="1" presetClass="entr" presetSubtype="0" fill="hold" nodeType="clickEffect">
+                                  <p:stCondLst>
+                                    <p:cond delay="0"/>
+                                  </p:stCondLst>
+                                  <p:childTnLst>
+                                    <p:set>
+                                      <p:cBhvr>
+                                        <p:cTn id="13" dur="1" fill="hold">
+                                          <p:stCondLst>
+                                            <p:cond delay="0"/>
+                                          </p:stCondLst>
+                                        </p:cTn>
+                                        <p:tgtEl>
+                                          <p:spTgt spid="36"/>
+                                        </p:tgtEl>
+                                        <p:attrNameLst>
+                                          <p:attrName>style.visibility</p:attrName>
+                                        </p:attrNameLst>
+                                      </p:cBhvr>
+                                      <p:to>
+                                        <p:strVal val="visible"/>
+                                      </p:to>
+                                    </p:set>
+                                  </p:childTnLst>
+                                </p:cTn>
+                              </p:par>
+                            </p:childTnLst>
+                          </p:cTn>
+                        </p:par>
+                        <p:par>
+                          <p:cTn id="14" fill="hold">
+                            <p:stCondLst>
+                              <p:cond delay="0"/>
+                            </p:stCondLst>
+                            <p:childTnLst>
+                              <p:par>
+                                <p:cTn id="15" presetID="1" presetClass="entr" presetSubtype="0" fill="hold" nodeType="afterEffect">
+                                  <p:stCondLst>
+                                    <p:cond delay="0"/>
+                                  </p:stCondLst>
+                                  <p:childTnLst>
+                                    <p:set>
+                                      <p:cBhvr>
+                                        <p:cTn id="16" dur="1" fill="hold">
+                                          <p:stCondLst>
+                                            <p:cond delay="0"/>
+                                          </p:stCondLst>
+                                        </p:cTn>
+                                        <p:tgtEl>
+                                          <p:spTgt spid="37"/>
+                                        </p:tgtEl>
+                                        <p:attrNameLst>
+                                          <p:attrName>style.visibility</p:attrName>
+                                        </p:attrNameLst>
+                                      </p:cBhvr>
+                                      <p:to>
+                                        <p:strVal val="visible"/>
+                                      </p:to>
+                                    </p:set>
+                                  </p:childTnLst>
+                                </p:cTn>
+                              </p:par>
+                            </p:childTnLst>
+                          </p:cTn>
+                        </p:par>
+                      </p:childTnLst>
+                    </p:cTn>
+                  </p:par>
+                </p:childTnLst>
+              </p:cTn>
+              <p:prevCondLst>
+                <p:cond evt="onPrev" delay="0">
+                  <p:tgtEl>
+                    <p:sldTgt/>
+                  </p:tgtEl>
+                </p:cond>
+              </p:prevCondLst>
+              <p:nextCondLst>
+                <p:cond evt="onNext" delay="0">
+                  <p:tgtEl>
+                    <p:sldTgt/>
+                  </p:tgtEl>
+                </p:cond>
+              </p:nextCondLst>
+            </p:seq>
+          </p:childTnLst>
+        </p:cTn>
+      </p:par>
+    </p:tnLst>
+  </p:timing>
+</p:sld>
+</file>
+
+<file path=ppt/slides/slide4.xml><?xml version="1.0" encoding="utf-8"?>
+<p:sld xmlns:a="http://schemas.openxmlformats.org/drawingml/2006/main" xmlns:r="http://schemas.openxmlformats.org/officeDocument/2006/relationships" xmlns:p="http://schemas.openxmlformats.org/presentationml/2006/main">
+  <p:cSld>
+    <p:spTree>
+      <p:nvGrpSpPr>
+        <p:cNvPr id="1" name=""/>
+        <p:cNvGrpSpPr/>
+        <p:nvPr/>
+      </p:nvGrpSpPr>
+      <p:grpSpPr>
+        <a:xfrm>
+          <a:off x="0" y="0"/>
+          <a:ext cx="0" cy="0"/>
+          <a:chOff x="0" y="0"/>
+          <a:chExt cx="0" cy="0"/>
+        </a:xfrm>
+      </p:grpSpPr>
+      <p:grpSp>
+        <p:nvGrpSpPr>
+          <p:cNvPr id="7" name="Group 6"/>
+          <p:cNvGrpSpPr/>
+          <p:nvPr/>
+        </p:nvGrpSpPr>
+        <p:grpSpPr>
+          <a:xfrm>
+            <a:off x="3610253" y="561616"/>
+            <a:ext cx="4033540" cy="1843256"/>
+            <a:chOff x="3107864" y="543328"/>
+            <a:chExt cx="4033540" cy="1843256"/>
+          </a:xfrm>
+        </p:grpSpPr>
+        <p:sp>
+          <p:nvSpPr>
+            <p:cNvPr id="8" name="TextBox 7"/>
+            <p:cNvSpPr txBox="1"/>
+            <p:nvPr/>
+          </p:nvSpPr>
+          <p:spPr>
+            <a:xfrm>
+              <a:off x="3107864" y="543328"/>
+              <a:ext cx="4033540" cy="1200329"/>
+            </a:xfrm>
+            <a:prstGeom prst="rect">
+              <a:avLst/>
+            </a:prstGeom>
+            <a:noFill/>
+          </p:spPr>
+          <p:txBody>
+            <a:bodyPr wrap="none" rtlCol="0">
+              <a:spAutoFit/>
+            </a:bodyPr>
+            <a:lstStyle/>
+            <a:p>
+              <a:r>
+                <a:rPr lang="en-GB" smtClean="0"/>
+                <a:t>The AI systems are build with a selection </a:t>
+              </a:r>
+            </a:p>
+            <a:p>
+              <a:r>
+                <a:rPr lang="en-GB" smtClean="0"/>
+                <a:t>of information technology tools like</a:t>
+              </a:r>
+            </a:p>
+            <a:p>
+              <a:r>
+                <a:rPr lang="en-GB" smtClean="0"/>
+                <a:t>algorithms, rules engines and code using </a:t>
+              </a:r>
+            </a:p>
+            <a:p>
+              <a:r>
+                <a:rPr lang="en-GB" smtClean="0"/>
+                <a:t>IT development processes.</a:t>
+              </a:r>
+              <a:endParaRPr lang="da-DK"/>
+            </a:p>
+          </p:txBody>
+        </p:sp>
+        <p:cxnSp>
+          <p:nvCxnSpPr>
+            <p:cNvPr id="9" name="Straight Arrow Connector 8"/>
+            <p:cNvCxnSpPr/>
+            <p:nvPr/>
+          </p:nvCxnSpPr>
+          <p:spPr>
+            <a:xfrm>
+              <a:off x="4161051" y="1737360"/>
+              <a:ext cx="539496" cy="649224"/>
+            </a:xfrm>
+            <a:prstGeom prst="straightConnector1">
+              <a:avLst/>
+            </a:prstGeom>
+            <a:ln w="28575">
+              <a:solidFill>
+                <a:schemeClr val="tx1"/>
+              </a:solidFill>
+              <a:tailEnd type="triangle"/>
+            </a:ln>
+          </p:spPr>
+          <p:style>
+            <a:lnRef idx="1">
+              <a:schemeClr val="accent1"/>
+            </a:lnRef>
+            <a:fillRef idx="0">
+              <a:schemeClr val="accent1"/>
+            </a:fillRef>
+            <a:effectRef idx="0">
+              <a:schemeClr val="accent1"/>
+            </a:effectRef>
+            <a:fontRef idx="minor">
+              <a:schemeClr val="tx1"/>
+            </a:fontRef>
+          </p:style>
+        </p:cxnSp>
+      </p:grpSp>
+      <p:grpSp>
+        <p:nvGrpSpPr>
+          <p:cNvPr id="10" name="Group 9"/>
+          <p:cNvGrpSpPr/>
+          <p:nvPr/>
+        </p:nvGrpSpPr>
+        <p:grpSpPr>
+          <a:xfrm>
+            <a:off x="4861577" y="2388345"/>
+            <a:ext cx="3036649" cy="1241570"/>
+            <a:chOff x="5313107" y="1342229"/>
+            <a:chExt cx="3036649" cy="1241570"/>
+          </a:xfrm>
+        </p:grpSpPr>
+        <p:sp>
+          <p:nvSpPr>
+            <p:cNvPr id="11" name="Right Arrow Callout 10"/>
+            <p:cNvSpPr/>
+            <p:nvPr/>
+          </p:nvSpPr>
+          <p:spPr>
+            <a:xfrm>
+              <a:off x="6961733" y="1421744"/>
+              <a:ext cx="1388023" cy="1153490"/>
+            </a:xfrm>
+            <a:prstGeom prst="rightArrowCallout">
+              <a:avLst/>
+            </a:prstGeom>
+            <a:solidFill>
+              <a:schemeClr val="bg1"/>
+            </a:solidFill>
+            <a:ln>
+              <a:solidFill>
+                <a:schemeClr val="tx1"/>
+              </a:solidFill>
+            </a:ln>
+          </p:spPr>
+          <p:style>
+            <a:lnRef idx="2">
+              <a:schemeClr val="accent1">
+                <a:shade val="50000"/>
+              </a:schemeClr>
+            </a:lnRef>
+            <a:fillRef idx="1">
+              <a:schemeClr val="accent1"/>
+            </a:fillRef>
+            <a:effectRef idx="0">
+              <a:schemeClr val="accent1"/>
+            </a:effectRef>
+            <a:fontRef idx="minor">
+              <a:schemeClr val="lt1"/>
+            </a:fontRef>
+          </p:style>
+          <p:txBody>
+            <a:bodyPr rtlCol="0" anchor="ctr"/>
+            <a:lstStyle/>
+            <a:p>
+              <a:pPr algn="ctr"/>
+              <a:r>
+                <a:rPr lang="en-GB" sz="1600" b="1" smtClean="0">
+                  <a:solidFill>
+                    <a:schemeClr val="tx1"/>
+                  </a:solidFill>
+                </a:rPr>
+                <a:t>Rules </a:t>
+              </a:r>
+            </a:p>
+            <a:p>
+              <a:pPr algn="ctr"/>
+              <a:r>
+                <a:rPr lang="en-GB" sz="1600" b="1" smtClean="0">
+                  <a:solidFill>
+                    <a:schemeClr val="tx1"/>
+                  </a:solidFill>
+                </a:rPr>
+                <a:t>Engine</a:t>
+              </a:r>
+              <a:endParaRPr lang="da-DK" sz="1600" b="1">
+                <a:solidFill>
+                  <a:schemeClr val="tx1"/>
+                </a:solidFill>
+              </a:endParaRPr>
+            </a:p>
+          </p:txBody>
+        </p:sp>
+        <p:grpSp>
+          <p:nvGrpSpPr>
+            <p:cNvPr id="12" name="Group 11"/>
+            <p:cNvGrpSpPr/>
+            <p:nvPr/>
+          </p:nvGrpSpPr>
+          <p:grpSpPr>
+            <a:xfrm>
+              <a:off x="5313107" y="1342229"/>
+              <a:ext cx="1786856" cy="1241570"/>
+              <a:chOff x="4882393" y="2902591"/>
+              <a:chExt cx="1786856" cy="1241570"/>
+            </a:xfrm>
+          </p:grpSpPr>
+          <p:sp>
+            <p:nvSpPr>
+              <p:cNvPr id="13" name="Oval 12"/>
+              <p:cNvSpPr/>
+              <p:nvPr/>
+            </p:nvSpPr>
+            <p:spPr>
+              <a:xfrm>
+                <a:off x="5134063" y="2902591"/>
+                <a:ext cx="1283516" cy="1241570"/>
+              </a:xfrm>
+              <a:prstGeom prst="ellipse">
+                <a:avLst/>
+              </a:prstGeom>
+              <a:solidFill>
+                <a:schemeClr val="tx1"/>
+              </a:solidFill>
+            </p:spPr>
+            <p:style>
+              <a:lnRef idx="2">
+                <a:schemeClr val="accent1">
+                  <a:shade val="50000"/>
+                </a:schemeClr>
+              </a:lnRef>
+              <a:fillRef idx="1">
+                <a:schemeClr val="accent1"/>
+              </a:fillRef>
+              <a:effectRef idx="0">
+                <a:schemeClr val="accent1"/>
+              </a:effectRef>
+              <a:fontRef idx="minor">
+                <a:schemeClr val="lt1"/>
+              </a:fontRef>
+            </p:style>
+            <p:txBody>
+              <a:bodyPr rtlCol="0" anchor="ctr"/>
+              <a:lstStyle/>
+              <a:p>
+                <a:pPr algn="ctr"/>
+                <a:r>
+                  <a:rPr lang="en-GB" smtClean="0"/>
+                  <a:t>Algo-rithm</a:t>
+                </a:r>
+                <a:endParaRPr lang="da-DK"/>
+              </a:p>
+            </p:txBody>
+          </p:sp>
+          <p:sp>
+            <p:nvSpPr>
+              <p:cNvPr id="14" name="Oval 13"/>
+              <p:cNvSpPr/>
+              <p:nvPr/>
+            </p:nvSpPr>
+            <p:spPr>
+              <a:xfrm>
+                <a:off x="4882393" y="3347207"/>
+                <a:ext cx="358629" cy="352338"/>
+              </a:xfrm>
+              <a:prstGeom prst="ellipse">
+                <a:avLst/>
+              </a:prstGeom>
+              <a:solidFill>
+                <a:srgbClr val="92D050"/>
+              </a:solidFill>
+              <a:ln>
+                <a:solidFill>
+                  <a:srgbClr val="92D050"/>
+                </a:solidFill>
+              </a:ln>
+            </p:spPr>
+            <p:style>
+              <a:lnRef idx="2">
+                <a:schemeClr val="accent1">
+                  <a:shade val="50000"/>
+                </a:schemeClr>
+              </a:lnRef>
+              <a:fillRef idx="1">
+                <a:schemeClr val="accent1"/>
+              </a:fillRef>
+              <a:effectRef idx="0">
+                <a:schemeClr val="accent1"/>
+              </a:effectRef>
+              <a:fontRef idx="minor">
+                <a:schemeClr val="lt1"/>
+              </a:fontRef>
+            </p:style>
+            <p:txBody>
+              <a:bodyPr rtlCol="0" anchor="ctr"/>
+              <a:lstStyle/>
+              <a:p>
+                <a:pPr algn="ctr"/>
+                <a:endParaRPr lang="da-DK"/>
+              </a:p>
+            </p:txBody>
+          </p:sp>
+          <p:sp>
+            <p:nvSpPr>
+              <p:cNvPr id="15" name="Oval 14"/>
+              <p:cNvSpPr/>
+              <p:nvPr/>
+            </p:nvSpPr>
+            <p:spPr>
+              <a:xfrm>
+                <a:off x="6310620" y="3347207"/>
+                <a:ext cx="358629" cy="352338"/>
+              </a:xfrm>
+              <a:prstGeom prst="ellipse">
+                <a:avLst/>
+              </a:prstGeom>
+              <a:solidFill>
+                <a:srgbClr val="00B0F0"/>
+              </a:solidFill>
+              <a:ln>
+                <a:solidFill>
+                  <a:srgbClr val="00B0F0"/>
+                </a:solidFill>
+              </a:ln>
+            </p:spPr>
+            <p:style>
+              <a:lnRef idx="2">
+                <a:schemeClr val="accent1">
+                  <a:shade val="50000"/>
+                </a:schemeClr>
+              </a:lnRef>
+              <a:fillRef idx="1">
+                <a:schemeClr val="accent1"/>
+              </a:fillRef>
+              <a:effectRef idx="0">
+                <a:schemeClr val="accent1"/>
+              </a:effectRef>
+              <a:fontRef idx="minor">
+                <a:schemeClr val="lt1"/>
+              </a:fontRef>
+            </p:style>
+            <p:txBody>
+              <a:bodyPr rtlCol="0" anchor="ctr"/>
+              <a:lstStyle/>
+              <a:p>
+                <a:pPr algn="ctr"/>
+                <a:endParaRPr lang="da-DK"/>
+              </a:p>
+            </p:txBody>
+          </p:sp>
+        </p:grpSp>
+      </p:grpSp>
+    </p:spTree>
+    <p:extLst>
+      <p:ext uri="{BB962C8B-B14F-4D97-AF65-F5344CB8AC3E}">
+        <p14:creationId xmlns:p14="http://schemas.microsoft.com/office/powerpoint/2010/main" val="3482189380"/>
+      </p:ext>
+    </p:extLst>
+  </p:cSld>
+  <p:clrMapOvr>
+    <a:masterClrMapping/>
+  </p:clrMapOvr>
+  <p:timing>
+    <p:tnLst>
+      <p:par>
+        <p:cTn id="1" dur="indefinite" restart="never" nodeType="tmRoot">
+          <p:childTnLst>
+            <p:seq concurrent="1" nextAc="seek">
+              <p:cTn id="2" dur="indefinite" nodeType="mainSeq">
+                <p:childTnLst>
+                  <p:par>
+                    <p:cTn id="3" fill="hold">
+                      <p:stCondLst>
+                        <p:cond delay="indefinite"/>
+                      </p:stCondLst>
+                      <p:childTnLst>
+                        <p:par>
+                          <p:cTn id="4" fill="hold">
+                            <p:stCondLst>
+                              <p:cond delay="0"/>
+                            </p:stCondLst>
+                            <p:childTnLst>
+                              <p:par>
+                                <p:cTn id="5" presetID="1" presetClass="entr" presetSubtype="0" fill="hold" nodeType="clickEffect">
+                                  <p:stCondLst>
+                                    <p:cond delay="0"/>
+                                  </p:stCondLst>
+                                  <p:childTnLst>
+                                    <p:set>
+                                      <p:cBhvr>
+                                        <p:cTn id="6" dur="1" fill="hold">
+                                          <p:stCondLst>
+                                            <p:cond delay="0"/>
+                                          </p:stCondLst>
+                                        </p:cTn>
+                                        <p:tgtEl>
+                                          <p:spTgt spid="10"/>
+                                        </p:tgtEl>
+                                        <p:attrNameLst>
+                                          <p:attrName>style.visibility</p:attrName>
+                                        </p:attrNameLst>
+                                      </p:cBhvr>
+                                      <p:to>
+                                        <p:strVal val="visible"/>
+                                      </p:to>
+                                    </p:set>
+                                  </p:childTnLst>
+                                </p:cTn>
+                              </p:par>
+                            </p:childTnLst>
+                          </p:cTn>
+                        </p:par>
+                        <p:par>
+                          <p:cTn id="7" fill="hold">
+                            <p:stCondLst>
+                              <p:cond delay="0"/>
+                            </p:stCondLst>
+                            <p:childTnLst>
+                              <p:par>
+                                <p:cTn id="8" presetID="1" presetClass="entr" presetSubtype="0" fill="hold" nodeType="afterEffect">
+                                  <p:stCondLst>
+                                    <p:cond delay="0"/>
+                                  </p:stCondLst>
+                                  <p:childTnLst>
+                                    <p:set>
+                                      <p:cBhvr>
+                                        <p:cTn id="9" dur="1" fill="hold">
+                                          <p:stCondLst>
+                                            <p:cond delay="0"/>
+                                          </p:stCondLst>
+                                        </p:cTn>
+                                        <p:tgtEl>
+                                          <p:spTgt spid="7"/>
+                                        </p:tgtEl>
+                                        <p:attrNameLst>
+                                          <p:attrName>style.visibility</p:attrName>
+                                        </p:attrNameLst>
+                                      </p:cBhvr>
+                                      <p:to>
+                                        <p:strVal val="visible"/>
+                                      </p:to>
+                                    </p:set>
+                                  </p:childTnLst>
+                                </p:cTn>
+                              </p:par>
+                            </p:childTnLst>
+                          </p:cTn>
+                        </p:par>
+                      </p:childTnLst>
+                    </p:cTn>
+                  </p:par>
+                </p:childTnLst>
+              </p:cTn>
+              <p:prevCondLst>
+                <p:cond evt="onPrev" delay="0">
+                  <p:tgtEl>
+                    <p:sldTgt/>
+                  </p:tgtEl>
+                </p:cond>
+              </p:prevCondLst>
+              <p:nextCondLst>
+                <p:cond evt="onNext" delay="0">
+                  <p:tgtEl>
+                    <p:sldTgt/>
+                  </p:tgtEl>
+                </p:cond>
+              </p:nextCondLst>
+            </p:seq>
+          </p:childTnLst>
+        </p:cTn>
+      </p:par>
+    </p:tnLst>
+  </p:timing>
+</p:sld>
+</file>
+
+<file path=ppt/slides/slide5.xml><?xml version="1.0" encoding="utf-8"?>
+<p:sld xmlns:a="http://schemas.openxmlformats.org/drawingml/2006/main" xmlns:r="http://schemas.openxmlformats.org/officeDocument/2006/relationships" xmlns:p="http://schemas.openxmlformats.org/presentationml/2006/main">
+  <p:cSld>
+    <p:spTree>
+      <p:nvGrpSpPr>
+        <p:cNvPr id="1" name=""/>
+        <p:cNvGrpSpPr/>
+        <p:nvPr/>
+      </p:nvGrpSpPr>
+      <p:grpSpPr>
+        <a:xfrm>
+          <a:off x="0" y="0"/>
+          <a:ext cx="0" cy="0"/>
+          <a:chOff x="0" y="0"/>
+          <a:chExt cx="0" cy="0"/>
+        </a:xfrm>
+      </p:grpSpPr>
+      <p:pic>
+        <p:nvPicPr>
+          <p:cNvPr id="2" name="Picture 1"/>
+          <p:cNvPicPr>
+            <a:picLocks noChangeAspect="1"/>
+          </p:cNvPicPr>
+          <p:nvPr/>
+        </p:nvPicPr>
+        <p:blipFill>
+          <a:blip r:embed="rId2" cstate="print">
+            <a:extLst>
+              <a:ext uri="{28A0092B-C50C-407E-A947-70E740481C1C}">
+                <a14:useLocalDpi xmlns:a14="http://schemas.microsoft.com/office/drawing/2010/main" val="0"/>
+              </a:ext>
+            </a:extLst>
+          </a:blip>
+          <a:stretch>
+            <a:fillRect/>
+          </a:stretch>
+        </p:blipFill>
+        <p:spPr>
+          <a:xfrm>
+            <a:off x="842772" y="594360"/>
+            <a:ext cx="1232916" cy="821944"/>
+          </a:xfrm>
+          <a:prstGeom prst="rect">
+            <a:avLst/>
+          </a:prstGeom>
+        </p:spPr>
+      </p:pic>
+      <p:grpSp>
+        <p:nvGrpSpPr>
+          <p:cNvPr id="3" name="Group 2"/>
+          <p:cNvGrpSpPr/>
+          <p:nvPr/>
+        </p:nvGrpSpPr>
+        <p:grpSpPr>
+          <a:xfrm>
+            <a:off x="4861577" y="2388345"/>
+            <a:ext cx="3036649" cy="1241570"/>
+            <a:chOff x="5313107" y="1342229"/>
+            <a:chExt cx="3036649" cy="1241570"/>
+          </a:xfrm>
+        </p:grpSpPr>
+        <p:sp>
+          <p:nvSpPr>
+            <p:cNvPr id="4" name="Right Arrow Callout 3"/>
+            <p:cNvSpPr/>
+            <p:nvPr/>
+          </p:nvSpPr>
+          <p:spPr>
+            <a:xfrm>
+              <a:off x="6961733" y="1421744"/>
+              <a:ext cx="1388023" cy="1153490"/>
+            </a:xfrm>
+            <a:prstGeom prst="rightArrowCallout">
+              <a:avLst/>
+            </a:prstGeom>
+            <a:solidFill>
+              <a:schemeClr val="bg1"/>
+            </a:solidFill>
+            <a:ln>
+              <a:solidFill>
+                <a:schemeClr val="tx1"/>
+              </a:solidFill>
+            </a:ln>
+          </p:spPr>
+          <p:style>
+            <a:lnRef idx="2">
+              <a:schemeClr val="accent1">
+                <a:shade val="50000"/>
+              </a:schemeClr>
+            </a:lnRef>
+            <a:fillRef idx="1">
+              <a:schemeClr val="accent1"/>
+            </a:fillRef>
+            <a:effectRef idx="0">
+              <a:schemeClr val="accent1"/>
+            </a:effectRef>
+            <a:fontRef idx="minor">
+              <a:schemeClr val="lt1"/>
+            </a:fontRef>
+          </p:style>
+          <p:txBody>
+            <a:bodyPr rtlCol="0" anchor="ctr"/>
+            <a:lstStyle/>
+            <a:p>
+              <a:pPr algn="ctr"/>
+              <a:r>
+                <a:rPr lang="en-GB" sz="1600" b="1" smtClean="0">
+                  <a:solidFill>
+                    <a:schemeClr val="tx1"/>
+                  </a:solidFill>
+                </a:rPr>
+                <a:t>Rules </a:t>
+              </a:r>
+            </a:p>
+            <a:p>
+              <a:pPr algn="ctr"/>
+              <a:r>
+                <a:rPr lang="en-GB" sz="1600" b="1" smtClean="0">
+                  <a:solidFill>
+                    <a:schemeClr val="tx1"/>
+                  </a:solidFill>
+                </a:rPr>
+                <a:t>Engine</a:t>
+              </a:r>
+              <a:endParaRPr lang="da-DK" sz="1600" b="1">
+                <a:solidFill>
+                  <a:schemeClr val="tx1"/>
+                </a:solidFill>
+              </a:endParaRPr>
+            </a:p>
+          </p:txBody>
+        </p:sp>
+        <p:grpSp>
+          <p:nvGrpSpPr>
+            <p:cNvPr id="5" name="Group 4"/>
+            <p:cNvGrpSpPr/>
+            <p:nvPr/>
+          </p:nvGrpSpPr>
+          <p:grpSpPr>
+            <a:xfrm>
+              <a:off x="5313107" y="1342229"/>
+              <a:ext cx="1786856" cy="1241570"/>
+              <a:chOff x="4882393" y="2902591"/>
+              <a:chExt cx="1786856" cy="1241570"/>
+            </a:xfrm>
+          </p:grpSpPr>
+          <p:sp>
+            <p:nvSpPr>
+              <p:cNvPr id="6" name="Oval 5"/>
+              <p:cNvSpPr/>
+              <p:nvPr/>
+            </p:nvSpPr>
+            <p:spPr>
+              <a:xfrm>
+                <a:off x="5134063" y="2902591"/>
+                <a:ext cx="1283516" cy="1241570"/>
+              </a:xfrm>
+              <a:prstGeom prst="ellipse">
+                <a:avLst/>
+              </a:prstGeom>
+              <a:solidFill>
+                <a:schemeClr val="tx1"/>
+              </a:solidFill>
+            </p:spPr>
+            <p:style>
+              <a:lnRef idx="2">
+                <a:schemeClr val="accent1">
+                  <a:shade val="50000"/>
+                </a:schemeClr>
+              </a:lnRef>
+              <a:fillRef idx="1">
+                <a:schemeClr val="accent1"/>
+              </a:fillRef>
+              <a:effectRef idx="0">
+                <a:schemeClr val="accent1"/>
+              </a:effectRef>
+              <a:fontRef idx="minor">
+                <a:schemeClr val="lt1"/>
+              </a:fontRef>
+            </p:style>
+            <p:txBody>
+              <a:bodyPr rtlCol="0" anchor="ctr"/>
+              <a:lstStyle/>
+              <a:p>
+                <a:pPr algn="ctr"/>
+                <a:r>
+                  <a:rPr lang="en-GB" smtClean="0"/>
+                  <a:t>Algo-rithm</a:t>
+                </a:r>
+                <a:endParaRPr lang="da-DK"/>
+              </a:p>
+            </p:txBody>
+          </p:sp>
+          <p:sp>
+            <p:nvSpPr>
+              <p:cNvPr id="7" name="Oval 6"/>
+              <p:cNvSpPr/>
+              <p:nvPr/>
+            </p:nvSpPr>
+            <p:spPr>
+              <a:xfrm>
+                <a:off x="4882393" y="3347207"/>
+                <a:ext cx="358629" cy="352338"/>
+              </a:xfrm>
+              <a:prstGeom prst="ellipse">
+                <a:avLst/>
+              </a:prstGeom>
+              <a:solidFill>
+                <a:srgbClr val="92D050"/>
+              </a:solidFill>
+              <a:ln>
+                <a:solidFill>
+                  <a:srgbClr val="92D050"/>
+                </a:solidFill>
+              </a:ln>
+            </p:spPr>
+            <p:style>
+              <a:lnRef idx="2">
+                <a:schemeClr val="accent1">
+                  <a:shade val="50000"/>
+                </a:schemeClr>
+              </a:lnRef>
+              <a:fillRef idx="1">
+                <a:schemeClr val="accent1"/>
+              </a:fillRef>
+              <a:effectRef idx="0">
+                <a:schemeClr val="accent1"/>
+              </a:effectRef>
+              <a:fontRef idx="minor">
+                <a:schemeClr val="lt1"/>
+              </a:fontRef>
+            </p:style>
+            <p:txBody>
+              <a:bodyPr rtlCol="0" anchor="ctr"/>
+              <a:lstStyle/>
+              <a:p>
+                <a:pPr algn="ctr"/>
+                <a:endParaRPr lang="da-DK"/>
+              </a:p>
+            </p:txBody>
+          </p:sp>
+          <p:sp>
+            <p:nvSpPr>
+              <p:cNvPr id="8" name="Oval 7"/>
+              <p:cNvSpPr/>
+              <p:nvPr/>
+            </p:nvSpPr>
+            <p:spPr>
+              <a:xfrm>
+                <a:off x="6310620" y="3347207"/>
+                <a:ext cx="358629" cy="352338"/>
+              </a:xfrm>
+              <a:prstGeom prst="ellipse">
+                <a:avLst/>
+              </a:prstGeom>
+              <a:solidFill>
+                <a:srgbClr val="00B0F0"/>
+              </a:solidFill>
+              <a:ln>
+                <a:solidFill>
+                  <a:srgbClr val="00B0F0"/>
+                </a:solidFill>
+              </a:ln>
+            </p:spPr>
+            <p:style>
+              <a:lnRef idx="2">
+                <a:schemeClr val="accent1">
+                  <a:shade val="50000"/>
+                </a:schemeClr>
+              </a:lnRef>
+              <a:fillRef idx="1">
+                <a:schemeClr val="accent1"/>
+              </a:fillRef>
+              <a:effectRef idx="0">
+                <a:schemeClr val="accent1"/>
+              </a:effectRef>
+              <a:fontRef idx="minor">
+                <a:schemeClr val="lt1"/>
+              </a:fontRef>
+            </p:style>
+            <p:txBody>
+              <a:bodyPr rtlCol="0" anchor="ctr"/>
+              <a:lstStyle/>
+              <a:p>
+                <a:pPr algn="ctr"/>
+                <a:endParaRPr lang="da-DK"/>
+              </a:p>
+            </p:txBody>
+          </p:sp>
+        </p:grpSp>
+      </p:grpSp>
+      <p:graphicFrame>
+        <p:nvGraphicFramePr>
+          <p:cNvPr id="9" name="Table 8"/>
+          <p:cNvGraphicFramePr>
+            <a:graphicFrameLocks noGrp="1"/>
+          </p:cNvGraphicFramePr>
+          <p:nvPr>
+            <p:extLst>
+              <p:ext uri="{D42A27DB-BD31-4B8C-83A1-F6EECF244321}">
+                <p14:modId xmlns:p14="http://schemas.microsoft.com/office/powerpoint/2010/main" val="866061801"/>
+              </p:ext>
+            </p:extLst>
+          </p:nvPr>
+        </p:nvGraphicFramePr>
+        <p:xfrm>
+          <a:off x="1005177" y="4311020"/>
+          <a:ext cx="2594176" cy="741680"/>
+        </p:xfrm>
+        <a:graphic>
+          <a:graphicData uri="http://schemas.openxmlformats.org/drawingml/2006/table">
+            <a:tbl>
+              <a:tblPr firstRow="1" bandRow="1">
+                <a:tableStyleId>{93296810-A885-4BE3-A3E7-6D5BEEA58F35}</a:tableStyleId>
+              </a:tblPr>
+              <a:tblGrid>
+                <a:gridCol w="648544"/>
+                <a:gridCol w="648544"/>
+                <a:gridCol w="648544"/>
+                <a:gridCol w="648544"/>
+              </a:tblGrid>
+              <a:tr h="370840">
+                <a:tc gridSpan="4">
+                  <a:txBody>
+                    <a:bodyPr/>
+                    <a:lstStyle/>
+                    <a:p>
+                      <a:r>
+                        <a:rPr lang="en-GB" smtClean="0"/>
+                        <a:t>Transaction</a:t>
+                      </a:r>
+                      <a:endParaRPr lang="da-DK"/>
+                    </a:p>
+                  </a:txBody>
+                  <a:tcPr/>
+                </a:tc>
+                <a:tc hMerge="1">
+                  <a:txBody>
+                    <a:bodyPr/>
+                    <a:lstStyle/>
+                    <a:p>
+                      <a:endParaRPr lang="da-DK"/>
+                    </a:p>
+                  </a:txBody>
+                  <a:tcPr/>
+                </a:tc>
+                <a:tc hMerge="1">
+                  <a:txBody>
+                    <a:bodyPr/>
+                    <a:lstStyle/>
+                    <a:p>
+                      <a:endParaRPr lang="da-DK"/>
+                    </a:p>
+                  </a:txBody>
+                  <a:tcPr/>
+                </a:tc>
+                <a:tc hMerge="1">
+                  <a:txBody>
+                    <a:bodyPr/>
+                    <a:lstStyle/>
+                    <a:p>
+                      <a:endParaRPr lang="da-DK"/>
+                    </a:p>
+                  </a:txBody>
+                  <a:tcPr/>
+                </a:tc>
+              </a:tr>
+              <a:tr h="370840">
+                <a:tc>
+                  <a:txBody>
+                    <a:bodyPr/>
+                    <a:lstStyle/>
+                    <a:p>
+                      <a:r>
+                        <a:rPr lang="en-GB" smtClean="0"/>
+                        <a:t>D</a:t>
+                      </a:r>
+                      <a:endParaRPr lang="da-DK"/>
+                    </a:p>
+                  </a:txBody>
+                  <a:tcPr/>
+                </a:tc>
+                <a:tc>
+                  <a:txBody>
+                    <a:bodyPr/>
+                    <a:lstStyle/>
+                    <a:p>
+                      <a:r>
+                        <a:rPr lang="en-GB" smtClean="0"/>
+                        <a:t>A</a:t>
+                      </a:r>
+                      <a:endParaRPr lang="da-DK"/>
+                    </a:p>
+                  </a:txBody>
+                  <a:tcPr/>
+                </a:tc>
+                <a:tc>
+                  <a:txBody>
+                    <a:bodyPr/>
+                    <a:lstStyle/>
+                    <a:p>
+                      <a:r>
+                        <a:rPr lang="en-GB" smtClean="0"/>
+                        <a:t>T</a:t>
+                      </a:r>
+                      <a:endParaRPr lang="da-DK"/>
+                    </a:p>
+                  </a:txBody>
+                  <a:tcPr/>
+                </a:tc>
+                <a:tc>
+                  <a:txBody>
+                    <a:bodyPr/>
+                    <a:lstStyle/>
+                    <a:p>
+                      <a:r>
+                        <a:rPr lang="en-GB" smtClean="0"/>
+                        <a:t>A</a:t>
+                      </a:r>
+                      <a:endParaRPr lang="da-DK"/>
+                    </a:p>
+                  </a:txBody>
+                  <a:tcPr/>
+                </a:tc>
+              </a:tr>
+            </a:tbl>
+          </a:graphicData>
+        </a:graphic>
+      </p:graphicFrame>
+      <p:grpSp>
+        <p:nvGrpSpPr>
+          <p:cNvPr id="10" name="Group 9"/>
+          <p:cNvGrpSpPr/>
+          <p:nvPr/>
+        </p:nvGrpSpPr>
+        <p:grpSpPr>
+          <a:xfrm>
+            <a:off x="3611732" y="3355848"/>
+            <a:ext cx="1517668" cy="1099111"/>
+            <a:chOff x="3025787" y="2889757"/>
+            <a:chExt cx="1981339" cy="1328915"/>
+          </a:xfrm>
+        </p:grpSpPr>
+        <p:sp>
+          <p:nvSpPr>
+            <p:cNvPr id="11" name="TextBox 10"/>
+            <p:cNvSpPr txBox="1"/>
+            <p:nvPr/>
+          </p:nvSpPr>
+          <p:spPr>
+            <a:xfrm>
+              <a:off x="3025787" y="3572342"/>
+              <a:ext cx="1981339" cy="646330"/>
+            </a:xfrm>
+            <a:prstGeom prst="rect">
+              <a:avLst/>
+            </a:prstGeom>
+            <a:noFill/>
+          </p:spPr>
+          <p:txBody>
+            <a:bodyPr wrap="square" rtlCol="0">
+              <a:spAutoFit/>
+            </a:bodyPr>
+            <a:lstStyle/>
+            <a:p>
+              <a:r>
+                <a:rPr lang="en-GB" smtClean="0"/>
+                <a:t>Parsing</a:t>
+              </a:r>
+            </a:p>
+            <a:p>
+              <a:r>
+                <a:rPr lang="en-GB" smtClean="0"/>
+                <a:t>transactional data</a:t>
+              </a:r>
+              <a:endParaRPr lang="da-DK"/>
+            </a:p>
+          </p:txBody>
+        </p:sp>
+        <p:cxnSp>
+          <p:nvCxnSpPr>
+            <p:cNvPr id="12" name="Straight Arrow Connector 11"/>
+            <p:cNvCxnSpPr/>
+            <p:nvPr/>
+          </p:nvCxnSpPr>
+          <p:spPr>
+            <a:xfrm flipV="1">
+              <a:off x="3646737" y="2889757"/>
+              <a:ext cx="1169888" cy="696518"/>
+            </a:xfrm>
+            <a:prstGeom prst="straightConnector1">
+              <a:avLst/>
+            </a:prstGeom>
+            <a:ln w="28575">
+              <a:solidFill>
+                <a:schemeClr val="tx1"/>
+              </a:solidFill>
+              <a:tailEnd type="triangle"/>
+            </a:ln>
+          </p:spPr>
+          <p:style>
+            <a:lnRef idx="1">
+              <a:schemeClr val="accent1"/>
+            </a:lnRef>
+            <a:fillRef idx="0">
+              <a:schemeClr val="accent1"/>
+            </a:fillRef>
+            <a:effectRef idx="0">
+              <a:schemeClr val="accent1"/>
+            </a:effectRef>
+            <a:fontRef idx="minor">
+              <a:schemeClr val="tx1"/>
+            </a:fontRef>
+          </p:style>
+        </p:cxnSp>
+      </p:grpSp>
+    </p:spTree>
+    <p:extLst>
+      <p:ext uri="{BB962C8B-B14F-4D97-AF65-F5344CB8AC3E}">
+        <p14:creationId xmlns:p14="http://schemas.microsoft.com/office/powerpoint/2010/main" val="166879836"/>
+      </p:ext>
+    </p:extLst>
+  </p:cSld>
+  <p:clrMapOvr>
+    <a:masterClrMapping/>
+  </p:clrMapOvr>
+  <p:timing>
+    <p:tnLst>
+      <p:par>
+        <p:cTn id="1" dur="indefinite" restart="never" nodeType="tmRoot">
+          <p:childTnLst>
+            <p:seq concurrent="1" nextAc="seek">
+              <p:cTn id="2" dur="indefinite" nodeType="mainSeq">
+                <p:childTnLst>
+                  <p:par>
+                    <p:cTn id="3" fill="hold">
+                      <p:stCondLst>
+                        <p:cond delay="indefinite"/>
+                      </p:stCondLst>
+                      <p:childTnLst>
+                        <p:par>
+                          <p:cTn id="4" fill="hold">
+                            <p:stCondLst>
+                              <p:cond delay="0"/>
+                            </p:stCondLst>
+                            <p:childTnLst>
+                              <p:par>
+                                <p:cTn id="5" presetID="1" presetClass="entr" presetSubtype="0" fill="hold" nodeType="clickEffect">
+                                  <p:stCondLst>
+                                    <p:cond delay="0"/>
+                                  </p:stCondLst>
+                                  <p:childTnLst>
+                                    <p:set>
+                                      <p:cBhvr>
+                                        <p:cTn id="6" dur="1" fill="hold">
+                                          <p:stCondLst>
+                                            <p:cond delay="0"/>
+                                          </p:stCondLst>
+                                        </p:cTn>
+                                        <p:tgtEl>
+                                          <p:spTgt spid="3"/>
+                                        </p:tgtEl>
+                                        <p:attrNameLst>
+                                          <p:attrName>style.visibility</p:attrName>
+                                        </p:attrNameLst>
+                                      </p:cBhvr>
+                                      <p:to>
+                                        <p:strVal val="visible"/>
+                                      </p:to>
+                                    </p:set>
+                                  </p:childTnLst>
+                                </p:cTn>
+                              </p:par>
+                            </p:childTnLst>
+                          </p:cTn>
+                        </p:par>
+                      </p:childTnLst>
+                    </p:cTn>
+                  </p:par>
+                  <p:par>
+                    <p:cTn id="7" fill="hold">
+                      <p:stCondLst>
+                        <p:cond delay="indefinite"/>
+                      </p:stCondLst>
+                      <p:childTnLst>
+                        <p:par>
+                          <p:cTn id="8" fill="hold">
+                            <p:stCondLst>
+                              <p:cond delay="0"/>
+                            </p:stCondLst>
+                            <p:childTnLst>
+                              <p:par>
+                                <p:cTn id="9" presetID="1" presetClass="entr" presetSubtype="0" fill="hold" nodeType="clickEffect">
+                                  <p:stCondLst>
+                                    <p:cond delay="0"/>
+                                  </p:stCondLst>
+                                  <p:childTnLst>
+                                    <p:set>
+                                      <p:cBhvr>
+                                        <p:cTn id="10" dur="1" fill="hold">
+                                          <p:stCondLst>
+                                            <p:cond delay="0"/>
+                                          </p:stCondLst>
+                                        </p:cTn>
+                                        <p:tgtEl>
+                                          <p:spTgt spid="10"/>
+                                        </p:tgtEl>
+                                        <p:attrNameLst>
+                                          <p:attrName>style.visibility</p:attrName>
+                                        </p:attrNameLst>
+                                      </p:cBhvr>
+                                      <p:to>
+                                        <p:strVal val="visible"/>
+                                      </p:to>
+                                    </p:set>
+                                  </p:childTnLst>
+                                </p:cTn>
+                              </p:par>
+                            </p:childTnLst>
+                          </p:cTn>
+                        </p:par>
+                        <p:par>
+                          <p:cTn id="11" fill="hold">
+                            <p:stCondLst>
+                              <p:cond delay="0"/>
+                            </p:stCondLst>
+                            <p:childTnLst>
+                              <p:par>
+                                <p:cTn id="12" presetID="1" presetClass="entr" presetSubtype="0" fill="hold" nodeType="afterEffect">
+                                  <p:stCondLst>
+                                    <p:cond delay="0"/>
+                                  </p:stCondLst>
+                                  <p:childTnLst>
+                                    <p:set>
+                                      <p:cBhvr>
+                                        <p:cTn id="13" dur="1" fill="hold">
+                                          <p:stCondLst>
+                                            <p:cond delay="0"/>
+                                          </p:stCondLst>
+                                        </p:cTn>
+                                        <p:tgtEl>
+                                          <p:spTgt spid="9"/>
+                                        </p:tgtEl>
+                                        <p:attrNameLst>
+                                          <p:attrName>style.visibility</p:attrName>
+                                        </p:attrNameLst>
+                                      </p:cBhvr>
+                                      <p:to>
+                                        <p:strVal val="visible"/>
+                                      </p:to>
+                                    </p:set>
+                                  </p:childTnLst>
+                                </p:cTn>
+                              </p:par>
+                            </p:childTnLst>
+                          </p:cTn>
+                        </p:par>
+                      </p:childTnLst>
+                    </p:cTn>
+                  </p:par>
+                </p:childTnLst>
+              </p:cTn>
+              <p:prevCondLst>
+                <p:cond evt="onPrev" delay="0">
+                  <p:tgtEl>
+                    <p:sldTgt/>
+                  </p:tgtEl>
+                </p:cond>
+              </p:prevCondLst>
+              <p:nextCondLst>
+                <p:cond evt="onNext" delay="0">
+                  <p:tgtEl>
+                    <p:sldTgt/>
+                  </p:tgtEl>
+                </p:cond>
+              </p:nextCondLst>
+            </p:seq>
+          </p:childTnLst>
+        </p:cTn>
+      </p:par>
+    </p:tnLst>
+  </p:timing>
+</p:sld>
+</file>
+
+<file path=ppt/slides/slide6.xml><?xml version="1.0" encoding="utf-8"?>
+<p:sld xmlns:a="http://schemas.openxmlformats.org/drawingml/2006/main" xmlns:r="http://schemas.openxmlformats.org/officeDocument/2006/relationships" xmlns:p="http://schemas.openxmlformats.org/presentationml/2006/main">
+  <p:cSld>
+    <p:spTree>
+      <p:nvGrpSpPr>
+        <p:cNvPr id="1" name=""/>
+        <p:cNvGrpSpPr/>
+        <p:nvPr/>
+      </p:nvGrpSpPr>
+      <p:grpSpPr>
+        <a:xfrm>
+          <a:off x="0" y="0"/>
+          <a:ext cx="0" cy="0"/>
+          <a:chOff x="0" y="0"/>
+          <a:chExt cx="0" cy="0"/>
+        </a:xfrm>
+      </p:grpSpPr>
+      <p:grpSp>
+        <p:nvGrpSpPr>
+          <p:cNvPr id="2" name="Group 1"/>
+          <p:cNvGrpSpPr/>
+          <p:nvPr/>
+        </p:nvGrpSpPr>
+        <p:grpSpPr>
+          <a:xfrm>
+            <a:off x="4861577" y="2388345"/>
+            <a:ext cx="3036649" cy="1241570"/>
+            <a:chOff x="5313107" y="1342229"/>
+            <a:chExt cx="3036649" cy="1241570"/>
+          </a:xfrm>
+        </p:grpSpPr>
+        <p:sp>
+          <p:nvSpPr>
+            <p:cNvPr id="3" name="Right Arrow Callout 2"/>
+            <p:cNvSpPr/>
+            <p:nvPr/>
+          </p:nvSpPr>
+          <p:spPr>
+            <a:xfrm>
+              <a:off x="6961733" y="1421744"/>
+              <a:ext cx="1388023" cy="1153490"/>
+            </a:xfrm>
+            <a:prstGeom prst="rightArrowCallout">
+              <a:avLst/>
+            </a:prstGeom>
+            <a:solidFill>
+              <a:schemeClr val="bg1"/>
+            </a:solidFill>
+            <a:ln>
+              <a:solidFill>
+                <a:schemeClr val="tx1"/>
+              </a:solidFill>
+            </a:ln>
+          </p:spPr>
+          <p:style>
+            <a:lnRef idx="2">
+              <a:schemeClr val="accent1">
+                <a:shade val="50000"/>
+              </a:schemeClr>
+            </a:lnRef>
+            <a:fillRef idx="1">
+              <a:schemeClr val="accent1"/>
+            </a:fillRef>
+            <a:effectRef idx="0">
+              <a:schemeClr val="accent1"/>
+            </a:effectRef>
+            <a:fontRef idx="minor">
+              <a:schemeClr val="lt1"/>
+            </a:fontRef>
+          </p:style>
+          <p:txBody>
+            <a:bodyPr rtlCol="0" anchor="ctr"/>
+            <a:lstStyle/>
+            <a:p>
+              <a:pPr algn="ctr"/>
+              <a:r>
+                <a:rPr lang="en-GB" sz="1600" b="1" smtClean="0">
+                  <a:solidFill>
+                    <a:schemeClr val="tx1"/>
+                  </a:solidFill>
+                </a:rPr>
+                <a:t>Rules </a:t>
+              </a:r>
+            </a:p>
+            <a:p>
+              <a:pPr algn="ctr"/>
+              <a:r>
+                <a:rPr lang="en-GB" sz="1600" b="1" smtClean="0">
+                  <a:solidFill>
+                    <a:schemeClr val="tx1"/>
+                  </a:solidFill>
+                </a:rPr>
+                <a:t>Engine</a:t>
+              </a:r>
+              <a:endParaRPr lang="da-DK" sz="1600" b="1">
+                <a:solidFill>
+                  <a:schemeClr val="tx1"/>
+                </a:solidFill>
+              </a:endParaRPr>
+            </a:p>
+          </p:txBody>
+        </p:sp>
+        <p:grpSp>
+          <p:nvGrpSpPr>
+            <p:cNvPr id="4" name="Group 3"/>
+            <p:cNvGrpSpPr/>
+            <p:nvPr/>
+          </p:nvGrpSpPr>
+          <p:grpSpPr>
+            <a:xfrm>
+              <a:off x="5313107" y="1342229"/>
+              <a:ext cx="1786856" cy="1241570"/>
+              <a:chOff x="4882393" y="2902591"/>
+              <a:chExt cx="1786856" cy="1241570"/>
+            </a:xfrm>
+          </p:grpSpPr>
+          <p:sp>
+            <p:nvSpPr>
+              <p:cNvPr id="5" name="Oval 4"/>
+              <p:cNvSpPr/>
+              <p:nvPr/>
+            </p:nvSpPr>
+            <p:spPr>
+              <a:xfrm>
+                <a:off x="5134063" y="2902591"/>
+                <a:ext cx="1283516" cy="1241570"/>
+              </a:xfrm>
+              <a:prstGeom prst="ellipse">
+                <a:avLst/>
+              </a:prstGeom>
+              <a:solidFill>
+                <a:schemeClr val="tx1"/>
+              </a:solidFill>
+            </p:spPr>
+            <p:style>
+              <a:lnRef idx="2">
+                <a:schemeClr val="accent1">
+                  <a:shade val="50000"/>
+                </a:schemeClr>
+              </a:lnRef>
+              <a:fillRef idx="1">
+                <a:schemeClr val="accent1"/>
+              </a:fillRef>
+              <a:effectRef idx="0">
+                <a:schemeClr val="accent1"/>
+              </a:effectRef>
+              <a:fontRef idx="minor">
+                <a:schemeClr val="lt1"/>
+              </a:fontRef>
+            </p:style>
+            <p:txBody>
+              <a:bodyPr rtlCol="0" anchor="ctr"/>
+              <a:lstStyle/>
+              <a:p>
+                <a:pPr algn="ctr"/>
+                <a:r>
+                  <a:rPr lang="en-GB" smtClean="0"/>
+                  <a:t>Algo-rithm</a:t>
+                </a:r>
+                <a:endParaRPr lang="da-DK"/>
+              </a:p>
+            </p:txBody>
+          </p:sp>
+          <p:sp>
+            <p:nvSpPr>
+              <p:cNvPr id="6" name="Oval 5"/>
+              <p:cNvSpPr/>
+              <p:nvPr/>
+            </p:nvSpPr>
+            <p:spPr>
+              <a:xfrm>
+                <a:off x="4882393" y="3347207"/>
+                <a:ext cx="358629" cy="352338"/>
+              </a:xfrm>
+              <a:prstGeom prst="ellipse">
+                <a:avLst/>
+              </a:prstGeom>
+              <a:solidFill>
+                <a:srgbClr val="92D050"/>
+              </a:solidFill>
+              <a:ln>
+                <a:solidFill>
+                  <a:srgbClr val="92D050"/>
+                </a:solidFill>
+              </a:ln>
+            </p:spPr>
+            <p:style>
+              <a:lnRef idx="2">
+                <a:schemeClr val="accent1">
+                  <a:shade val="50000"/>
+                </a:schemeClr>
+              </a:lnRef>
+              <a:fillRef idx="1">
+                <a:schemeClr val="accent1"/>
+              </a:fillRef>
+              <a:effectRef idx="0">
+                <a:schemeClr val="accent1"/>
+              </a:effectRef>
+              <a:fontRef idx="minor">
+                <a:schemeClr val="lt1"/>
+              </a:fontRef>
+            </p:style>
+            <p:txBody>
+              <a:bodyPr rtlCol="0" anchor="ctr"/>
+              <a:lstStyle/>
+              <a:p>
+                <a:pPr algn="ctr"/>
+                <a:endParaRPr lang="da-DK"/>
+              </a:p>
+            </p:txBody>
+          </p:sp>
+          <p:sp>
+            <p:nvSpPr>
+              <p:cNvPr id="7" name="Oval 6"/>
+              <p:cNvSpPr/>
+              <p:nvPr/>
+            </p:nvSpPr>
+            <p:spPr>
+              <a:xfrm>
+                <a:off x="6310620" y="3347207"/>
+                <a:ext cx="358629" cy="352338"/>
+              </a:xfrm>
+              <a:prstGeom prst="ellipse">
+                <a:avLst/>
+              </a:prstGeom>
+              <a:solidFill>
+                <a:srgbClr val="00B0F0"/>
+              </a:solidFill>
+              <a:ln>
+                <a:solidFill>
+                  <a:srgbClr val="00B0F0"/>
+                </a:solidFill>
+              </a:ln>
+            </p:spPr>
+            <p:style>
+              <a:lnRef idx="2">
+                <a:schemeClr val="accent1">
+                  <a:shade val="50000"/>
+                </a:schemeClr>
+              </a:lnRef>
+              <a:fillRef idx="1">
+                <a:schemeClr val="accent1"/>
+              </a:fillRef>
+              <a:effectRef idx="0">
+                <a:schemeClr val="accent1"/>
+              </a:effectRef>
+              <a:fontRef idx="minor">
+                <a:schemeClr val="lt1"/>
+              </a:fontRef>
+            </p:style>
+            <p:txBody>
+              <a:bodyPr rtlCol="0" anchor="ctr"/>
+              <a:lstStyle/>
+              <a:p>
+                <a:pPr algn="ctr"/>
+                <a:endParaRPr lang="da-DK"/>
+              </a:p>
+            </p:txBody>
+          </p:sp>
+        </p:grpSp>
+      </p:grpSp>
+      <p:grpSp>
+        <p:nvGrpSpPr>
+          <p:cNvPr id="8" name="Group 7"/>
+          <p:cNvGrpSpPr/>
+          <p:nvPr/>
+        </p:nvGrpSpPr>
+        <p:grpSpPr>
+          <a:xfrm>
+            <a:off x="7256849" y="645129"/>
+            <a:ext cx="3132076" cy="1878614"/>
+            <a:chOff x="8104590" y="1426465"/>
+            <a:chExt cx="3132076" cy="1728902"/>
+          </a:xfrm>
+        </p:grpSpPr>
+        <p:sp>
+          <p:nvSpPr>
+            <p:cNvPr id="9" name="TextBox 8"/>
+            <p:cNvSpPr txBox="1"/>
+            <p:nvPr/>
+          </p:nvSpPr>
+          <p:spPr>
+            <a:xfrm>
+              <a:off x="8104590" y="1426465"/>
+              <a:ext cx="3132076" cy="1104671"/>
+            </a:xfrm>
+            <a:prstGeom prst="rect">
+              <a:avLst/>
+            </a:prstGeom>
+            <a:noFill/>
+          </p:spPr>
+          <p:txBody>
+            <a:bodyPr wrap="none" rtlCol="0">
+              <a:spAutoFit/>
+            </a:bodyPr>
+            <a:lstStyle/>
+            <a:p>
+              <a:r>
+                <a:rPr lang="en-GB" smtClean="0"/>
+                <a:t>Business </a:t>
+              </a:r>
+              <a:r>
+                <a:rPr lang="en-GB" smtClean="0"/>
+                <a:t>objectives determine</a:t>
+              </a:r>
+            </a:p>
+            <a:p>
+              <a:r>
+                <a:rPr lang="en-GB" smtClean="0"/>
+                <a:t>what decisions should be made</a:t>
+              </a:r>
+            </a:p>
+            <a:p>
+              <a:r>
+                <a:rPr lang="en-GB" smtClean="0"/>
+                <a:t>and what actions should be </a:t>
+              </a:r>
+            </a:p>
+            <a:p>
+              <a:r>
+                <a:rPr lang="en-GB" smtClean="0"/>
+                <a:t>performed.</a:t>
+              </a:r>
+              <a:endParaRPr lang="da-DK"/>
+            </a:p>
+          </p:txBody>
+        </p:sp>
+        <p:cxnSp>
+          <p:nvCxnSpPr>
+            <p:cNvPr id="10" name="Straight Arrow Connector 9"/>
+            <p:cNvCxnSpPr/>
+            <p:nvPr/>
+          </p:nvCxnSpPr>
+          <p:spPr>
+            <a:xfrm>
+              <a:off x="8720725" y="2566298"/>
+              <a:ext cx="475521" cy="589069"/>
+            </a:xfrm>
+            <a:prstGeom prst="straightConnector1">
+              <a:avLst/>
+            </a:prstGeom>
+            <a:ln w="28575">
+              <a:solidFill>
+                <a:schemeClr val="tx1"/>
+              </a:solidFill>
+              <a:tailEnd type="triangle"/>
+            </a:ln>
+          </p:spPr>
+          <p:style>
+            <a:lnRef idx="1">
+              <a:schemeClr val="accent1"/>
+            </a:lnRef>
+            <a:fillRef idx="0">
+              <a:schemeClr val="accent1"/>
+            </a:fillRef>
+            <a:effectRef idx="0">
+              <a:schemeClr val="accent1"/>
+            </a:effectRef>
+            <a:fontRef idx="minor">
+              <a:schemeClr val="tx1"/>
+            </a:fontRef>
+          </p:style>
+        </p:cxnSp>
+      </p:grpSp>
+      <p:graphicFrame>
+        <p:nvGraphicFramePr>
+          <p:cNvPr id="11" name="Table 10"/>
+          <p:cNvGraphicFramePr>
+            <a:graphicFrameLocks noGrp="1"/>
+          </p:cNvGraphicFramePr>
+          <p:nvPr>
+            <p:extLst>
+              <p:ext uri="{D42A27DB-BD31-4B8C-83A1-F6EECF244321}">
+                <p14:modId xmlns:p14="http://schemas.microsoft.com/office/powerpoint/2010/main" val="3798459956"/>
+              </p:ext>
+            </p:extLst>
+          </p:nvPr>
+        </p:nvGraphicFramePr>
+        <p:xfrm>
+          <a:off x="7974790" y="2705371"/>
+          <a:ext cx="1041846" cy="741680"/>
+        </p:xfrm>
+        <a:graphic>
+          <a:graphicData uri="http://schemas.openxmlformats.org/drawingml/2006/table">
+            <a:tbl>
+              <a:tblPr firstRow="1" bandRow="1">
+                <a:tableStyleId>{93296810-A885-4BE3-A3E7-6D5BEEA58F35}</a:tableStyleId>
+              </a:tblPr>
+              <a:tblGrid>
+                <a:gridCol w="1041846"/>
+              </a:tblGrid>
+              <a:tr h="370840">
+                <a:tc>
+                  <a:txBody>
+                    <a:bodyPr/>
+                    <a:lstStyle/>
+                    <a:p>
+                      <a:r>
+                        <a:rPr lang="en-GB" smtClean="0"/>
+                        <a:t>Result</a:t>
+                      </a:r>
+                      <a:endParaRPr lang="da-DK"/>
+                    </a:p>
+                  </a:txBody>
+                  <a:tcPr/>
+                </a:tc>
+              </a:tr>
+              <a:tr h="370840">
+                <a:tc>
+                  <a:txBody>
+                    <a:bodyPr/>
+                    <a:lstStyle/>
+                    <a:p>
+                      <a:r>
+                        <a:rPr lang="en-GB" smtClean="0"/>
+                        <a:t>Action</a:t>
+                      </a:r>
+                      <a:endParaRPr lang="da-DK"/>
+                    </a:p>
+                  </a:txBody>
+                  <a:tcPr/>
+                </a:tc>
+              </a:tr>
+            </a:tbl>
+          </a:graphicData>
+        </a:graphic>
+      </p:graphicFrame>
+    </p:spTree>
+    <p:extLst>
+      <p:ext uri="{BB962C8B-B14F-4D97-AF65-F5344CB8AC3E}">
+        <p14:creationId xmlns:p14="http://schemas.microsoft.com/office/powerpoint/2010/main" val="2376114309"/>
+      </p:ext>
+    </p:extLst>
+  </p:cSld>
+  <p:clrMapOvr>
+    <a:masterClrMapping/>
+  </p:clrMapOvr>
+  <p:timing>
+    <p:tnLst>
+      <p:par>
+        <p:cTn id="1" dur="indefinite" restart="never" nodeType="tmRoot">
+          <p:childTnLst>
+            <p:seq concurrent="1" nextAc="seek">
+              <p:cTn id="2" dur="indefinite" nodeType="mainSeq">
+                <p:childTnLst>
+                  <p:par>
+                    <p:cTn id="3" fill="hold">
+                      <p:stCondLst>
+                        <p:cond delay="indefinite"/>
+                      </p:stCondLst>
+                      <p:childTnLst>
+                        <p:par>
+                          <p:cTn id="4" fill="hold">
+                            <p:stCondLst>
+                              <p:cond delay="0"/>
+                            </p:stCondLst>
+                            <p:childTnLst>
+                              <p:par>
+                                <p:cTn id="5" presetID="1" presetClass="entr" presetSubtype="0" fill="hold" nodeType="clickEffect">
+                                  <p:stCondLst>
+                                    <p:cond delay="0"/>
+                                  </p:stCondLst>
+                                  <p:childTnLst>
+                                    <p:set>
+                                      <p:cBhvr>
+                                        <p:cTn id="6" dur="1" fill="hold">
+                                          <p:stCondLst>
+                                            <p:cond delay="0"/>
+                                          </p:stCondLst>
+                                        </p:cTn>
+                                        <p:tgtEl>
+                                          <p:spTgt spid="2"/>
+                                        </p:tgtEl>
+                                        <p:attrNameLst>
+                                          <p:attrName>style.visibility</p:attrName>
+                                        </p:attrNameLst>
+                                      </p:cBhvr>
+                                      <p:to>
+                                        <p:strVal val="visible"/>
+                                      </p:to>
+                                    </p:set>
+                                  </p:childTnLst>
+                                </p:cTn>
+                              </p:par>
+                            </p:childTnLst>
+                          </p:cTn>
+                        </p:par>
+                        <p:par>
+                          <p:cTn id="7" fill="hold">
+                            <p:stCondLst>
+                              <p:cond delay="0"/>
+                            </p:stCondLst>
+                            <p:childTnLst>
+                              <p:par>
+                                <p:cTn id="8" presetID="1" presetClass="entr" presetSubtype="0" fill="hold" nodeType="afterEffect">
+                                  <p:stCondLst>
+                                    <p:cond delay="0"/>
+                                  </p:stCondLst>
+                                  <p:childTnLst>
+                                    <p:set>
+                                      <p:cBhvr>
+                                        <p:cTn id="9" dur="1" fill="hold">
+                                          <p:stCondLst>
+                                            <p:cond delay="0"/>
+                                          </p:stCondLst>
+                                        </p:cTn>
+                                        <p:tgtEl>
+                                          <p:spTgt spid="8"/>
+                                        </p:tgtEl>
+                                        <p:attrNameLst>
+                                          <p:attrName>style.visibility</p:attrName>
+                                        </p:attrNameLst>
+                                      </p:cBhvr>
+                                      <p:to>
+                                        <p:strVal val="visible"/>
+                                      </p:to>
+                                    </p:set>
+                                  </p:childTnLst>
+                                </p:cTn>
+                              </p:par>
+                            </p:childTnLst>
+                          </p:cTn>
+                        </p:par>
+                        <p:par>
+                          <p:cTn id="10" fill="hold">
+                            <p:stCondLst>
+                              <p:cond delay="0"/>
+                            </p:stCondLst>
+                            <p:childTnLst>
+                              <p:par>
+                                <p:cTn id="11" presetID="1" presetClass="entr" presetSubtype="0" fill="hold" nodeType="afterEffect">
+                                  <p:stCondLst>
+                                    <p:cond delay="0"/>
+                                  </p:stCondLst>
+                                  <p:childTnLst>
+                                    <p:set>
+                                      <p:cBhvr>
+                                        <p:cTn id="12" dur="1" fill="hold">
+                                          <p:stCondLst>
+                                            <p:cond delay="0"/>
+                                          </p:stCondLst>
+                                        </p:cTn>
+                                        <p:tgtEl>
+                                          <p:spTgt spid="11"/>
+                                        </p:tgtEl>
+                                        <p:attrNameLst>
+                                          <p:attrName>style.visibility</p:attrName>
+                                        </p:attrNameLst>
+                                      </p:cBhvr>
+                                      <p:to>
+                                        <p:strVal val="visible"/>
+                                      </p:to>
+                                    </p:set>
+                                  </p:childTnLst>
+                                </p:cTn>
+                              </p:par>
+                            </p:childTnLst>
+                          </p:cTn>
+                        </p:par>
+                      </p:childTnLst>
+                    </p:cTn>
+                  </p:par>
+                </p:childTnLst>
+              </p:cTn>
+              <p:prevCondLst>
+                <p:cond evt="onPrev" delay="0">
+                  <p:tgtEl>
+                    <p:sldTgt/>
+                  </p:tgtEl>
+                </p:cond>
+              </p:prevCondLst>
+              <p:nextCondLst>
+                <p:cond evt="onNext" delay="0">
+                  <p:tgtEl>
+                    <p:sldTgt/>
+                  </p:tgtEl>
+                </p:cond>
+              </p:nextCondLst>
+            </p:seq>
+          </p:childTnLst>
+        </p:cTn>
+      </p:par>
+    </p:tnLst>
+  </p:timing>
+</p:sld>
+</file>
+
+<file path=ppt/slides/slide7.xml><?xml version="1.0" encoding="utf-8"?>
+<p:sld xmlns:a="http://schemas.openxmlformats.org/drawingml/2006/main" xmlns:r="http://schemas.openxmlformats.org/officeDocument/2006/relationships" xmlns:p="http://schemas.openxmlformats.org/presentationml/2006/main">
+  <p:cSld>
+    <p:spTree>
+      <p:nvGrpSpPr>
+        <p:cNvPr id="1" name=""/>
+        <p:cNvGrpSpPr/>
+        <p:nvPr/>
+      </p:nvGrpSpPr>
+      <p:grpSpPr>
+        <a:xfrm>
+          <a:off x="0" y="0"/>
+          <a:ext cx="0" cy="0"/>
+          <a:chOff x="0" y="0"/>
+          <a:chExt cx="0" cy="0"/>
+        </a:xfrm>
+      </p:grpSpPr>
+      <p:pic>
+        <p:nvPicPr>
+          <p:cNvPr id="5" name="Picture 4"/>
+          <p:cNvPicPr>
+            <a:picLocks noChangeAspect="1"/>
+          </p:cNvPicPr>
+          <p:nvPr/>
+        </p:nvPicPr>
+        <p:blipFill>
+          <a:blip r:embed="rId2">
+            <a:extLst>
+              <a:ext uri="{28A0092B-C50C-407E-A947-70E740481C1C}">
+                <a14:useLocalDpi xmlns:a14="http://schemas.microsoft.com/office/drawing/2010/main" val="0"/>
+              </a:ext>
+            </a:extLst>
+          </a:blip>
+          <a:stretch>
+            <a:fillRect/>
+          </a:stretch>
+        </p:blipFill>
+        <p:spPr>
+          <a:xfrm>
+            <a:off x="0" y="0"/>
+            <a:ext cx="6779473" cy="6858000"/>
+          </a:xfrm>
+          <a:prstGeom prst="rect">
+            <a:avLst/>
+          </a:prstGeom>
+        </p:spPr>
+      </p:pic>
+      <p:sp>
+        <p:nvSpPr>
+          <p:cNvPr id="6" name="TextBox 5"/>
+          <p:cNvSpPr txBox="1"/>
+          <p:nvPr/>
+        </p:nvSpPr>
+        <p:spPr>
+          <a:xfrm>
+            <a:off x="6989380" y="2301766"/>
+            <a:ext cx="4929352" cy="3108543"/>
+          </a:xfrm>
+          <a:prstGeom prst="rect">
+            <a:avLst/>
+          </a:prstGeom>
+          <a:noFill/>
+        </p:spPr>
+        <p:txBody>
+          <a:bodyPr wrap="square" rtlCol="0">
+            <a:spAutoFit/>
+          </a:bodyPr>
+          <a:lstStyle/>
+          <a:p>
+            <a:r>
+              <a:rPr lang="en-GB" sz="2800" smtClean="0"/>
+              <a:t>AI is as good as their training.</a:t>
+            </a:r>
+          </a:p>
+          <a:p>
+            <a:endParaRPr lang="en-GB" sz="2800"/>
+          </a:p>
+          <a:p>
+            <a:endParaRPr lang="en-GB" sz="2800" smtClean="0"/>
+          </a:p>
+          <a:p>
+            <a:r>
+              <a:rPr lang="en-GB" sz="2800" smtClean="0"/>
+              <a:t>One AI was asked to generate a picture of</a:t>
+            </a:r>
+          </a:p>
+          <a:p>
+            <a:endParaRPr lang="en-GB" sz="2800"/>
+          </a:p>
+          <a:p>
+            <a:r>
+              <a:rPr lang="en-GB" sz="2800" b="1" i="1" smtClean="0"/>
+              <a:t>Salmon swimming up a stream</a:t>
+            </a:r>
+            <a:endParaRPr lang="da-DK" sz="2800" b="1" i="1"/>
+          </a:p>
+        </p:txBody>
+      </p:sp>
+    </p:spTree>
+    <p:extLst>
+      <p:ext uri="{BB962C8B-B14F-4D97-AF65-F5344CB8AC3E}">
+        <p14:creationId xmlns:p14="http://schemas.microsoft.com/office/powerpoint/2010/main" val="1871990238"/>
+      </p:ext>
+    </p:extLst>
+  </p:cSld>
+  <p:clrMapOvr>
+    <a:masterClrMapping/>
+  </p:clrMapOvr>
+</p:sld>
+</file>
+
+<file path=ppt/slides/slide8.xml><?xml version="1.0" encoding="utf-8"?>
+<p:sld xmlns:a="http://schemas.openxmlformats.org/drawingml/2006/main" xmlns:r="http://schemas.openxmlformats.org/officeDocument/2006/relationships" xmlns:p="http://schemas.openxmlformats.org/presentationml/2006/main" show="0">
+  <p:cSld>
+    <p:spTree>
+      <p:nvGrpSpPr>
+        <p:cNvPr id="1" name=""/>
+        <p:cNvGrpSpPr/>
+        <p:nvPr/>
+      </p:nvGrpSpPr>
+      <p:grpSpPr>
+        <a:xfrm>
+          <a:off x="0" y="0"/>
+          <a:ext cx="0" cy="0"/>
+          <a:chOff x="0" y="0"/>
+          <a:chExt cx="0" cy="0"/>
+        </a:xfrm>
+      </p:grpSpPr>
+      <p:sp>
+        <p:nvSpPr>
+          <p:cNvPr id="2" name="Title 1"/>
+          <p:cNvSpPr>
+            <a:spLocks noGrp="1"/>
+          </p:cNvSpPr>
+          <p:nvPr>
+            <p:ph type="title"/>
+          </p:nvPr>
+        </p:nvSpPr>
+        <p:spPr/>
+        <p:txBody>
+          <a:bodyPr/>
+          <a:lstStyle/>
+          <a:p>
+            <a:r>
+              <a:rPr lang="en-GB" smtClean="0"/>
+              <a:t>Oops</a:t>
+            </a:r>
+            <a:endParaRPr lang="da-DK"/>
+          </a:p>
+        </p:txBody>
+      </p:sp>
+      <p:pic>
+        <p:nvPicPr>
+          <p:cNvPr id="3" name="Picture 2"/>
+          <p:cNvPicPr>
+            <a:picLocks noChangeAspect="1"/>
+          </p:cNvPicPr>
+          <p:nvPr/>
+        </p:nvPicPr>
+        <p:blipFill>
+          <a:blip r:embed="rId2"/>
+          <a:stretch>
+            <a:fillRect/>
+          </a:stretch>
+        </p:blipFill>
+        <p:spPr>
+          <a:xfrm>
+            <a:off x="1747237" y="1154241"/>
+            <a:ext cx="8168923" cy="5468216"/>
+          </a:xfrm>
+          <a:prstGeom prst="rect">
+            <a:avLst/>
+          </a:prstGeom>
+        </p:spPr>
+      </p:pic>
+      <p:pic>
+        <p:nvPicPr>
+          <p:cNvPr id="4" name="Picture 3"/>
+          <p:cNvPicPr>
+            <a:picLocks noChangeAspect="1"/>
+          </p:cNvPicPr>
+          <p:nvPr/>
+        </p:nvPicPr>
+        <p:blipFill>
+          <a:blip r:embed="rId3"/>
+          <a:stretch>
+            <a:fillRect/>
+          </a:stretch>
+        </p:blipFill>
+        <p:spPr>
+          <a:xfrm>
+            <a:off x="333766" y="4839345"/>
+            <a:ext cx="10995864" cy="1783112"/>
+          </a:xfrm>
+          <a:prstGeom prst="rect">
+            <a:avLst/>
+          </a:prstGeom>
+          <a:ln w="28575">
+            <a:solidFill>
+              <a:schemeClr val="tx1"/>
+            </a:solidFill>
+          </a:ln>
+          <a:effectLst>
+            <a:outerShdw blurRad="317500" dist="139700" dir="2700000" sx="102000" sy="102000" algn="tl" rotWithShape="0">
+              <a:prstClr val="black">
+                <a:alpha val="40000"/>
+              </a:prstClr>
+            </a:outerShdw>
+          </a:effectLst>
+        </p:spPr>
+      </p:pic>
+      <p:sp>
+        <p:nvSpPr>
+          <p:cNvPr id="5" name="Folded Corner 4"/>
+          <p:cNvSpPr/>
+          <p:nvPr/>
+        </p:nvSpPr>
+        <p:spPr>
+          <a:xfrm>
+            <a:off x="7663956" y="77631"/>
+            <a:ext cx="4409311" cy="943774"/>
+          </a:xfrm>
+          <a:prstGeom prst="foldedCorner">
+            <a:avLst/>
+          </a:prstGeom>
+          <a:solidFill>
+            <a:srgbClr val="FFFF00"/>
+          </a:solidFill>
+        </p:spPr>
+        <p:style>
+          <a:lnRef idx="2">
+            <a:schemeClr val="accent1">
+              <a:shade val="50000"/>
+            </a:schemeClr>
+          </a:lnRef>
+          <a:fillRef idx="1">
+            <a:schemeClr val="accent1"/>
+          </a:fillRef>
+          <a:effectRef idx="0">
+            <a:schemeClr val="accent1"/>
+          </a:effectRef>
+          <a:fontRef idx="minor">
+            <a:schemeClr val="lt1"/>
+          </a:fontRef>
+        </p:style>
+        <p:txBody>
+          <a:bodyPr rtlCol="0" anchor="t"/>
+          <a:lstStyle/>
+          <a:p>
+            <a:r>
+              <a:rPr lang="en-GB" sz="1600" smtClean="0">
+                <a:solidFill>
+                  <a:schemeClr val="tx1"/>
+                </a:solidFill>
+              </a:rPr>
+              <a:t>One more story.</a:t>
+            </a:r>
+          </a:p>
+          <a:p>
+            <a:r>
+              <a:rPr lang="en-GB" sz="1600" smtClean="0">
+                <a:solidFill>
+                  <a:schemeClr val="tx1"/>
+                </a:solidFill>
+              </a:rPr>
+              <a:t>Takes time and is not needed.</a:t>
+            </a:r>
+          </a:p>
+          <a:p>
+            <a:r>
+              <a:rPr lang="en-GB" sz="1600" smtClean="0">
+                <a:solidFill>
+                  <a:schemeClr val="tx1"/>
+                </a:solidFill>
+              </a:rPr>
+              <a:t>Can be used to show unintended bias in a product.</a:t>
+            </a:r>
+            <a:endParaRPr lang="da-DK" sz="1600">
+              <a:solidFill>
+                <a:schemeClr val="tx1"/>
+              </a:solidFill>
+            </a:endParaRPr>
+          </a:p>
+        </p:txBody>
+      </p:sp>
+    </p:spTree>
+    <p:extLst>
+      <p:ext uri="{BB962C8B-B14F-4D97-AF65-F5344CB8AC3E}">
+        <p14:creationId xmlns:p14="http://schemas.microsoft.com/office/powerpoint/2010/main" val="844656223"/>
+      </p:ext>
+    </p:extLst>
+  </p:cSld>
+  <p:clrMapOvr>
+    <a:masterClrMapping/>
+  </p:clrMapOvr>
+  <mc:AlternateContent xmlns:mc="http://schemas.openxmlformats.org/markup-compatibility/2006" xmlns:p14="http://schemas.microsoft.com/office/powerpoint/2010/main">
+    <mc:Choice Requires="p14">
+      <p:transition spd="slow" p14:dur="2000"/>
+    </mc:Choice>
+    <mc:Fallback xmlns="">
+      <p:transition spd="slow"/>
+    </mc:Fallback>
+  </mc:AlternateContent>
+  <p:timing>
+    <p:tnLst>
+      <p:par>
+        <p:cTn id="1" dur="indefinite" restart="never" nodeType="tmRoot">
+          <p:childTnLst>
+            <p:seq concurrent="1" nextAc="seek">
+              <p:cTn id="2" dur="indefinite" nodeType="mainSeq">
+                <p:childTnLst>
+                  <p:par>
+                    <p:cTn id="3" fill="hold">
+                      <p:stCondLst>
+                        <p:cond delay="indefinite"/>
+                        <p:cond evt="onBegin" delay="0">
+                          <p:tn val="2"/>
+                        </p:cond>
+                      </p:stCondLst>
+                      <p:childTnLst>
+                        <p:par>
+                          <p:cTn id="4" fill="hold">
+                            <p:stCondLst>
+                              <p:cond delay="0"/>
+                            </p:stCondLst>
+                            <p:childTnLst>
+                              <p:par>
+                                <p:cTn id="5" presetID="1" presetClass="entr" presetSubtype="0" fill="hold" nodeType="afterEffect">
+                                  <p:stCondLst>
+                                    <p:cond delay="0"/>
+                                  </p:stCondLst>
+                                  <p:childTnLst>
+                                    <p:set>
+                                      <p:cBhvr>
+                                        <p:cTn id="6" dur="1" fill="hold">
+                                          <p:stCondLst>
+                                            <p:cond delay="0"/>
+                                          </p:stCondLst>
+                                        </p:cTn>
+                                        <p:tgtEl>
+                                          <p:spTgt spid="3"/>
+                                        </p:tgtEl>
+                                        <p:attrNameLst>
+                                          <p:attrName>style.visibility</p:attrName>
+                                        </p:attrNameLst>
+                                      </p:cBhvr>
+                                      <p:to>
+                                        <p:strVal val="visible"/>
+                                      </p:to>
+                                    </p:set>
+                                  </p:childTnLst>
+                                </p:cTn>
+                              </p:par>
+                            </p:childTnLst>
+                          </p:cTn>
+                        </p:par>
+                      </p:childTnLst>
+                    </p:cTn>
+                  </p:par>
+                  <p:par>
+                    <p:cTn id="7" fill="hold">
+                      <p:stCondLst>
+                        <p:cond delay="indefinite"/>
+                      </p:stCondLst>
+                      <p:childTnLst>
+                        <p:par>
+                          <p:cTn id="8" fill="hold">
+                            <p:stCondLst>
+                              <p:cond delay="0"/>
+                            </p:stCondLst>
+                            <p:childTnLst>
+                              <p:par>
+                                <p:cTn id="9" presetID="1" presetClass="entr" presetSubtype="0" fill="hold" grpId="0" nodeType="clickEffect">
+                                  <p:stCondLst>
+                                    <p:cond delay="0"/>
+                                  </p:stCondLst>
+                                  <p:childTnLst>
+                                    <p:set>
+                                      <p:cBhvr>
+                                        <p:cTn id="10" dur="1" fill="hold">
+                                          <p:stCondLst>
+                                            <p:cond delay="0"/>
+                                          </p:stCondLst>
+                                        </p:cTn>
+                                        <p:tgtEl>
+                                          <p:spTgt spid="2"/>
+                                        </p:tgtEl>
+                                        <p:attrNameLst>
+                                          <p:attrName>style.visibility</p:attrName>
+                                        </p:attrNameLst>
+                                      </p:cBhvr>
+                                      <p:to>
+                                        <p:strVal val="visible"/>
+                                      </p:to>
+                                    </p:set>
+                                  </p:childTnLst>
+                                </p:cTn>
+                              </p:par>
+                            </p:childTnLst>
+                          </p:cTn>
+                        </p:par>
+                        <p:par>
+                          <p:cTn id="11" fill="hold">
+                            <p:stCondLst>
+                              <p:cond delay="0"/>
+                            </p:stCondLst>
+                            <p:childTnLst>
+                              <p:par>
+                                <p:cTn id="12" presetID="1" presetClass="entr" presetSubtype="0" fill="hold" nodeType="afterEffect">
+                                  <p:stCondLst>
+                                    <p:cond delay="0"/>
+                                  </p:stCondLst>
+                                  <p:childTnLst>
+                                    <p:set>
+                                      <p:cBhvr>
+                                        <p:cTn id="13" dur="1" fill="hold">
+                                          <p:stCondLst>
+                                            <p:cond delay="0"/>
+                                          </p:stCondLst>
+                                        </p:cTn>
+                                        <p:tgtEl>
+                                          <p:spTgt spid="4"/>
+                                        </p:tgtEl>
+                                        <p:attrNameLst>
+                                          <p:attrName>style.visibility</p:attrName>
+                                        </p:attrNameLst>
+                                      </p:cBhvr>
+                                      <p:to>
+                                        <p:strVal val="visible"/>
+                                      </p:to>
+                                    </p:set>
+                                  </p:childTnLst>
+                                </p:cTn>
+                              </p:par>
+                            </p:childTnLst>
+                          </p:cTn>
+                        </p:par>
+                      </p:childTnLst>
+                    </p:cTn>
+                  </p:par>
+                  <p:par>
+                    <p:cTn id="14" fill="hold">
+                      <p:stCondLst>
+                        <p:cond delay="indefinite"/>
+                      </p:stCondLst>
+                      <p:childTnLst>
+                        <p:par>
+                          <p:cTn id="15" fill="hold">
+                            <p:stCondLst>
+                              <p:cond delay="0"/>
+                            </p:stCondLst>
+                            <p:childTnLst>
+                              <p:par>
+                                <p:cTn id="16" presetID="1" presetClass="entr" presetSubtype="0" fill="hold" grpId="0" nodeType="clickEffect">
+                                  <p:stCondLst>
+                                    <p:cond delay="0"/>
+                                  </p:stCondLst>
+                                  <p:childTnLst>
+                                    <p:set>
+                                      <p:cBhvr>
+                                        <p:cTn id="17" dur="1" fill="hold">
+                                          <p:stCondLst>
+                                            <p:cond delay="0"/>
+                                          </p:stCondLst>
+                                        </p:cTn>
+                                        <p:tgtEl>
+                                          <p:spTgt spid="5"/>
+                                        </p:tgtEl>
+                                        <p:attrNameLst>
+                                          <p:attrName>style.visibility</p:attrName>
+                                        </p:attrNameLst>
+                                      </p:cBhvr>
+                                      <p:to>
+                                        <p:strVal val="visible"/>
+                                      </p:to>
+                                    </p:set>
+                                  </p:childTnLst>
+                                </p:cTn>
+                              </p:par>
+                            </p:childTnLst>
+                          </p:cTn>
+                        </p:par>
+                      </p:childTnLst>
+                    </p:cTn>
+                  </p:par>
+                </p:childTnLst>
+              </p:cTn>
+              <p:prevCondLst>
+                <p:cond evt="onPrev" delay="0">
+                  <p:tgtEl>
+                    <p:sldTgt/>
+                  </p:tgtEl>
+                </p:cond>
+              </p:prevCondLst>
+              <p:nextCondLst>
+                <p:cond evt="onNext" delay="0">
+                  <p:tgtEl>
+                    <p:sldTgt/>
+                  </p:tgtEl>
+                </p:cond>
+              </p:nextCondLst>
+            </p:seq>
+          </p:childTnLst>
+        </p:cTn>
+      </p:par>
+    </p:tnLst>
+    <p:bldLst>
+      <p:bldP spid="2" grpId="0"/>
+      <p:bldP spid="5" grpId="0" animBg="1"/>
+    </p:bldLst>
+  </p:timing>
+</p:sld>
+</file>
+
+<file path=ppt/slides/slide9.xml><?xml version="1.0" encoding="utf-8"?>
+<p:sld xmlns:a="http://schemas.openxmlformats.org/drawingml/2006/main" xmlns:r="http://schemas.openxmlformats.org/officeDocument/2006/relationships" xmlns:p="http://schemas.openxmlformats.org/presentationml/2006/main">
+  <p:cSld>
+    <p:spTree>
+      <p:nvGrpSpPr>
+        <p:cNvPr id="1" name=""/>
+        <p:cNvGrpSpPr/>
+        <p:nvPr/>
+      </p:nvGrpSpPr>
+      <p:grpSpPr>
+        <a:xfrm>
+          <a:off x="0" y="0"/>
+          <a:ext cx="0" cy="0"/>
+          <a:chOff x="0" y="0"/>
+          <a:chExt cx="0" cy="0"/>
+        </a:xfrm>
+      </p:grpSpPr>
+      <p:pic>
+        <p:nvPicPr>
+          <p:cNvPr id="5" name="Picture 4"/>
+          <p:cNvPicPr>
+            <a:picLocks noChangeAspect="1"/>
+          </p:cNvPicPr>
+          <p:nvPr/>
+        </p:nvPicPr>
+        <p:blipFill>
+          <a:blip r:embed="rId2"/>
+          <a:stretch>
+            <a:fillRect/>
+          </a:stretch>
+        </p:blipFill>
+        <p:spPr>
+          <a:xfrm>
+            <a:off x="3595312" y="2211454"/>
+            <a:ext cx="3317215" cy="3318346"/>
+          </a:xfrm>
+          <a:prstGeom prst="rect">
+            <a:avLst/>
+          </a:prstGeom>
+        </p:spPr>
+      </p:pic>
+      <p:grpSp>
+        <p:nvGrpSpPr>
+          <p:cNvPr id="35" name="Group 34"/>
+          <p:cNvGrpSpPr/>
+          <p:nvPr/>
+        </p:nvGrpSpPr>
+        <p:grpSpPr>
+          <a:xfrm>
+            <a:off x="6132353" y="800610"/>
+            <a:ext cx="2792046" cy="1647155"/>
+            <a:chOff x="6132353" y="800610"/>
+            <a:chExt cx="2792046" cy="1647155"/>
+          </a:xfrm>
+        </p:grpSpPr>
+        <p:sp>
+          <p:nvSpPr>
+            <p:cNvPr id="6" name="TextBox 5"/>
+            <p:cNvSpPr txBox="1"/>
+            <p:nvPr/>
+          </p:nvSpPr>
+          <p:spPr>
+            <a:xfrm>
+              <a:off x="6132353" y="800610"/>
+              <a:ext cx="2792046" cy="523220"/>
+            </a:xfrm>
+            <a:prstGeom prst="rect">
+              <a:avLst/>
+            </a:prstGeom>
+            <a:noFill/>
+          </p:spPr>
+          <p:txBody>
+            <a:bodyPr wrap="none" rtlCol="0">
+              <a:spAutoFit/>
+            </a:bodyPr>
+            <a:lstStyle/>
+            <a:p>
+              <a:r>
+                <a:rPr lang="en-GB" sz="2800" smtClean="0"/>
+                <a:t>Chocolate Factory</a:t>
+              </a:r>
+              <a:endParaRPr lang="da-DK" sz="2800"/>
+            </a:p>
+          </p:txBody>
+        </p:sp>
+        <p:cxnSp>
+          <p:nvCxnSpPr>
+            <p:cNvPr id="12" name="Straight Arrow Connector 11"/>
+            <p:cNvCxnSpPr>
+              <a:stCxn id="6" idx="2"/>
+            </p:cNvCxnSpPr>
+            <p:nvPr/>
+          </p:nvCxnSpPr>
+          <p:spPr>
+            <a:xfrm flipH="1">
+              <a:off x="6660859" y="1323830"/>
+              <a:ext cx="867517" cy="1123935"/>
+            </a:xfrm>
+            <a:prstGeom prst="straightConnector1">
+              <a:avLst/>
+            </a:prstGeom>
+            <a:ln w="28575">
+              <a:solidFill>
+                <a:schemeClr val="tx1"/>
+              </a:solidFill>
+              <a:tailEnd type="triangle"/>
+            </a:ln>
+          </p:spPr>
+          <p:style>
+            <a:lnRef idx="1">
+              <a:schemeClr val="accent1"/>
+            </a:lnRef>
+            <a:fillRef idx="0">
+              <a:schemeClr val="accent1"/>
+            </a:fillRef>
+            <a:effectRef idx="0">
+              <a:schemeClr val="accent1"/>
+            </a:effectRef>
+            <a:fontRef idx="minor">
+              <a:schemeClr val="tx1"/>
+            </a:fontRef>
+          </p:style>
+        </p:cxnSp>
+      </p:grpSp>
+      <p:grpSp>
+        <p:nvGrpSpPr>
+          <p:cNvPr id="34" name="Group 33"/>
+          <p:cNvGrpSpPr/>
+          <p:nvPr/>
+        </p:nvGrpSpPr>
+        <p:grpSpPr>
+          <a:xfrm>
+            <a:off x="8447364" y="3363985"/>
+            <a:ext cx="2793535" cy="2517396"/>
+            <a:chOff x="8447364" y="3363985"/>
+            <a:chExt cx="2793535" cy="2517396"/>
+          </a:xfrm>
+        </p:grpSpPr>
+        <p:pic>
+          <p:nvPicPr>
+            <p:cNvPr id="15" name="Picture 14"/>
+            <p:cNvPicPr>
+              <a:picLocks noChangeAspect="1"/>
+            </p:cNvPicPr>
+            <p:nvPr/>
+          </p:nvPicPr>
+          <p:blipFill>
+            <a:blip r:embed="rId3" cstate="print">
+              <a:extLst>
+                <a:ext uri="{28A0092B-C50C-407E-A947-70E740481C1C}">
+                  <a14:useLocalDpi xmlns:a14="http://schemas.microsoft.com/office/drawing/2010/main" val="0"/>
+                </a:ext>
+              </a:extLst>
+            </a:blip>
+            <a:stretch>
+              <a:fillRect/>
+            </a:stretch>
+          </p:blipFill>
+          <p:spPr>
+            <a:xfrm>
+              <a:off x="8447364" y="3363985"/>
+              <a:ext cx="1258698" cy="2517396"/>
+            </a:xfrm>
+            <a:prstGeom prst="rect">
+              <a:avLst/>
+            </a:prstGeom>
+          </p:spPr>
+        </p:pic>
+        <p:sp>
+          <p:nvSpPr>
+            <p:cNvPr id="23" name="TextBox 22"/>
+            <p:cNvSpPr txBox="1"/>
+            <p:nvPr/>
+          </p:nvSpPr>
+          <p:spPr>
+            <a:xfrm>
+              <a:off x="10389384" y="4408816"/>
+              <a:ext cx="851515" cy="523220"/>
+            </a:xfrm>
+            <a:prstGeom prst="rect">
+              <a:avLst/>
+            </a:prstGeom>
+            <a:noFill/>
+          </p:spPr>
+          <p:txBody>
+            <a:bodyPr wrap="none" rtlCol="0">
+              <a:spAutoFit/>
+            </a:bodyPr>
+            <a:lstStyle/>
+            <a:p>
+              <a:r>
+                <a:rPr lang="en-GB" sz="2800" smtClean="0"/>
+                <a:t>Boss</a:t>
+              </a:r>
+              <a:endParaRPr lang="da-DK" sz="2800"/>
+            </a:p>
+          </p:txBody>
+        </p:sp>
+        <p:cxnSp>
+          <p:nvCxnSpPr>
+            <p:cNvPr id="24" name="Straight Arrow Connector 23"/>
+            <p:cNvCxnSpPr>
+              <a:stCxn id="23" idx="1"/>
+            </p:cNvCxnSpPr>
+            <p:nvPr/>
+          </p:nvCxnSpPr>
+          <p:spPr>
+            <a:xfrm flipH="1" flipV="1">
+              <a:off x="9840286" y="4488110"/>
+              <a:ext cx="549098" cy="182316"/>
+            </a:xfrm>
+            <a:prstGeom prst="straightConnector1">
+              <a:avLst/>
+            </a:prstGeom>
+            <a:ln w="28575">
+              <a:solidFill>
+                <a:schemeClr val="tx1"/>
+              </a:solidFill>
+              <a:tailEnd type="triangle"/>
+            </a:ln>
+          </p:spPr>
+          <p:style>
+            <a:lnRef idx="1">
+              <a:schemeClr val="accent1"/>
+            </a:lnRef>
+            <a:fillRef idx="0">
+              <a:schemeClr val="accent1"/>
+            </a:fillRef>
+            <a:effectRef idx="0">
+              <a:schemeClr val="accent1"/>
+            </a:effectRef>
+            <a:fontRef idx="minor">
+              <a:schemeClr val="tx1"/>
+            </a:fontRef>
+          </p:style>
+        </p:cxnSp>
+      </p:grpSp>
+      <p:sp>
+        <p:nvSpPr>
+          <p:cNvPr id="27" name="Cloud Callout 26"/>
+          <p:cNvSpPr/>
+          <p:nvPr/>
+        </p:nvSpPr>
+        <p:spPr>
+          <a:xfrm>
+            <a:off x="8812819" y="1729740"/>
+            <a:ext cx="2751589" cy="1347526"/>
+          </a:xfrm>
+          <a:prstGeom prst="cloudCallout">
+            <a:avLst/>
+          </a:prstGeom>
+          <a:solidFill>
+            <a:schemeClr val="bg1"/>
+          </a:solidFill>
+        </p:spPr>
+        <p:style>
+          <a:lnRef idx="2">
+            <a:schemeClr val="accent1">
+              <a:shade val="50000"/>
+            </a:schemeClr>
+          </a:lnRef>
+          <a:fillRef idx="1">
+            <a:schemeClr val="accent1"/>
+          </a:fillRef>
+          <a:effectRef idx="0">
+            <a:schemeClr val="accent1"/>
+          </a:effectRef>
+          <a:fontRef idx="minor">
+            <a:schemeClr val="lt1"/>
+          </a:fontRef>
+        </p:style>
+        <p:txBody>
+          <a:bodyPr rtlCol="0" anchor="ctr"/>
+          <a:lstStyle/>
+          <a:p>
+            <a:pPr algn="ctr"/>
+            <a:r>
+              <a:rPr lang="en-GB" smtClean="0">
+                <a:solidFill>
+                  <a:schemeClr val="tx1"/>
+                </a:solidFill>
+              </a:rPr>
+              <a:t>Will Chris meet tomorrow?</a:t>
+            </a:r>
+            <a:endParaRPr lang="da-DK">
+              <a:solidFill>
+                <a:schemeClr val="tx1"/>
+              </a:solidFill>
+            </a:endParaRPr>
+          </a:p>
+        </p:txBody>
+      </p:sp>
+      <p:grpSp>
+        <p:nvGrpSpPr>
+          <p:cNvPr id="33" name="Group 32"/>
+          <p:cNvGrpSpPr/>
+          <p:nvPr/>
+        </p:nvGrpSpPr>
+        <p:grpSpPr>
+          <a:xfrm>
+            <a:off x="782591" y="1503178"/>
+            <a:ext cx="2471060" cy="3076090"/>
+            <a:chOff x="782591" y="1503178"/>
+            <a:chExt cx="2471060" cy="3076090"/>
+          </a:xfrm>
+        </p:grpSpPr>
+        <p:sp>
+          <p:nvSpPr>
+            <p:cNvPr id="17" name="TextBox 16"/>
+            <p:cNvSpPr txBox="1"/>
+            <p:nvPr/>
+          </p:nvSpPr>
+          <p:spPr>
+            <a:xfrm>
+              <a:off x="782591" y="1503178"/>
+              <a:ext cx="912429" cy="523220"/>
+            </a:xfrm>
+            <a:prstGeom prst="rect">
+              <a:avLst/>
+            </a:prstGeom>
+            <a:noFill/>
+          </p:spPr>
+          <p:txBody>
+            <a:bodyPr wrap="none" rtlCol="0">
+              <a:spAutoFit/>
+            </a:bodyPr>
+            <a:lstStyle/>
+            <a:p>
+              <a:r>
+                <a:rPr lang="en-GB" sz="2800" smtClean="0"/>
+                <a:t>Chris</a:t>
+              </a:r>
+              <a:endParaRPr lang="da-DK" sz="2800"/>
+            </a:p>
+          </p:txBody>
+        </p:sp>
+        <p:cxnSp>
+          <p:nvCxnSpPr>
+            <p:cNvPr id="18" name="Straight Arrow Connector 17"/>
+            <p:cNvCxnSpPr>
+              <a:stCxn id="17" idx="2"/>
+            </p:cNvCxnSpPr>
+            <p:nvPr/>
+          </p:nvCxnSpPr>
+          <p:spPr>
+            <a:xfrm>
+              <a:off x="1238806" y="2026398"/>
+              <a:ext cx="456214" cy="448354"/>
+            </a:xfrm>
+            <a:prstGeom prst="straightConnector1">
+              <a:avLst/>
+            </a:prstGeom>
+            <a:ln w="28575">
+              <a:solidFill>
+                <a:schemeClr val="tx1"/>
+              </a:solidFill>
+              <a:tailEnd type="triangle"/>
+            </a:ln>
+          </p:spPr>
+          <p:style>
+            <a:lnRef idx="1">
+              <a:schemeClr val="accent1"/>
+            </a:lnRef>
+            <a:fillRef idx="0">
+              <a:schemeClr val="accent1"/>
+            </a:fillRef>
+            <a:effectRef idx="0">
+              <a:schemeClr val="accent1"/>
+            </a:effectRef>
+            <a:fontRef idx="minor">
+              <a:schemeClr val="tx1"/>
+            </a:fontRef>
+          </p:style>
+        </p:cxnSp>
+        <p:pic>
+          <p:nvPicPr>
+            <p:cNvPr id="28" name="Picture 27"/>
+            <p:cNvPicPr>
+              <a:picLocks noChangeAspect="1"/>
+            </p:cNvPicPr>
+            <p:nvPr/>
+          </p:nvPicPr>
+          <p:blipFill>
+            <a:blip r:embed="rId4" cstate="print">
+              <a:extLst>
+                <a:ext uri="{28A0092B-C50C-407E-A947-70E740481C1C}">
+                  <a14:useLocalDpi xmlns:a14="http://schemas.microsoft.com/office/drawing/2010/main" val="0"/>
+                </a:ext>
+              </a:extLst>
+            </a:blip>
+            <a:stretch>
+              <a:fillRect/>
+            </a:stretch>
+          </p:blipFill>
+          <p:spPr>
+            <a:xfrm>
+              <a:off x="1255367" y="2447765"/>
+              <a:ext cx="1998284" cy="2131503"/>
+            </a:xfrm>
+            <a:prstGeom prst="rect">
+              <a:avLst/>
+            </a:prstGeom>
+          </p:spPr>
+        </p:pic>
+      </p:grpSp>
+    </p:spTree>
+    <p:extLst>
+      <p:ext uri="{BB962C8B-B14F-4D97-AF65-F5344CB8AC3E}">
+        <p14:creationId xmlns:p14="http://schemas.microsoft.com/office/powerpoint/2010/main" val="2201371313"/>
+      </p:ext>
+    </p:extLst>
+  </p:cSld>
+  <p:clrMapOvr>
+    <a:masterClrMapping/>
+  </p:clrMapOvr>
+  <p:timing>
+    <p:tnLst>
+      <p:par>
+        <p:cTn id="1" dur="indefinite" restart="never" nodeType="tmRoot">
+          <p:childTnLst>
+            <p:seq concurrent="1" nextAc="seek">
+              <p:cTn id="2" dur="indefinite" nodeType="mainSeq">
+                <p:childTnLst>
+                  <p:par>
+                    <p:cTn id="3" fill="hold">
+                      <p:stCondLst>
+                        <p:cond delay="indefinite"/>
+                        <p:cond evt="onBegin" delay="0">
+                          <p:tn val="2"/>
+                        </p:cond>
+                      </p:stCondLst>
+                      <p:childTnLst>
+                        <p:par>
+                          <p:cTn id="4" fill="hold">
+                            <p:stCondLst>
+                              <p:cond delay="0"/>
+                            </p:stCondLst>
+                            <p:childTnLst>
+                              <p:par>
+                                <p:cTn id="5" presetID="1" presetClass="entr" presetSubtype="0" fill="hold" nodeType="afterEffect">
+                                  <p:stCondLst>
+                                    <p:cond delay="0"/>
+                                  </p:stCondLst>
+                                  <p:childTnLst>
+                                    <p:set>
+                                      <p:cBhvr>
+                                        <p:cTn id="6" dur="1" fill="hold">
+                                          <p:stCondLst>
+                                            <p:cond delay="0"/>
+                                          </p:stCondLst>
+                                        </p:cTn>
+                                        <p:tgtEl>
+                                          <p:spTgt spid="5"/>
+                                        </p:tgtEl>
+                                        <p:attrNameLst>
+                                          <p:attrName>style.visibility</p:attrName>
+                                        </p:attrNameLst>
+                                      </p:cBhvr>
+                                      <p:to>
+                                        <p:strVal val="visible"/>
+                                      </p:to>
+                                    </p:set>
+                                  </p:childTnLst>
+                                </p:cTn>
+                              </p:par>
+                            </p:childTnLst>
+                          </p:cTn>
+                        </p:par>
+                      </p:childTnLst>
+                    </p:cTn>
+                  </p:par>
+                  <p:par>
+                    <p:cTn id="7" fill="hold">
+                      <p:stCondLst>
+                        <p:cond delay="indefinite"/>
+                      </p:stCondLst>
+                      <p:childTnLst>
+                        <p:par>
+                          <p:cTn id="8" fill="hold">
+                            <p:stCondLst>
+                              <p:cond delay="0"/>
+                            </p:stCondLst>
+                            <p:childTnLst>
+                              <p:par>
+                                <p:cTn id="9" presetID="1" presetClass="entr" presetSubtype="0" fill="hold" nodeType="clickEffect">
+                                  <p:stCondLst>
+                                    <p:cond delay="0"/>
+                                  </p:stCondLst>
+                                  <p:childTnLst>
+                                    <p:set>
+                                      <p:cBhvr>
+                                        <p:cTn id="10" dur="1" fill="hold">
+                                          <p:stCondLst>
+                                            <p:cond delay="0"/>
+                                          </p:stCondLst>
+                                        </p:cTn>
+                                        <p:tgtEl>
+                                          <p:spTgt spid="35"/>
+                                        </p:tgtEl>
+                                        <p:attrNameLst>
+                                          <p:attrName>style.visibility</p:attrName>
+                                        </p:attrNameLst>
+                                      </p:cBhvr>
+                                      <p:to>
+                                        <p:strVal val="visible"/>
+                                      </p:to>
+                                    </p:set>
+                                  </p:childTnLst>
+                                </p:cTn>
+                              </p:par>
+                            </p:childTnLst>
+                          </p:cTn>
+                        </p:par>
+                      </p:childTnLst>
+                    </p:cTn>
+                  </p:par>
+                  <p:par>
+                    <p:cTn id="11" fill="hold">
+                      <p:stCondLst>
+                        <p:cond delay="indefinite"/>
+                      </p:stCondLst>
+                      <p:childTnLst>
+                        <p:par>
+                          <p:cTn id="12" fill="hold">
+                            <p:stCondLst>
+                              <p:cond delay="0"/>
+                            </p:stCondLst>
+                            <p:childTnLst>
+                              <p:par>
+                                <p:cTn id="13" presetID="1" presetClass="entr" presetSubtype="0" fill="hold" nodeType="clickEffect">
+                                  <p:stCondLst>
+                                    <p:cond delay="0"/>
+                                  </p:stCondLst>
+                                  <p:childTnLst>
+                                    <p:set>
+                                      <p:cBhvr>
+                                        <p:cTn id="14" dur="1" fill="hold">
+                                          <p:stCondLst>
+                                            <p:cond delay="0"/>
+                                          </p:stCondLst>
+                                        </p:cTn>
+                                        <p:tgtEl>
+                                          <p:spTgt spid="33"/>
+                                        </p:tgtEl>
+                                        <p:attrNameLst>
+                                          <p:attrName>style.visibility</p:attrName>
+                                        </p:attrNameLst>
+                                      </p:cBhvr>
+                                      <p:to>
+                                        <p:strVal val="visible"/>
+                                      </p:to>
+                                    </p:set>
+                                  </p:childTnLst>
+                                </p:cTn>
+                              </p:par>
+                            </p:childTnLst>
+                          </p:cTn>
+                        </p:par>
+                      </p:childTnLst>
+                    </p:cTn>
+                  </p:par>
+                  <p:par>
+                    <p:cTn id="15" fill="hold">
+                      <p:stCondLst>
+                        <p:cond delay="indefinite"/>
+                      </p:stCondLst>
+                      <p:childTnLst>
+                        <p:par>
+                          <p:cTn id="16" fill="hold">
+                            <p:stCondLst>
+                              <p:cond delay="0"/>
+                            </p:stCondLst>
+                            <p:childTnLst>
+                              <p:par>
+                                <p:cTn id="17" presetID="1" presetClass="entr" presetSubtype="0" fill="hold" nodeType="clickEffect">
+                                  <p:stCondLst>
+                                    <p:cond delay="0"/>
+                                  </p:stCondLst>
+                                  <p:childTnLst>
+                                    <p:set>
+                                      <p:cBhvr>
+                                        <p:cTn id="18" dur="1" fill="hold">
+                                          <p:stCondLst>
+                                            <p:cond delay="0"/>
+                                          </p:stCondLst>
+                                        </p:cTn>
+                                        <p:tgtEl>
+                                          <p:spTgt spid="34"/>
+                                        </p:tgtEl>
+                                        <p:attrNameLst>
+                                          <p:attrName>style.visibility</p:attrName>
+                                        </p:attrNameLst>
+                                      </p:cBhvr>
+                                      <p:to>
+                                        <p:strVal val="visible"/>
+                                      </p:to>
+                                    </p:set>
+                                  </p:childTnLst>
+                                </p:cTn>
+                              </p:par>
+                            </p:childTnLst>
+                          </p:cTn>
+                        </p:par>
+                      </p:childTnLst>
+                    </p:cTn>
+                  </p:par>
+                  <p:par>
+                    <p:cTn id="19" fill="hold">
+                      <p:stCondLst>
+                        <p:cond delay="indefinite"/>
+                      </p:stCondLst>
+                      <p:childTnLst>
+                        <p:par>
+                          <p:cTn id="20" fill="hold">
+                            <p:stCondLst>
+                              <p:cond delay="0"/>
+                            </p:stCondLst>
+                            <p:childTnLst>
+                              <p:par>
+                                <p:cTn id="21" presetID="1" presetClass="entr" presetSubtype="0" fill="hold" grpId="0" nodeType="clickEffect">
+                                  <p:stCondLst>
+                                    <p:cond delay="0"/>
+                                  </p:stCondLst>
+                                  <p:childTnLst>
+                                    <p:set>
+                                      <p:cBhvr>
+                                        <p:cTn id="22" dur="1" fill="hold">
+                                          <p:stCondLst>
+                                            <p:cond delay="0"/>
+                                          </p:stCondLst>
+                                        </p:cTn>
+                                        <p:tgtEl>
+                                          <p:spTgt spid="27"/>
+                                        </p:tgtEl>
+                                        <p:attrNameLst>
+                                          <p:attrName>style.visibility</p:attrName>
+                                        </p:attrNameLst>
+                                      </p:cBhvr>
+                                      <p:to>
+                                        <p:strVal val="visible"/>
+                                      </p:to>
+                                    </p:set>
+                                  </p:childTnLst>
+                                </p:cTn>
+                              </p:par>
+                            </p:childTnLst>
+                          </p:cTn>
+                        </p:par>
+                      </p:childTnLst>
+                    </p:cTn>
+                  </p:par>
+                </p:childTnLst>
+              </p:cTn>
+              <p:prevCondLst>
+                <p:cond evt="onPrev" delay="0">
+                  <p:tgtEl>
+                    <p:sldTgt/>
+                  </p:tgtEl>
+                </p:cond>
+              </p:prevCondLst>
+              <p:nextCondLst>
+                <p:cond evt="onNext" delay="0">
+                  <p:tgtEl>
+                    <p:sldTgt/>
+                  </p:tgtEl>
+                </p:cond>
+              </p:nextCondLst>
+            </p:seq>
+          </p:childTnLst>
+        </p:cTn>
+      </p:par>
+    </p:tnLst>
+    <p:bldLst>
+      <p:bldP spid="27" grpId="0" animBg="1"/>
+    </p:bldLst>
+  </p:timing>
+</p:sld>
+</file>
+
 <file path=ppt/theme/theme1.xml><?xml version="1.0" encoding="utf-8"?>
 <a:theme xmlns:a="http://schemas.openxmlformats.org/drawingml/2006/main" name="Office Theme">
   <a:themeElements>
@@ -7488,4 +14556,265 @@
     </a:ext>
   </a:extLst>
 </a:theme>
+</file>
+
+<file path=ppt/theme/theme2.xml><?xml version="1.0" encoding="utf-8"?>
+<a:theme xmlns:a="http://schemas.openxmlformats.org/drawingml/2006/main" name="Office Theme">
+  <a:themeElements>
+    <a:clrScheme name="Office">
+      <a:dk1>
+        <a:sysClr val="windowText" lastClr="000000"/>
+      </a:dk1>
+      <a:lt1>
+        <a:sysClr val="window" lastClr="FFFFFF"/>
+      </a:lt1>
+      <a:dk2>
+        <a:srgbClr val="44546A"/>
+      </a:dk2>
+      <a:lt2>
+        <a:srgbClr val="E7E6E6"/>
+      </a:lt2>
+      <a:accent1>
+        <a:srgbClr val="5B9BD5"/>
+      </a:accent1>
+      <a:accent2>
+        <a:srgbClr val="ED7D31"/>
+      </a:accent2>
+      <a:accent3>
+        <a:srgbClr val="A5A5A5"/>
+      </a:accent3>
+      <a:accent4>
+        <a:srgbClr val="FFC000"/>
+      </a:accent4>
+      <a:accent5>
+        <a:srgbClr val="4472C4"/>
+      </a:accent5>
+      <a:accent6>
+        <a:srgbClr val="70AD47"/>
+      </a:accent6>
+      <a:hlink>
+        <a:srgbClr val="0563C1"/>
+      </a:hlink>
+      <a:folHlink>
+        <a:srgbClr val="954F72"/>
+      </a:folHlink>
+    </a:clrScheme>
+    <a:fontScheme name="Office">
+      <a:majorFont>
+        <a:latin typeface="Calibri Light" panose="020F0302020204030204"/>
+        <a:ea typeface=""/>
+        <a:cs typeface=""/>
+        <a:font script="Jpan" typeface="ＭＳ Ｐゴシック"/>
+        <a:font script="Hang" typeface="맑은 고딕"/>
+        <a:font script="Hans" typeface="宋体"/>
+        <a:font script="Hant" typeface="新細明體"/>
+        <a:font script="Arab" typeface="Times New Roman"/>
+        <a:font script="Hebr" typeface="Times New Roman"/>
+        <a:font script="Thai" typeface="Angsana New"/>
+        <a:font script="Ethi" typeface="Nyala"/>
+        <a:font script="Beng" typeface="Vrinda"/>
+        <a:font script="Gujr" typeface="Shruti"/>
+        <a:font script="Khmr" typeface="MoolBoran"/>
+        <a:font script="Knda" typeface="Tunga"/>
+        <a:font script="Guru" typeface="Raavi"/>
+        <a:font script="Cans" typeface="Euphemia"/>
+        <a:font script="Cher" typeface="Plantagenet Cherokee"/>
+        <a:font script="Yiii" typeface="Microsoft Yi Baiti"/>
+        <a:font script="Tibt" typeface="Microsoft Himalaya"/>
+        <a:font script="Thaa" typeface="MV Boli"/>
+        <a:font script="Deva" typeface="Mangal"/>
+        <a:font script="Telu" typeface="Gautami"/>
+        <a:font script="Taml" typeface="Latha"/>
+        <a:font script="Syrc" typeface="Estrangelo Edessa"/>
+        <a:font script="Orya" typeface="Kalinga"/>
+        <a:font script="Mlym" typeface="Kartika"/>
+        <a:font script="Laoo" typeface="DokChampa"/>
+        <a:font script="Sinh" typeface="Iskoola Pota"/>
+        <a:font script="Mong" typeface="Mongolian Baiti"/>
+        <a:font script="Viet" typeface="Times New Roman"/>
+        <a:font script="Uigh" typeface="Microsoft Uighur"/>
+        <a:font script="Geor" typeface="Sylfaen"/>
+      </a:majorFont>
+      <a:minorFont>
+        <a:latin typeface="Calibri" panose="020F0502020204030204"/>
+        <a:ea typeface=""/>
+        <a:cs typeface=""/>
+        <a:font script="Jpan" typeface="ＭＳ Ｐゴシック"/>
+        <a:font script="Hang" typeface="맑은 고딕"/>
+        <a:font script="Hans" typeface="宋体"/>
+        <a:font script="Hant" typeface="新細明體"/>
+        <a:font script="Arab" typeface="Arial"/>
+        <a:font script="Hebr" typeface="Arial"/>
+        <a:font script="Thai" typeface="Cordia New"/>
+        <a:font script="Ethi" typeface="Nyala"/>
+        <a:font script="Beng" typeface="Vrinda"/>
+        <a:font script="Gujr" typeface="Shruti"/>
+        <a:font script="Khmr" typeface="DaunPenh"/>
+        <a:font script="Knda" typeface="Tunga"/>
+        <a:font script="Guru" typeface="Raavi"/>
+        <a:font script="Cans" typeface="Euphemia"/>
+        <a:font script="Cher" typeface="Plantagenet Cherokee"/>
+        <a:font script="Yiii" typeface="Microsoft Yi Baiti"/>
+        <a:font script="Tibt" typeface="Microsoft Himalaya"/>
+        <a:font script="Thaa" typeface="MV Boli"/>
+        <a:font script="Deva" typeface="Mangal"/>
+        <a:font script="Telu" typeface="Gautami"/>
+        <a:font script="Taml" typeface="Latha"/>
+        <a:font script="Syrc" typeface="Estrangelo Edessa"/>
+        <a:font script="Orya" typeface="Kalinga"/>
+        <a:font script="Mlym" typeface="Kartika"/>
+        <a:font script="Laoo" typeface="DokChampa"/>
+        <a:font script="Sinh" typeface="Iskoola Pota"/>
+        <a:font script="Mong" typeface="Mongolian Baiti"/>
+        <a:font script="Viet" typeface="Arial"/>
+        <a:font script="Uigh" typeface="Microsoft Uighur"/>
+        <a:font script="Geor" typeface="Sylfaen"/>
+      </a:minorFont>
+    </a:fontScheme>
+    <a:fmtScheme name="Office">
+      <a:fillStyleLst>
+        <a:solidFill>
+          <a:schemeClr val="phClr"/>
+        </a:solidFill>
+        <a:gradFill rotWithShape="1">
+          <a:gsLst>
+            <a:gs pos="0">
+              <a:schemeClr val="phClr">
+                <a:lumMod val="110000"/>
+                <a:satMod val="105000"/>
+                <a:tint val="67000"/>
+              </a:schemeClr>
+            </a:gs>
+            <a:gs pos="50000">
+              <a:schemeClr val="phClr">
+                <a:lumMod val="105000"/>
+                <a:satMod val="103000"/>
+                <a:tint val="73000"/>
+              </a:schemeClr>
+            </a:gs>
+            <a:gs pos="100000">
+              <a:schemeClr val="phClr">
+                <a:lumMod val="105000"/>
+                <a:satMod val="109000"/>
+                <a:tint val="81000"/>
+              </a:schemeClr>
+            </a:gs>
+          </a:gsLst>
+          <a:lin ang="5400000" scaled="0"/>
+        </a:gradFill>
+        <a:gradFill rotWithShape="1">
+          <a:gsLst>
+            <a:gs pos="0">
+              <a:schemeClr val="phClr">
+                <a:satMod val="103000"/>
+                <a:lumMod val="102000"/>
+                <a:tint val="94000"/>
+              </a:schemeClr>
+            </a:gs>
+            <a:gs pos="50000">
+              <a:schemeClr val="phClr">
+                <a:satMod val="110000"/>
+                <a:lumMod val="100000"/>
+                <a:shade val="100000"/>
+              </a:schemeClr>
+            </a:gs>
+            <a:gs pos="100000">
+              <a:schemeClr val="phClr">
+                <a:lumMod val="99000"/>
+                <a:satMod val="120000"/>
+                <a:shade val="78000"/>
+              </a:schemeClr>
+            </a:gs>
+          </a:gsLst>
+          <a:lin ang="5400000" scaled="0"/>
+        </a:gradFill>
+      </a:fillStyleLst>
+      <a:lnStyleLst>
+        <a:ln w="6350" cap="flat" cmpd="sng" algn="ctr">
+          <a:solidFill>
+            <a:schemeClr val="phClr"/>
+          </a:solidFill>
+          <a:prstDash val="solid"/>
+          <a:miter lim="800000"/>
+        </a:ln>
+        <a:ln w="12700" cap="flat" cmpd="sng" algn="ctr">
+          <a:solidFill>
+            <a:schemeClr val="phClr"/>
+          </a:solidFill>
+          <a:prstDash val="solid"/>
+          <a:miter lim="800000"/>
+        </a:ln>
+        <a:ln w="19050" cap="flat" cmpd="sng" algn="ctr">
+          <a:solidFill>
+            <a:schemeClr val="phClr"/>
+          </a:solidFill>
+          <a:prstDash val="solid"/>
+          <a:miter lim="800000"/>
+        </a:ln>
+      </a:lnStyleLst>
+      <a:effectStyleLst>
+        <a:effectStyle>
+          <a:effectLst/>
+        </a:effectStyle>
+        <a:effectStyle>
+          <a:effectLst/>
+        </a:effectStyle>
+        <a:effectStyle>
+          <a:effectLst>
+            <a:outerShdw blurRad="57150" dist="19050" dir="5400000" algn="ctr" rotWithShape="0">
+              <a:srgbClr val="000000">
+                <a:alpha val="63000"/>
+              </a:srgbClr>
+            </a:outerShdw>
+          </a:effectLst>
+        </a:effectStyle>
+      </a:effectStyleLst>
+      <a:bgFillStyleLst>
+        <a:solidFill>
+          <a:schemeClr val="phClr"/>
+        </a:solidFill>
+        <a:solidFill>
+          <a:schemeClr val="phClr">
+            <a:tint val="95000"/>
+            <a:satMod val="170000"/>
+          </a:schemeClr>
+        </a:solidFill>
+        <a:gradFill rotWithShape="1">
+          <a:gsLst>
+            <a:gs pos="0">
+              <a:schemeClr val="phClr">
+                <a:tint val="93000"/>
+                <a:satMod val="150000"/>
+                <a:shade val="98000"/>
+                <a:lumMod val="102000"/>
+              </a:schemeClr>
+            </a:gs>
+            <a:gs pos="50000">
+              <a:schemeClr val="phClr">
+                <a:tint val="98000"/>
+                <a:satMod val="130000"/>
+                <a:shade val="90000"/>
+                <a:lumMod val="103000"/>
+              </a:schemeClr>
+            </a:gs>
+            <a:gs pos="100000">
+              <a:schemeClr val="phClr">
+                <a:shade val="63000"/>
+                <a:satMod val="120000"/>
+              </a:schemeClr>
+            </a:gs>
+          </a:gsLst>
+          <a:lin ang="5400000" scaled="0"/>
+        </a:gradFill>
+      </a:bgFillStyleLst>
+    </a:fmtScheme>
+  </a:themeElements>
+  <a:objectDefaults/>
+  <a:extraClrSchemeLst/>
+  <a:extLst>
+    <a:ext uri="{05A4C25C-085E-4340-85A3-A5531E510DB2}">
+      <thm15:themeFamily xmlns:thm15="http://schemas.microsoft.com/office/thememl/2012/main" name="Office Theme" id="{62F939B6-93AF-4DB8-9C6B-D6C7DFDC589F}" vid="{4A3C46E8-61CC-4603-A589-7422A47A8E4A}"/>
+    </a:ext>
+  </a:extLst>
+</a:theme>
 </file>